--- a/Final Presentation.pptx
+++ b/Final Presentation.pptx
@@ -653,7 +653,7 @@
   <pc:docChgLst>
     <pc:chgData name="Daniel Buescher" userId="be4f4dfaf1c4f0c1" providerId="LiveId" clId="{033E3976-089A-4928-A635-8C492144EEA1}"/>
     <pc:docChg chg="undo custSel addSld delSld modSld sldOrd">
-      <pc:chgData name="Daniel Buescher" userId="be4f4dfaf1c4f0c1" providerId="LiveId" clId="{033E3976-089A-4928-A635-8C492144EEA1}" dt="2021-06-28T22:45:30.013" v="1226" actId="20577"/>
+      <pc:chgData name="Daniel Buescher" userId="be4f4dfaf1c4f0c1" providerId="LiveId" clId="{033E3976-089A-4928-A635-8C492144EEA1}" dt="2021-06-28T22:52:33.629" v="1230" actId="1076"/>
       <pc:docMkLst>
         <pc:docMk/>
       </pc:docMkLst>
@@ -957,7 +957,7 @@
         </pc:sldMkLst>
       </pc:sldChg>
       <pc:sldChg chg="addSp delSp modSp add mod ord">
-        <pc:chgData name="Daniel Buescher" userId="be4f4dfaf1c4f0c1" providerId="LiveId" clId="{033E3976-089A-4928-A635-8C492144EEA1}" dt="2021-06-28T22:38:36.941" v="840" actId="21"/>
+        <pc:chgData name="Daniel Buescher" userId="be4f4dfaf1c4f0c1" providerId="LiveId" clId="{033E3976-089A-4928-A635-8C492144EEA1}" dt="2021-06-28T22:52:33.629" v="1230" actId="1076"/>
         <pc:sldMkLst>
           <pc:docMk/>
           <pc:sldMk cId="3567782682" sldId="273"/>
@@ -992,6 +992,14 @@
             <pc:docMk/>
             <pc:sldMk cId="3567782682" sldId="273"/>
             <ac:picMk id="6" creationId="{6DD5EFF5-8A56-4C40-AACF-85673F1289F3}"/>
+          </ac:picMkLst>
+        </pc:picChg>
+        <pc:picChg chg="add mod">
+          <ac:chgData name="Daniel Buescher" userId="be4f4dfaf1c4f0c1" providerId="LiveId" clId="{033E3976-089A-4928-A635-8C492144EEA1}" dt="2021-06-28T22:52:33.629" v="1230" actId="1076"/>
+          <ac:picMkLst>
+            <pc:docMk/>
+            <pc:sldMk cId="3567782682" sldId="273"/>
+            <ac:picMk id="7" creationId="{F1444BFA-8C75-4BD8-91FD-5230443E3CC2}"/>
           </ac:picMkLst>
         </pc:picChg>
         <pc:picChg chg="add del mod">
@@ -7707,13 +7715,13 @@
   <p:clrMapOvr>
     <a:masterClrMapping/>
   </p:clrMapOvr>
-  <mc:AlternateContent xmlns:mc="http://schemas.openxmlformats.org/markup-compatibility/2006">
-    <mc:Choice xmlns:p14="http://schemas.microsoft.com/office/powerpoint/2010/main" Requires="p14">
+  <mc:AlternateContent xmlns:mc="http://schemas.openxmlformats.org/markup-compatibility/2006" xmlns:p14="http://schemas.microsoft.com/office/powerpoint/2010/main">
+    <mc:Choice Requires="p14">
       <p:transition spd="med" p14:dur="700">
         <p:fade/>
       </p:transition>
     </mc:Choice>
-    <mc:Fallback>
+    <mc:Fallback xmlns="">
       <p:transition spd="med">
         <p:fade/>
       </p:transition>
@@ -8917,6 +8925,36 @@
           </a:p>
         </p:txBody>
       </p:sp>
+      <p:pic>
+        <p:nvPicPr>
+          <p:cNvPr id="7" name="Picture 6">
+            <a:extLst>
+              <a:ext uri="{FF2B5EF4-FFF2-40B4-BE49-F238E27FC236}">
+                <a16:creationId xmlns:a16="http://schemas.microsoft.com/office/drawing/2014/main" id="{F1444BFA-8C75-4BD8-91FD-5230443E3CC2}"/>
+              </a:ext>
+            </a:extLst>
+          </p:cNvPr>
+          <p:cNvPicPr>
+            <a:picLocks noChangeAspect="1"/>
+          </p:cNvPicPr>
+          <p:nvPr/>
+        </p:nvPicPr>
+        <p:blipFill>
+          <a:blip r:embed="rId4"/>
+          <a:stretch>
+            <a:fillRect/>
+          </a:stretch>
+        </p:blipFill>
+        <p:spPr>
+          <a:xfrm>
+            <a:off x="5667935" y="2330796"/>
+            <a:ext cx="6205818" cy="3219611"/>
+          </a:xfrm>
+          <a:prstGeom prst="rect">
+            <a:avLst/>
+          </a:prstGeom>
+        </p:spPr>
+      </p:pic>
     </p:spTree>
     <p:extLst>
       <p:ext uri="{BB962C8B-B14F-4D97-AF65-F5344CB8AC3E}">
@@ -8927,13 +8965,13 @@
   <p:clrMapOvr>
     <a:masterClrMapping/>
   </p:clrMapOvr>
-  <mc:AlternateContent xmlns:mc="http://schemas.openxmlformats.org/markup-compatibility/2006">
-    <mc:Choice xmlns:p14="http://schemas.microsoft.com/office/powerpoint/2010/main" Requires="p14">
+  <mc:AlternateContent xmlns:mc="http://schemas.openxmlformats.org/markup-compatibility/2006" xmlns:p14="http://schemas.microsoft.com/office/powerpoint/2010/main">
+    <mc:Choice Requires="p14">
       <p:transition spd="med" p14:dur="700">
         <p:fade/>
       </p:transition>
     </mc:Choice>
-    <mc:Fallback>
+    <mc:Fallback xmlns="">
       <p:transition spd="med">
         <p:fade/>
       </p:transition>

--- a/Final Presentation.pptx
+++ b/Final Presentation.pptx
@@ -6,15 +6,16 @@
   </p:sldMasterIdLst>
   <p:sldIdLst>
     <p:sldId id="256" r:id="rId2"/>
-    <p:sldId id="268" r:id="rId3"/>
-    <p:sldId id="269" r:id="rId4"/>
-    <p:sldId id="276" r:id="rId5"/>
-    <p:sldId id="275" r:id="rId6"/>
-    <p:sldId id="267" r:id="rId7"/>
-    <p:sldId id="274" r:id="rId8"/>
-    <p:sldId id="273" r:id="rId9"/>
-    <p:sldId id="266" r:id="rId10"/>
-    <p:sldId id="272" r:id="rId11"/>
+    <p:sldId id="277" r:id="rId3"/>
+    <p:sldId id="268" r:id="rId4"/>
+    <p:sldId id="269" r:id="rId5"/>
+    <p:sldId id="276" r:id="rId6"/>
+    <p:sldId id="275" r:id="rId7"/>
+    <p:sldId id="267" r:id="rId8"/>
+    <p:sldId id="274" r:id="rId9"/>
+    <p:sldId id="273" r:id="rId10"/>
+    <p:sldId id="266" r:id="rId11"/>
+    <p:sldId id="272" r:id="rId12"/>
   </p:sldIdLst>
   <p:sldSz cx="12192000" cy="6858000"/>
   <p:notesSz cx="6858000" cy="9144000"/>
@@ -124,7 +125,7 @@
 <file path=ppt/revisionInfo.xml><?xml version="1.0" encoding="utf-8"?>
 <p1510:revInfo xmlns:a="http://schemas.openxmlformats.org/drawingml/2006/main" xmlns:r="http://schemas.openxmlformats.org/officeDocument/2006/relationships" xmlns:p1510="http://schemas.microsoft.com/office/powerpoint/2015/10/main">
   <p1510:revLst>
-    <p1510:client id="{033E3976-089A-4928-A635-8C492144EEA1}" v="20" dt="2021-06-28T22:45:16.384"/>
+    <p1510:client id="{033E3976-089A-4928-A635-8C492144EEA1}" v="21" dt="2021-06-28T23:34:53.185"/>
   </p1510:revLst>
 </p1510:revInfo>
 </file>
@@ -653,7 +654,7 @@
   <pc:docChgLst>
     <pc:chgData name="Daniel Buescher" userId="be4f4dfaf1c4f0c1" providerId="LiveId" clId="{033E3976-089A-4928-A635-8C492144EEA1}"/>
     <pc:docChg chg="undo custSel addSld delSld modSld sldOrd">
-      <pc:chgData name="Daniel Buescher" userId="be4f4dfaf1c4f0c1" providerId="LiveId" clId="{033E3976-089A-4928-A635-8C492144EEA1}" dt="2021-06-28T22:52:33.629" v="1230" actId="1076"/>
+      <pc:chgData name="Daniel Buescher" userId="be4f4dfaf1c4f0c1" providerId="LiveId" clId="{033E3976-089A-4928-A635-8C492144EEA1}" dt="2021-06-28T23:36:40.267" v="1356" actId="313"/>
       <pc:docMkLst>
         <pc:docMk/>
       </pc:docMkLst>
@@ -949,12 +950,28 @@
           </ac:spMkLst>
         </pc:spChg>
       </pc:sldChg>
-      <pc:sldChg chg="add">
-        <pc:chgData name="Daniel Buescher" userId="be4f4dfaf1c4f0c1" providerId="LiveId" clId="{033E3976-089A-4928-A635-8C492144EEA1}" dt="2021-06-28T22:38:04.315" v="828" actId="2890"/>
+      <pc:sldChg chg="addSp delSp modSp add mod">
+        <pc:chgData name="Daniel Buescher" userId="be4f4dfaf1c4f0c1" providerId="LiveId" clId="{033E3976-089A-4928-A635-8C492144EEA1}" dt="2021-06-28T23:35:06.119" v="1268" actId="1076"/>
         <pc:sldMkLst>
           <pc:docMk/>
           <pc:sldMk cId="2191488993" sldId="272"/>
         </pc:sldMkLst>
+        <pc:spChg chg="add mod">
+          <ac:chgData name="Daniel Buescher" userId="be4f4dfaf1c4f0c1" providerId="LiveId" clId="{033E3976-089A-4928-A635-8C492144EEA1}" dt="2021-06-28T23:35:06.119" v="1268" actId="1076"/>
+          <ac:spMkLst>
+            <pc:docMk/>
+            <pc:sldMk cId="2191488993" sldId="272"/>
+            <ac:spMk id="5" creationId="{9B0F77A0-91A2-4771-8EE6-16B61AF2D7C4}"/>
+          </ac:spMkLst>
+        </pc:spChg>
+        <pc:picChg chg="del">
+          <ac:chgData name="Daniel Buescher" userId="be4f4dfaf1c4f0c1" providerId="LiveId" clId="{033E3976-089A-4928-A635-8C492144EEA1}" dt="2021-06-28T23:30:15.226" v="1239" actId="478"/>
+          <ac:picMkLst>
+            <pc:docMk/>
+            <pc:sldMk cId="2191488993" sldId="272"/>
+            <ac:picMk id="6" creationId="{6DD5EFF5-8A56-4C40-AACF-85673F1289F3}"/>
+          </ac:picMkLst>
+        </pc:picChg>
       </pc:sldChg>
       <pc:sldChg chg="addSp delSp modSp add mod ord">
         <pc:chgData name="Daniel Buescher" userId="be4f4dfaf1c4f0c1" providerId="LiveId" clId="{033E3976-089A-4928-A635-8C492144EEA1}" dt="2021-06-28T22:52:33.629" v="1230" actId="1076"/>
@@ -1091,13 +1108,13 @@
         </pc:picChg>
       </pc:sldChg>
       <pc:sldChg chg="addSp delSp modSp add mod">
-        <pc:chgData name="Daniel Buescher" userId="be4f4dfaf1c4f0c1" providerId="LiveId" clId="{033E3976-089A-4928-A635-8C492144EEA1}" dt="2021-06-28T22:41:12.953" v="1111"/>
+        <pc:chgData name="Daniel Buescher" userId="be4f4dfaf1c4f0c1" providerId="LiveId" clId="{033E3976-089A-4928-A635-8C492144EEA1}" dt="2021-06-28T23:29:14.562" v="1238" actId="1076"/>
         <pc:sldMkLst>
           <pc:docMk/>
           <pc:sldMk cId="2238180185" sldId="275"/>
         </pc:sldMkLst>
         <pc:spChg chg="add mod">
-          <ac:chgData name="Daniel Buescher" userId="be4f4dfaf1c4f0c1" providerId="LiveId" clId="{033E3976-089A-4928-A635-8C492144EEA1}" dt="2021-06-28T22:40:24.614" v="1093" actId="478"/>
+          <ac:chgData name="Daniel Buescher" userId="be4f4dfaf1c4f0c1" providerId="LiveId" clId="{033E3976-089A-4928-A635-8C492144EEA1}" dt="2021-06-28T23:29:00.637" v="1232" actId="14100"/>
           <ac:spMkLst>
             <pc:docMk/>
             <pc:sldMk cId="2238180185" sldId="275"/>
@@ -1121,7 +1138,7 @@
           </ac:picMkLst>
         </pc:picChg>
         <pc:picChg chg="add mod">
-          <ac:chgData name="Daniel Buescher" userId="be4f4dfaf1c4f0c1" providerId="LiveId" clId="{033E3976-089A-4928-A635-8C492144EEA1}" dt="2021-06-28T22:41:07.873" v="1109" actId="1076"/>
+          <ac:chgData name="Daniel Buescher" userId="be4f4dfaf1c4f0c1" providerId="LiveId" clId="{033E3976-089A-4928-A635-8C492144EEA1}" dt="2021-06-28T23:29:08.533" v="1236" actId="1076"/>
           <ac:picMkLst>
             <pc:docMk/>
             <pc:sldMk cId="2238180185" sldId="275"/>
@@ -1137,7 +1154,7 @@
           </ac:picMkLst>
         </pc:picChg>
         <pc:picChg chg="add mod">
-          <ac:chgData name="Daniel Buescher" userId="be4f4dfaf1c4f0c1" providerId="LiveId" clId="{033E3976-089A-4928-A635-8C492144EEA1}" dt="2021-06-28T22:41:12.953" v="1111"/>
+          <ac:chgData name="Daniel Buescher" userId="be4f4dfaf1c4f0c1" providerId="LiveId" clId="{033E3976-089A-4928-A635-8C492144EEA1}" dt="2021-06-28T23:29:14.562" v="1238" actId="1076"/>
           <ac:picMkLst>
             <pc:docMk/>
             <pc:sldMk cId="2238180185" sldId="275"/>
@@ -1146,11 +1163,27 @@
         </pc:picChg>
       </pc:sldChg>
       <pc:sldChg chg="addSp delSp modSp add mod">
-        <pc:chgData name="Daniel Buescher" userId="be4f4dfaf1c4f0c1" providerId="LiveId" clId="{033E3976-089A-4928-A635-8C492144EEA1}" dt="2021-06-28T22:41:10.079" v="1110" actId="21"/>
+        <pc:chgData name="Daniel Buescher" userId="be4f4dfaf1c4f0c1" providerId="LiveId" clId="{033E3976-089A-4928-A635-8C492144EEA1}" dt="2021-06-28T23:28:46.115" v="1231" actId="478"/>
         <pc:sldMkLst>
           <pc:docMk/>
           <pc:sldMk cId="1960748603" sldId="276"/>
         </pc:sldMkLst>
+        <pc:spChg chg="add mod">
+          <ac:chgData name="Daniel Buescher" userId="be4f4dfaf1c4f0c1" providerId="LiveId" clId="{033E3976-089A-4928-A635-8C492144EEA1}" dt="2021-06-28T23:28:46.115" v="1231" actId="478"/>
+          <ac:spMkLst>
+            <pc:docMk/>
+            <pc:sldMk cId="1960748603" sldId="276"/>
+            <ac:spMk id="4" creationId="{83842ABF-33A0-44E2-8207-3DB104709274}"/>
+          </ac:spMkLst>
+        </pc:spChg>
+        <pc:picChg chg="del">
+          <ac:chgData name="Daniel Buescher" userId="be4f4dfaf1c4f0c1" providerId="LiveId" clId="{033E3976-089A-4928-A635-8C492144EEA1}" dt="2021-06-28T23:28:46.115" v="1231" actId="478"/>
+          <ac:picMkLst>
+            <pc:docMk/>
+            <pc:sldMk cId="1960748603" sldId="276"/>
+            <ac:picMk id="5" creationId="{EB8CF882-6C56-4D12-B8A3-9A63C7862175}"/>
+          </ac:picMkLst>
+        </pc:picChg>
         <pc:picChg chg="del">
           <ac:chgData name="Daniel Buescher" userId="be4f4dfaf1c4f0c1" providerId="LiveId" clId="{033E3976-089A-4928-A635-8C492144EEA1}" dt="2021-06-28T22:41:10.079" v="1110" actId="21"/>
           <ac:picMkLst>
@@ -1167,6 +1200,29 @@
             <ac:picMk id="9" creationId="{FEA7CB09-DFAB-405F-A680-2AB456FFF930}"/>
           </ac:picMkLst>
         </pc:picChg>
+      </pc:sldChg>
+      <pc:sldChg chg="modSp new mod">
+        <pc:chgData name="Daniel Buescher" userId="be4f4dfaf1c4f0c1" providerId="LiveId" clId="{033E3976-089A-4928-A635-8C492144EEA1}" dt="2021-06-28T23:36:40.267" v="1356" actId="313"/>
+        <pc:sldMkLst>
+          <pc:docMk/>
+          <pc:sldMk cId="1867787595" sldId="277"/>
+        </pc:sldMkLst>
+        <pc:spChg chg="mod">
+          <ac:chgData name="Daniel Buescher" userId="be4f4dfaf1c4f0c1" providerId="LiveId" clId="{033E3976-089A-4928-A635-8C492144EEA1}" dt="2021-06-28T23:35:49.745" v="1326" actId="20577"/>
+          <ac:spMkLst>
+            <pc:docMk/>
+            <pc:sldMk cId="1867787595" sldId="277"/>
+            <ac:spMk id="2" creationId="{CD25BD56-DD47-4A37-9D11-226745D5C27B}"/>
+          </ac:spMkLst>
+        </pc:spChg>
+        <pc:spChg chg="mod">
+          <ac:chgData name="Daniel Buescher" userId="be4f4dfaf1c4f0c1" providerId="LiveId" clId="{033E3976-089A-4928-A635-8C492144EEA1}" dt="2021-06-28T23:36:40.267" v="1356" actId="313"/>
+          <ac:spMkLst>
+            <pc:docMk/>
+            <pc:sldMk cId="1867787595" sldId="277"/>
+            <ac:spMk id="3" creationId="{FBF262D7-496E-4219-95C5-BBBA5EBB003E}"/>
+          </ac:spMkLst>
+        </pc:spChg>
       </pc:sldChg>
       <pc:sldChg chg="add del">
         <pc:chgData name="Daniel Buescher" userId="be4f4dfaf1c4f0c1" providerId="LiveId" clId="{033E3976-089A-4928-A635-8C492144EEA1}" dt="2021-06-28T22:40:59.916" v="1105"/>
@@ -7708,7 +7764,7 @@
     </p:spTree>
     <p:extLst>
       <p:ext uri="{BB962C8B-B14F-4D97-AF65-F5344CB8AC3E}">
-        <p14:creationId xmlns:p14="http://schemas.microsoft.com/office/powerpoint/2010/main" val="2191488993"/>
+        <p14:creationId xmlns:p14="http://schemas.microsoft.com/office/powerpoint/2010/main" val="3874451766"/>
       </p:ext>
     </p:extLst>
   </p:cSld>
@@ -7730,998 +7786,7 @@
 </p:sld>
 </file>
 
-<file path=ppt/slides/slide2.xml><?xml version="1.0" encoding="utf-8"?>
-<p:sld xmlns:a="http://schemas.openxmlformats.org/drawingml/2006/main" xmlns:r="http://schemas.openxmlformats.org/officeDocument/2006/relationships" xmlns:p="http://schemas.openxmlformats.org/presentationml/2006/main">
-  <p:cSld>
-    <p:spTree>
-      <p:nvGrpSpPr>
-        <p:cNvPr id="1" name=""/>
-        <p:cNvGrpSpPr/>
-        <p:nvPr/>
-      </p:nvGrpSpPr>
-      <p:grpSpPr>
-        <a:xfrm>
-          <a:off x="0" y="0"/>
-          <a:ext cx="0" cy="0"/>
-          <a:chOff x="0" y="0"/>
-          <a:chExt cx="0" cy="0"/>
-        </a:xfrm>
-      </p:grpSpPr>
-      <p:sp>
-        <p:nvSpPr>
-          <p:cNvPr id="2" name="Title 1">
-            <a:extLst>
-              <a:ext uri="{FF2B5EF4-FFF2-40B4-BE49-F238E27FC236}">
-                <a16:creationId xmlns:a16="http://schemas.microsoft.com/office/drawing/2014/main" id="{7EB2E151-65F2-4307-9833-40C022017238}"/>
-              </a:ext>
-            </a:extLst>
-          </p:cNvPr>
-          <p:cNvSpPr>
-            <a:spLocks noGrp="1"/>
-          </p:cNvSpPr>
-          <p:nvPr>
-            <p:ph type="title"/>
-          </p:nvPr>
-        </p:nvSpPr>
-        <p:spPr/>
-        <p:txBody>
-          <a:bodyPr/>
-          <a:lstStyle/>
-          <a:p>
-            <a:r>
-              <a:rPr lang="en-US" dirty="0"/>
-              <a:t>Gameplan</a:t>
-            </a:r>
-          </a:p>
-        </p:txBody>
-      </p:sp>
-      <p:sp>
-        <p:nvSpPr>
-          <p:cNvPr id="3" name="Content Placeholder 2">
-            <a:extLst>
-              <a:ext uri="{FF2B5EF4-FFF2-40B4-BE49-F238E27FC236}">
-                <a16:creationId xmlns:a16="http://schemas.microsoft.com/office/drawing/2014/main" id="{4A633B36-B76F-4C0D-B268-838A03F73E15}"/>
-              </a:ext>
-            </a:extLst>
-          </p:cNvPr>
-          <p:cNvSpPr>
-            <a:spLocks noGrp="1"/>
-          </p:cNvSpPr>
-          <p:nvPr>
-            <p:ph idx="1"/>
-          </p:nvPr>
-        </p:nvSpPr>
-        <p:spPr/>
-        <p:txBody>
-          <a:bodyPr/>
-          <a:lstStyle/>
-          <a:p>
-            <a:r>
-              <a:rPr lang="en-US" dirty="0"/>
-              <a:t>Goal: Expand on the data from our prior project and create a Machine Learning algorithm to predict the winner of a fight based on stats, also have an ML algorithm to predict a </a:t>
-            </a:r>
-            <a:r>
-              <a:rPr lang="en-US" sz="2400" dirty="0"/>
-              <a:t>Poké</a:t>
-            </a:r>
-            <a:r>
-              <a:rPr lang="en-US" dirty="0"/>
-              <a:t>mon’s type based on stats</a:t>
-            </a:r>
-          </a:p>
-          <a:p>
-            <a:pPr marL="0" indent="0">
-              <a:buNone/>
-            </a:pPr>
-            <a:endParaRPr lang="en-US" dirty="0"/>
-          </a:p>
-          <a:p>
-            <a:r>
-              <a:rPr lang="en-US" dirty="0"/>
-              <a:t>“Everyone has a plan, until they get punched in the mouth”- Iron Mike Tyson</a:t>
-            </a:r>
-          </a:p>
-          <a:p>
-            <a:endParaRPr lang="en-US" dirty="0"/>
-          </a:p>
-          <a:p>
-            <a:endParaRPr lang="en-US" dirty="0"/>
-          </a:p>
-          <a:p>
-            <a:r>
-              <a:rPr lang="en-US" dirty="0"/>
-              <a:t>These are the snags/problems that we encountered along the way </a:t>
-            </a:r>
-          </a:p>
-          <a:p>
-            <a:endParaRPr lang="en-US" dirty="0"/>
-          </a:p>
-          <a:p>
-            <a:endParaRPr lang="en-US" dirty="0"/>
-          </a:p>
-          <a:p>
-            <a:endParaRPr lang="en-US" dirty="0"/>
-          </a:p>
-          <a:p>
-            <a:endParaRPr lang="en-US" dirty="0"/>
-          </a:p>
-          <a:p>
-            <a:endParaRPr lang="en-US" dirty="0"/>
-          </a:p>
-          <a:p>
-            <a:endParaRPr lang="en-US" dirty="0"/>
-          </a:p>
-          <a:p>
-            <a:endParaRPr lang="en-US" dirty="0"/>
-          </a:p>
-          <a:p>
-            <a:endParaRPr lang="en-US" dirty="0"/>
-          </a:p>
-        </p:txBody>
-      </p:sp>
-    </p:spTree>
-    <p:extLst>
-      <p:ext uri="{BB962C8B-B14F-4D97-AF65-F5344CB8AC3E}">
-        <p14:creationId xmlns:p14="http://schemas.microsoft.com/office/powerpoint/2010/main" val="3501987123"/>
-      </p:ext>
-    </p:extLst>
-  </p:cSld>
-  <p:clrMapOvr>
-    <a:masterClrMapping/>
-  </p:clrMapOvr>
-</p:sld>
-</file>
-
-<file path=ppt/slides/slide3.xml><?xml version="1.0" encoding="utf-8"?>
-<p:sld xmlns:a="http://schemas.openxmlformats.org/drawingml/2006/main" xmlns:r="http://schemas.openxmlformats.org/officeDocument/2006/relationships" xmlns:p="http://schemas.openxmlformats.org/presentationml/2006/main">
-  <p:cSld>
-    <p:spTree>
-      <p:nvGrpSpPr>
-        <p:cNvPr id="1" name=""/>
-        <p:cNvGrpSpPr/>
-        <p:nvPr/>
-      </p:nvGrpSpPr>
-      <p:grpSpPr>
-        <a:xfrm>
-          <a:off x="0" y="0"/>
-          <a:ext cx="0" cy="0"/>
-          <a:chOff x="0" y="0"/>
-          <a:chExt cx="0" cy="0"/>
-        </a:xfrm>
-      </p:grpSpPr>
-      <p:sp>
-        <p:nvSpPr>
-          <p:cNvPr id="2" name="Title 1">
-            <a:extLst>
-              <a:ext uri="{FF2B5EF4-FFF2-40B4-BE49-F238E27FC236}">
-                <a16:creationId xmlns:a16="http://schemas.microsoft.com/office/drawing/2014/main" id="{E5D37803-93FD-47DD-AEA7-4BE8CCEA35C8}"/>
-              </a:ext>
-            </a:extLst>
-          </p:cNvPr>
-          <p:cNvSpPr>
-            <a:spLocks noGrp="1"/>
-          </p:cNvSpPr>
-          <p:nvPr>
-            <p:ph type="title"/>
-          </p:nvPr>
-        </p:nvSpPr>
-        <p:spPr/>
-        <p:txBody>
-          <a:bodyPr/>
-          <a:lstStyle/>
-          <a:p>
-            <a:r>
-              <a:rPr lang="en-US" dirty="0"/>
-              <a:t>Process</a:t>
-            </a:r>
-          </a:p>
-        </p:txBody>
-      </p:sp>
-      <p:pic>
-        <p:nvPicPr>
-          <p:cNvPr id="5" name="Content Placeholder 4">
-            <a:extLst>
-              <a:ext uri="{FF2B5EF4-FFF2-40B4-BE49-F238E27FC236}">
-                <a16:creationId xmlns:a16="http://schemas.microsoft.com/office/drawing/2014/main" id="{EB8CF882-6C56-4D12-B8A3-9A63C7862175}"/>
-              </a:ext>
-            </a:extLst>
-          </p:cNvPr>
-          <p:cNvPicPr>
-            <a:picLocks noGrp="1" noChangeAspect="1"/>
-          </p:cNvPicPr>
-          <p:nvPr>
-            <p:ph idx="1"/>
-          </p:nvPr>
-        </p:nvPicPr>
-        <p:blipFill>
-          <a:blip r:embed="rId2"/>
-          <a:stretch>
-            <a:fillRect/>
-          </a:stretch>
-        </p:blipFill>
-        <p:spPr>
-          <a:xfrm>
-            <a:off x="6404395" y="1760475"/>
-            <a:ext cx="5556038" cy="4402818"/>
-          </a:xfrm>
-        </p:spPr>
-      </p:pic>
-      <p:sp>
-        <p:nvSpPr>
-          <p:cNvPr id="4" name="TextBox 3">
-            <a:extLst>
-              <a:ext uri="{FF2B5EF4-FFF2-40B4-BE49-F238E27FC236}">
-                <a16:creationId xmlns:a16="http://schemas.microsoft.com/office/drawing/2014/main" id="{B492F949-5DE5-46D5-9F7F-2A6F10692F06}"/>
-              </a:ext>
-            </a:extLst>
-          </p:cNvPr>
-          <p:cNvSpPr txBox="1"/>
-          <p:nvPr/>
-        </p:nvSpPr>
-        <p:spPr>
-          <a:xfrm>
-            <a:off x="605642" y="1650670"/>
-            <a:ext cx="4314001" cy="369332"/>
-          </a:xfrm>
-          <a:prstGeom prst="rect">
-            <a:avLst/>
-          </a:prstGeom>
-          <a:noFill/>
-        </p:spPr>
-        <p:txBody>
-          <a:bodyPr wrap="none" rtlCol="0">
-            <a:spAutoFit/>
-          </a:bodyPr>
-          <a:lstStyle/>
-          <a:p>
-            <a:r>
-              <a:rPr lang="en-US" dirty="0"/>
-              <a:t>We expanded on a </a:t>
-            </a:r>
-            <a:r>
-              <a:rPr lang="en-US"/>
-              <a:t>previous dataset</a:t>
-            </a:r>
-          </a:p>
-        </p:txBody>
-      </p:sp>
-    </p:spTree>
-    <p:extLst>
-      <p:ext uri="{BB962C8B-B14F-4D97-AF65-F5344CB8AC3E}">
-        <p14:creationId xmlns:p14="http://schemas.microsoft.com/office/powerpoint/2010/main" val="3989237146"/>
-      </p:ext>
-    </p:extLst>
-  </p:cSld>
-  <p:clrMapOvr>
-    <a:masterClrMapping/>
-  </p:clrMapOvr>
-</p:sld>
-</file>
-
-<file path=ppt/slides/slide4.xml><?xml version="1.0" encoding="utf-8"?>
-<p:sld xmlns:a="http://schemas.openxmlformats.org/drawingml/2006/main" xmlns:r="http://schemas.openxmlformats.org/officeDocument/2006/relationships" xmlns:p="http://schemas.openxmlformats.org/presentationml/2006/main">
-  <p:cSld>
-    <p:spTree>
-      <p:nvGrpSpPr>
-        <p:cNvPr id="1" name=""/>
-        <p:cNvGrpSpPr/>
-        <p:nvPr/>
-      </p:nvGrpSpPr>
-      <p:grpSpPr>
-        <a:xfrm>
-          <a:off x="0" y="0"/>
-          <a:ext cx="0" cy="0"/>
-          <a:chOff x="0" y="0"/>
-          <a:chExt cx="0" cy="0"/>
-        </a:xfrm>
-      </p:grpSpPr>
-      <p:sp>
-        <p:nvSpPr>
-          <p:cNvPr id="2" name="Title 1">
-            <a:extLst>
-              <a:ext uri="{FF2B5EF4-FFF2-40B4-BE49-F238E27FC236}">
-                <a16:creationId xmlns:a16="http://schemas.microsoft.com/office/drawing/2014/main" id="{E5D37803-93FD-47DD-AEA7-4BE8CCEA35C8}"/>
-              </a:ext>
-            </a:extLst>
-          </p:cNvPr>
-          <p:cNvSpPr>
-            <a:spLocks noGrp="1"/>
-          </p:cNvSpPr>
-          <p:nvPr>
-            <p:ph type="title"/>
-          </p:nvPr>
-        </p:nvSpPr>
-        <p:spPr/>
-        <p:txBody>
-          <a:bodyPr/>
-          <a:lstStyle/>
-          <a:p>
-            <a:r>
-              <a:rPr lang="en-US" dirty="0"/>
-              <a:t>Process</a:t>
-            </a:r>
-          </a:p>
-        </p:txBody>
-      </p:sp>
-      <p:pic>
-        <p:nvPicPr>
-          <p:cNvPr id="5" name="Content Placeholder 4">
-            <a:extLst>
-              <a:ext uri="{FF2B5EF4-FFF2-40B4-BE49-F238E27FC236}">
-                <a16:creationId xmlns:a16="http://schemas.microsoft.com/office/drawing/2014/main" id="{EB8CF882-6C56-4D12-B8A3-9A63C7862175}"/>
-              </a:ext>
-            </a:extLst>
-          </p:cNvPr>
-          <p:cNvPicPr>
-            <a:picLocks noGrp="1" noChangeAspect="1"/>
-          </p:cNvPicPr>
-          <p:nvPr>
-            <p:ph idx="1"/>
-          </p:nvPr>
-        </p:nvPicPr>
-        <p:blipFill>
-          <a:blip r:embed="rId2"/>
-          <a:stretch>
-            <a:fillRect/>
-          </a:stretch>
-        </p:blipFill>
-        <p:spPr>
-          <a:xfrm>
-            <a:off x="356403" y="2856016"/>
-            <a:ext cx="3572597" cy="2831063"/>
-          </a:xfrm>
-        </p:spPr>
-      </p:pic>
-    </p:spTree>
-    <p:extLst>
-      <p:ext uri="{BB962C8B-B14F-4D97-AF65-F5344CB8AC3E}">
-        <p14:creationId xmlns:p14="http://schemas.microsoft.com/office/powerpoint/2010/main" val="1960748603"/>
-      </p:ext>
-    </p:extLst>
-  </p:cSld>
-  <p:clrMapOvr>
-    <a:masterClrMapping/>
-  </p:clrMapOvr>
-</p:sld>
-</file>
-
-<file path=ppt/slides/slide5.xml><?xml version="1.0" encoding="utf-8"?>
-<p:sld xmlns:a="http://schemas.openxmlformats.org/drawingml/2006/main" xmlns:r="http://schemas.openxmlformats.org/officeDocument/2006/relationships" xmlns:p="http://schemas.openxmlformats.org/presentationml/2006/main">
-  <p:cSld>
-    <p:spTree>
-      <p:nvGrpSpPr>
-        <p:cNvPr id="1" name=""/>
-        <p:cNvGrpSpPr/>
-        <p:nvPr/>
-      </p:nvGrpSpPr>
-      <p:grpSpPr>
-        <a:xfrm>
-          <a:off x="0" y="0"/>
-          <a:ext cx="0" cy="0"/>
-          <a:chOff x="0" y="0"/>
-          <a:chExt cx="0" cy="0"/>
-        </a:xfrm>
-      </p:grpSpPr>
-      <p:sp>
-        <p:nvSpPr>
-          <p:cNvPr id="2" name="Title 1">
-            <a:extLst>
-              <a:ext uri="{FF2B5EF4-FFF2-40B4-BE49-F238E27FC236}">
-                <a16:creationId xmlns:a16="http://schemas.microsoft.com/office/drawing/2014/main" id="{E5D37803-93FD-47DD-AEA7-4BE8CCEA35C8}"/>
-              </a:ext>
-            </a:extLst>
-          </p:cNvPr>
-          <p:cNvSpPr>
-            <a:spLocks noGrp="1"/>
-          </p:cNvSpPr>
-          <p:nvPr>
-            <p:ph type="title"/>
-          </p:nvPr>
-        </p:nvSpPr>
-        <p:spPr/>
-        <p:txBody>
-          <a:bodyPr/>
-          <a:lstStyle/>
-          <a:p>
-            <a:r>
-              <a:rPr lang="en-US" dirty="0"/>
-              <a:t>Process</a:t>
-            </a:r>
-          </a:p>
-        </p:txBody>
-      </p:sp>
-      <p:sp>
-        <p:nvSpPr>
-          <p:cNvPr id="4" name="Content Placeholder 3">
-            <a:extLst>
-              <a:ext uri="{FF2B5EF4-FFF2-40B4-BE49-F238E27FC236}">
-                <a16:creationId xmlns:a16="http://schemas.microsoft.com/office/drawing/2014/main" id="{C05D96AC-ECFB-4DA3-BD21-4B8FCCE1A7B4}"/>
-              </a:ext>
-            </a:extLst>
-          </p:cNvPr>
-          <p:cNvSpPr>
-            <a:spLocks noGrp="1"/>
-          </p:cNvSpPr>
-          <p:nvPr>
-            <p:ph idx="1"/>
-          </p:nvPr>
-        </p:nvSpPr>
-        <p:spPr/>
-        <p:txBody>
-          <a:bodyPr/>
-          <a:lstStyle/>
-          <a:p>
-            <a:endParaRPr lang="en-US"/>
-          </a:p>
-        </p:txBody>
-      </p:sp>
-      <p:pic>
-        <p:nvPicPr>
-          <p:cNvPr id="8" name="Picture 7">
-            <a:extLst>
-              <a:ext uri="{FF2B5EF4-FFF2-40B4-BE49-F238E27FC236}">
-                <a16:creationId xmlns:a16="http://schemas.microsoft.com/office/drawing/2014/main" id="{66C4C3FB-ABD2-41B7-8155-3AE3C634D031}"/>
-              </a:ext>
-            </a:extLst>
-          </p:cNvPr>
-          <p:cNvPicPr>
-            <a:picLocks noChangeAspect="1"/>
-          </p:cNvPicPr>
-          <p:nvPr/>
-        </p:nvPicPr>
-        <p:blipFill>
-          <a:blip r:embed="rId2"/>
-          <a:stretch>
-            <a:fillRect/>
-          </a:stretch>
-        </p:blipFill>
-        <p:spPr>
-          <a:xfrm>
-            <a:off x="5949974" y="2271069"/>
-            <a:ext cx="4843352" cy="3576283"/>
-          </a:xfrm>
-          <a:prstGeom prst="rect">
-            <a:avLst/>
-          </a:prstGeom>
-        </p:spPr>
-      </p:pic>
-      <p:pic>
-        <p:nvPicPr>
-          <p:cNvPr id="10" name="Picture 9">
-            <a:extLst>
-              <a:ext uri="{FF2B5EF4-FFF2-40B4-BE49-F238E27FC236}">
-                <a16:creationId xmlns:a16="http://schemas.microsoft.com/office/drawing/2014/main" id="{E583DC1F-8B14-4E9E-9551-19B332F7DA25}"/>
-              </a:ext>
-            </a:extLst>
-          </p:cNvPr>
-          <p:cNvPicPr>
-            <a:picLocks noChangeAspect="1"/>
-          </p:cNvPicPr>
-          <p:nvPr/>
-        </p:nvPicPr>
-        <p:blipFill>
-          <a:blip r:embed="rId3"/>
-          <a:stretch>
-            <a:fillRect/>
-          </a:stretch>
-        </p:blipFill>
-        <p:spPr>
-          <a:xfrm>
-            <a:off x="5721732" y="2312657"/>
-            <a:ext cx="5968246" cy="1362265"/>
-          </a:xfrm>
-          <a:prstGeom prst="rect">
-            <a:avLst/>
-          </a:prstGeom>
-        </p:spPr>
-      </p:pic>
-    </p:spTree>
-    <p:extLst>
-      <p:ext uri="{BB962C8B-B14F-4D97-AF65-F5344CB8AC3E}">
-        <p14:creationId xmlns:p14="http://schemas.microsoft.com/office/powerpoint/2010/main" val="2238180185"/>
-      </p:ext>
-    </p:extLst>
-  </p:cSld>
-  <p:clrMapOvr>
-    <a:masterClrMapping/>
-  </p:clrMapOvr>
-</p:sld>
-</file>
-
-<file path=ppt/slides/slide6.xml><?xml version="1.0" encoding="utf-8"?>
-<p:sld xmlns:a="http://schemas.openxmlformats.org/drawingml/2006/main" xmlns:r="http://schemas.openxmlformats.org/officeDocument/2006/relationships" xmlns:p="http://schemas.openxmlformats.org/presentationml/2006/main">
-  <p:cSld>
-    <p:spTree>
-      <p:nvGrpSpPr>
-        <p:cNvPr id="1" name=""/>
-        <p:cNvGrpSpPr/>
-        <p:nvPr/>
-      </p:nvGrpSpPr>
-      <p:grpSpPr>
-        <a:xfrm>
-          <a:off x="0" y="0"/>
-          <a:ext cx="0" cy="0"/>
-          <a:chOff x="0" y="0"/>
-          <a:chExt cx="0" cy="0"/>
-        </a:xfrm>
-      </p:grpSpPr>
-      <p:sp>
-        <p:nvSpPr>
-          <p:cNvPr id="2" name="Title 1">
-            <a:extLst>
-              <a:ext uri="{FF2B5EF4-FFF2-40B4-BE49-F238E27FC236}">
-                <a16:creationId xmlns:a16="http://schemas.microsoft.com/office/drawing/2014/main" id="{D173C4BB-966C-4895-BAD8-CFA215E3B65A}"/>
-              </a:ext>
-            </a:extLst>
-          </p:cNvPr>
-          <p:cNvSpPr>
-            <a:spLocks noGrp="1"/>
-          </p:cNvSpPr>
-          <p:nvPr>
-            <p:ph type="title"/>
-          </p:nvPr>
-        </p:nvSpPr>
-        <p:spPr/>
-        <p:txBody>
-          <a:bodyPr/>
-          <a:lstStyle/>
-          <a:p>
-            <a:r>
-              <a:rPr lang="en-US" dirty="0"/>
-              <a:t>Machine Learning </a:t>
-            </a:r>
-          </a:p>
-        </p:txBody>
-      </p:sp>
-      <p:sp>
-        <p:nvSpPr>
-          <p:cNvPr id="3" name="Content Placeholder 2">
-            <a:extLst>
-              <a:ext uri="{FF2B5EF4-FFF2-40B4-BE49-F238E27FC236}">
-                <a16:creationId xmlns:a16="http://schemas.microsoft.com/office/drawing/2014/main" id="{C2004ABF-3D9C-46AE-8A5B-9731ED8D9872}"/>
-              </a:ext>
-            </a:extLst>
-          </p:cNvPr>
-          <p:cNvSpPr>
-            <a:spLocks noGrp="1"/>
-          </p:cNvSpPr>
-          <p:nvPr>
-            <p:ph idx="1"/>
-          </p:nvPr>
-        </p:nvSpPr>
-        <p:spPr/>
-        <p:txBody>
-          <a:bodyPr/>
-          <a:lstStyle/>
-          <a:p>
-            <a:endParaRPr lang="en-US" dirty="0"/>
-          </a:p>
-        </p:txBody>
-      </p:sp>
-    </p:spTree>
-    <p:extLst>
-      <p:ext uri="{BB962C8B-B14F-4D97-AF65-F5344CB8AC3E}">
-        <p14:creationId xmlns:p14="http://schemas.microsoft.com/office/powerpoint/2010/main" val="3724337303"/>
-      </p:ext>
-    </p:extLst>
-  </p:cSld>
-  <p:clrMapOvr>
-    <a:masterClrMapping/>
-  </p:clrMapOvr>
-</p:sld>
-</file>
-
-<file path=ppt/slides/slide7.xml><?xml version="1.0" encoding="utf-8"?>
-<p:sld xmlns:a="http://schemas.openxmlformats.org/drawingml/2006/main" xmlns:r="http://schemas.openxmlformats.org/officeDocument/2006/relationships" xmlns:p="http://schemas.openxmlformats.org/presentationml/2006/main">
-  <p:cSld>
-    <p:bg>
-      <p:bgPr>
-        <a:solidFill>
-          <a:schemeClr val="bg1"/>
-        </a:solidFill>
-        <a:effectLst/>
-      </p:bgPr>
-    </p:bg>
-    <p:spTree>
-      <p:nvGrpSpPr>
-        <p:cNvPr id="1" name=""/>
-        <p:cNvGrpSpPr/>
-        <p:nvPr/>
-      </p:nvGrpSpPr>
-      <p:grpSpPr>
-        <a:xfrm>
-          <a:off x="0" y="0"/>
-          <a:ext cx="0" cy="0"/>
-          <a:chOff x="0" y="0"/>
-          <a:chExt cx="0" cy="0"/>
-        </a:xfrm>
-      </p:grpSpPr>
-      <p:sp useBgFill="1">
-        <p:nvSpPr>
-          <p:cNvPr id="13" name="Rectangle 12">
-            <a:extLst>
-              <a:ext uri="{FF2B5EF4-FFF2-40B4-BE49-F238E27FC236}">
-                <a16:creationId xmlns:a16="http://schemas.microsoft.com/office/drawing/2014/main" id="{AB3546AA-6DD0-4A58-8B49-3A63BCC4122D}"/>
-              </a:ext>
-              <a:ext uri="{C183D7F6-B498-43B3-948B-1728B52AA6E4}">
-                <adec:decorative xmlns:adec="http://schemas.microsoft.com/office/drawing/2017/decorative" val="1"/>
-              </a:ext>
-            </a:extLst>
-          </p:cNvPr>
-          <p:cNvSpPr>
-            <a:spLocks noGrp="1" noRot="1" noChangeAspect="1" noMove="1" noResize="1" noEditPoints="1" noAdjustHandles="1" noChangeArrowheads="1" noChangeShapeType="1" noTextEdit="1"/>
-          </p:cNvSpPr>
-          <p:nvPr>
-            <p:extLst>
-              <p:ext uri="{386F3935-93C4-4BCD-93E2-E3B085C9AB24}">
-                <p16:designElem xmlns:p16="http://schemas.microsoft.com/office/powerpoint/2015/main" val="1"/>
-              </p:ext>
-            </p:extLst>
-          </p:nvPr>
-        </p:nvSpPr>
-        <p:spPr>
-          <a:xfrm>
-            <a:off x="0" y="0"/>
-            <a:ext cx="12192000" cy="6858000"/>
-          </a:xfrm>
-          <a:prstGeom prst="rect">
-            <a:avLst/>
-          </a:prstGeom>
-          <a:ln>
-            <a:noFill/>
-          </a:ln>
-        </p:spPr>
-        <p:style>
-          <a:lnRef idx="2">
-            <a:schemeClr val="accent1">
-              <a:shade val="50000"/>
-            </a:schemeClr>
-          </a:lnRef>
-          <a:fillRef idx="1">
-            <a:schemeClr val="accent1"/>
-          </a:fillRef>
-          <a:effectRef idx="0">
-            <a:schemeClr val="accent1"/>
-          </a:effectRef>
-          <a:fontRef idx="minor">
-            <a:schemeClr val="lt1"/>
-          </a:fontRef>
-        </p:style>
-        <p:txBody>
-          <a:bodyPr rtlCol="0" anchor="ctr"/>
-          <a:lstStyle/>
-          <a:p>
-            <a:pPr algn="ctr"/>
-            <a:endParaRPr lang="en-US"/>
-          </a:p>
-        </p:txBody>
-      </p:sp>
-      <p:pic>
-        <p:nvPicPr>
-          <p:cNvPr id="15" name="Picture 14">
-            <a:extLst>
-              <a:ext uri="{FF2B5EF4-FFF2-40B4-BE49-F238E27FC236}">
-                <a16:creationId xmlns:a16="http://schemas.microsoft.com/office/drawing/2014/main" id="{9F89F588-0F53-4F8D-AA9A-E8F2529A4108}"/>
-              </a:ext>
-              <a:ext uri="{C183D7F6-B498-43B3-948B-1728B52AA6E4}">
-                <adec:decorative xmlns:adec="http://schemas.microsoft.com/office/drawing/2017/decorative" val="1"/>
-              </a:ext>
-            </a:extLst>
-          </p:cNvPr>
-          <p:cNvPicPr>
-            <a:picLocks noGrp="1" noRot="1" noChangeAspect="1" noMove="1" noResize="1" noEditPoints="1" noAdjustHandles="1" noChangeArrowheads="1" noChangeShapeType="1" noCrop="1"/>
-          </p:cNvPicPr>
-          <p:nvPr>
-            <p:extLst>
-              <p:ext uri="{386F3935-93C4-4BCD-93E2-E3B085C9AB24}">
-                <p16:designElem xmlns:p16="http://schemas.microsoft.com/office/powerpoint/2015/main" val="1"/>
-              </p:ext>
-            </p:extLst>
-          </p:nvPr>
-        </p:nvPicPr>
-        <p:blipFill>
-          <a:blip r:embed="rId2">
-            <a:extLst>
-              <a:ext uri="{28A0092B-C50C-407E-A947-70E740481C1C}">
-                <a14:useLocalDpi xmlns:a14="http://schemas.microsoft.com/office/drawing/2010/main" val="0"/>
-              </a:ext>
-            </a:extLst>
-          </a:blip>
-          <a:stretch>
-            <a:fillRect/>
-          </a:stretch>
-        </p:blipFill>
-        <p:spPr>
-          <a:xfrm>
-            <a:off x="0" y="0"/>
-            <a:ext cx="12192000" cy="1441450"/>
-          </a:xfrm>
-          <a:prstGeom prst="rect">
-            <a:avLst/>
-          </a:prstGeom>
-        </p:spPr>
-      </p:pic>
-      <p:sp>
-        <p:nvSpPr>
-          <p:cNvPr id="2" name="Title 1">
-            <a:extLst>
-              <a:ext uri="{FF2B5EF4-FFF2-40B4-BE49-F238E27FC236}">
-                <a16:creationId xmlns:a16="http://schemas.microsoft.com/office/drawing/2014/main" id="{D173C4BB-966C-4895-BAD8-CFA215E3B65A}"/>
-              </a:ext>
-            </a:extLst>
-          </p:cNvPr>
-          <p:cNvSpPr>
-            <a:spLocks noGrp="1"/>
-          </p:cNvSpPr>
-          <p:nvPr>
-            <p:ph type="title"/>
-          </p:nvPr>
-        </p:nvSpPr>
-        <p:spPr>
-          <a:xfrm>
-            <a:off x="685799" y="764373"/>
-            <a:ext cx="6848855" cy="1293028"/>
-          </a:xfrm>
-        </p:spPr>
-        <p:txBody>
-          <a:bodyPr vert="horz" lIns="91440" tIns="45720" rIns="91440" bIns="45720" rtlCol="0" anchor="ctr">
-            <a:normAutofit/>
-          </a:bodyPr>
-          <a:lstStyle/>
-          <a:p>
-            <a:r>
-              <a:rPr lang="en-US" dirty="0"/>
-              <a:t>Machine Learning </a:t>
-            </a:r>
-          </a:p>
-        </p:txBody>
-      </p:sp>
-      <p:sp>
-        <p:nvSpPr>
-          <p:cNvPr id="5" name="TextBox 4">
-            <a:extLst>
-              <a:ext uri="{FF2B5EF4-FFF2-40B4-BE49-F238E27FC236}">
-                <a16:creationId xmlns:a16="http://schemas.microsoft.com/office/drawing/2014/main" id="{95AA11A9-8958-4F48-92B0-104D7CCC10ED}"/>
-              </a:ext>
-            </a:extLst>
-          </p:cNvPr>
-          <p:cNvSpPr txBox="1"/>
-          <p:nvPr/>
-        </p:nvSpPr>
-        <p:spPr>
-          <a:xfrm>
-            <a:off x="685800" y="2194560"/>
-            <a:ext cx="6848854" cy="4024125"/>
-          </a:xfrm>
-          <a:prstGeom prst="rect">
-            <a:avLst/>
-          </a:prstGeom>
-        </p:spPr>
-        <p:txBody>
-          <a:bodyPr vert="horz" lIns="91440" tIns="45720" rIns="91440" bIns="45720" rtlCol="0">
-            <a:normAutofit/>
-          </a:bodyPr>
-          <a:lstStyle/>
-          <a:p>
-            <a:pPr indent="-228600" defTabSz="914400">
-              <a:lnSpc>
-                <a:spcPct val="90000"/>
-              </a:lnSpc>
-              <a:spcAft>
-                <a:spcPts val="600"/>
-              </a:spcAft>
-              <a:buFont typeface="Arial" panose="020B0604020202020204" pitchFamily="34" charset="0"/>
-              <a:buChar char="•"/>
-            </a:pPr>
-            <a:r>
-              <a:rPr lang="en-US" dirty="0"/>
-              <a:t>ML algorithm to predict type based on inputted stats </a:t>
-            </a:r>
-            <a:endParaRPr lang="en-US"/>
-          </a:p>
-          <a:p>
-            <a:pPr indent="-228600" defTabSz="914400">
-              <a:lnSpc>
-                <a:spcPct val="90000"/>
-              </a:lnSpc>
-              <a:spcAft>
-                <a:spcPts val="600"/>
-              </a:spcAft>
-              <a:buFont typeface="Arial" panose="020B0604020202020204" pitchFamily="34" charset="0"/>
-              <a:buChar char="•"/>
-            </a:pPr>
-            <a:endParaRPr lang="en-US"/>
-          </a:p>
-          <a:p>
-            <a:pPr indent="-228600" defTabSz="914400">
-              <a:lnSpc>
-                <a:spcPct val="90000"/>
-              </a:lnSpc>
-              <a:spcAft>
-                <a:spcPts val="600"/>
-              </a:spcAft>
-              <a:buFont typeface="Arial" panose="020B0604020202020204" pitchFamily="34" charset="0"/>
-              <a:buChar char="•"/>
-            </a:pPr>
-            <a:endParaRPr lang="en-US"/>
-          </a:p>
-          <a:p>
-            <a:pPr indent="-228600" defTabSz="914400">
-              <a:lnSpc>
-                <a:spcPct val="90000"/>
-              </a:lnSpc>
-              <a:spcAft>
-                <a:spcPts val="600"/>
-              </a:spcAft>
-              <a:buFont typeface="Arial" panose="020B0604020202020204" pitchFamily="34" charset="0"/>
-              <a:buChar char="•"/>
-            </a:pPr>
-            <a:endParaRPr lang="en-US"/>
-          </a:p>
-          <a:p>
-            <a:pPr indent="-228600" defTabSz="914400">
-              <a:lnSpc>
-                <a:spcPct val="90000"/>
-              </a:lnSpc>
-              <a:spcAft>
-                <a:spcPts val="600"/>
-              </a:spcAft>
-              <a:buFont typeface="Arial" panose="020B0604020202020204" pitchFamily="34" charset="0"/>
-              <a:buChar char="•"/>
-            </a:pPr>
-            <a:endParaRPr lang="en-US"/>
-          </a:p>
-          <a:p>
-            <a:pPr indent="-228600" defTabSz="914400">
-              <a:lnSpc>
-                <a:spcPct val="90000"/>
-              </a:lnSpc>
-              <a:spcAft>
-                <a:spcPts val="600"/>
-              </a:spcAft>
-              <a:buFont typeface="Arial" panose="020B0604020202020204" pitchFamily="34" charset="0"/>
-              <a:buChar char="•"/>
-            </a:pPr>
-            <a:r>
-              <a:rPr lang="en-US" dirty="0"/>
-              <a:t>Types are not defined by stat thresholds </a:t>
-            </a:r>
-            <a:endParaRPr lang="en-US"/>
-          </a:p>
-          <a:p>
-            <a:pPr indent="-228600" defTabSz="914400">
-              <a:lnSpc>
-                <a:spcPct val="90000"/>
-              </a:lnSpc>
-              <a:spcAft>
-                <a:spcPts val="600"/>
-              </a:spcAft>
-              <a:buFont typeface="Arial" panose="020B0604020202020204" pitchFamily="34" charset="0"/>
-              <a:buChar char="•"/>
-            </a:pPr>
-            <a:endParaRPr lang="en-US"/>
-          </a:p>
-          <a:p>
-            <a:pPr indent="-228600" defTabSz="914400">
-              <a:lnSpc>
-                <a:spcPct val="90000"/>
-              </a:lnSpc>
-              <a:spcAft>
-                <a:spcPts val="600"/>
-              </a:spcAft>
-              <a:buFont typeface="Arial" panose="020B0604020202020204" pitchFamily="34" charset="0"/>
-              <a:buChar char="•"/>
-            </a:pPr>
-            <a:endParaRPr lang="en-US"/>
-          </a:p>
-        </p:txBody>
-      </p:sp>
-      <p:pic>
-        <p:nvPicPr>
-          <p:cNvPr id="7" name="Picture 6">
-            <a:extLst>
-              <a:ext uri="{FF2B5EF4-FFF2-40B4-BE49-F238E27FC236}">
-                <a16:creationId xmlns:a16="http://schemas.microsoft.com/office/drawing/2014/main" id="{4A39D4F0-5749-410A-B90C-C5187A9AAEC6}"/>
-              </a:ext>
-            </a:extLst>
-          </p:cNvPr>
-          <p:cNvPicPr>
-            <a:picLocks noChangeAspect="1"/>
-          </p:cNvPicPr>
-          <p:nvPr/>
-        </p:nvPicPr>
-        <p:blipFill>
-          <a:blip r:embed="rId3"/>
-          <a:stretch>
-            <a:fillRect/>
-          </a:stretch>
-        </p:blipFill>
-        <p:spPr>
-          <a:xfrm>
-            <a:off x="8283501" y="714341"/>
-            <a:ext cx="2778946" cy="1945262"/>
-          </a:xfrm>
-          <a:prstGeom prst="rect">
-            <a:avLst/>
-          </a:prstGeom>
-        </p:spPr>
-      </p:pic>
-      <p:pic>
-        <p:nvPicPr>
-          <p:cNvPr id="4" name="Content Placeholder 3">
-            <a:extLst>
-              <a:ext uri="{FF2B5EF4-FFF2-40B4-BE49-F238E27FC236}">
-                <a16:creationId xmlns:a16="http://schemas.microsoft.com/office/drawing/2014/main" id="{9496508E-25B9-4865-9997-A9E028D4A19D}"/>
-              </a:ext>
-            </a:extLst>
-          </p:cNvPr>
-          <p:cNvPicPr>
-            <a:picLocks noGrp="1" noChangeAspect="1"/>
-          </p:cNvPicPr>
-          <p:nvPr>
-            <p:ph idx="1"/>
-          </p:nvPr>
-        </p:nvPicPr>
-        <p:blipFill>
-          <a:blip r:embed="rId4"/>
-          <a:stretch>
-            <a:fillRect/>
-          </a:stretch>
-        </p:blipFill>
-        <p:spPr>
-          <a:xfrm>
-            <a:off x="7568502" y="2918012"/>
-            <a:ext cx="4016408" cy="1652319"/>
-          </a:xfrm>
-          <a:prstGeom prst="rect">
-            <a:avLst/>
-          </a:prstGeom>
-        </p:spPr>
-      </p:pic>
-      <p:pic>
-        <p:nvPicPr>
-          <p:cNvPr id="8" name="Picture 7">
-            <a:extLst>
-              <a:ext uri="{FF2B5EF4-FFF2-40B4-BE49-F238E27FC236}">
-                <a16:creationId xmlns:a16="http://schemas.microsoft.com/office/drawing/2014/main" id="{806775FE-01CF-4D8D-8A27-1C05571D8D36}"/>
-              </a:ext>
-            </a:extLst>
-          </p:cNvPr>
-          <p:cNvPicPr>
-            <a:picLocks noChangeAspect="1"/>
-          </p:cNvPicPr>
-          <p:nvPr/>
-        </p:nvPicPr>
-        <p:blipFill>
-          <a:blip r:embed="rId5"/>
-          <a:stretch>
-            <a:fillRect/>
-          </a:stretch>
-        </p:blipFill>
-        <p:spPr>
-          <a:xfrm>
-            <a:off x="6650177" y="4741535"/>
-            <a:ext cx="5257462" cy="1945261"/>
-          </a:xfrm>
-          <a:prstGeom prst="rect">
-            <a:avLst/>
-          </a:prstGeom>
-        </p:spPr>
-      </p:pic>
-    </p:spTree>
-    <p:extLst>
-      <p:ext uri="{BB962C8B-B14F-4D97-AF65-F5344CB8AC3E}">
-        <p14:creationId xmlns:p14="http://schemas.microsoft.com/office/powerpoint/2010/main" val="2577681972"/>
-      </p:ext>
-    </p:extLst>
-  </p:cSld>
-  <p:clrMapOvr>
-    <a:masterClrMapping/>
-  </p:clrMapOvr>
-</p:sld>
-</file>
-
-<file path=ppt/slides/slide8.xml><?xml version="1.0" encoding="utf-8"?>
+<file path=ppt/slides/slide11.xml><?xml version="1.0" encoding="utf-8"?>
 <p:sld xmlns:a="http://schemas.openxmlformats.org/drawingml/2006/main" xmlns:r="http://schemas.openxmlformats.org/officeDocument/2006/relationships" xmlns:p="http://schemas.openxmlformats.org/presentationml/2006/main">
   <p:cSld>
     <p:spTree>
@@ -8882,83 +7947,52 @@
       </p:pic>
       <p:sp>
         <p:nvSpPr>
-          <p:cNvPr id="5" name="AutoShape 2">
+          <p:cNvPr id="5" name="TextBox 4">
             <a:extLst>
               <a:ext uri="{FF2B5EF4-FFF2-40B4-BE49-F238E27FC236}">
-                <a16:creationId xmlns:a16="http://schemas.microsoft.com/office/drawing/2014/main" id="{B9ECE84C-DBED-4331-8A04-ED31673FDED6}"/>
+                <a16:creationId xmlns:a16="http://schemas.microsoft.com/office/drawing/2014/main" id="{9B0F77A0-91A2-4771-8EE6-16B61AF2D7C4}"/>
               </a:ext>
             </a:extLst>
           </p:cNvPr>
-          <p:cNvSpPr>
-            <a:spLocks noChangeAspect="1" noChangeArrowheads="1"/>
-          </p:cNvSpPr>
+          <p:cNvSpPr txBox="1"/>
           <p:nvPr/>
         </p:nvSpPr>
-        <p:spPr bwMode="auto">
-          <a:xfrm>
-            <a:off x="5943600" y="3276600"/>
-            <a:ext cx="304800" cy="304800"/>
+        <p:spPr>
+          <a:xfrm>
+            <a:off x="314697" y="2254749"/>
+            <a:ext cx="3033384" cy="923330"/>
           </a:xfrm>
           <a:prstGeom prst="rect">
             <a:avLst/>
           </a:prstGeom>
           <a:noFill/>
-          <a:extLst>
-            <a:ext uri="{909E8E84-426E-40DD-AFC4-6F175D3DCCD1}">
-              <a14:hiddenFill xmlns:a14="http://schemas.microsoft.com/office/drawing/2010/main">
-                <a:solidFill>
-                  <a:srgbClr val="FFFFFF"/>
-                </a:solidFill>
-              </a14:hiddenFill>
-            </a:ext>
-          </a:extLst>
-        </p:spPr>
-        <p:txBody>
-          <a:bodyPr vert="horz" wrap="square" lIns="91440" tIns="45720" rIns="91440" bIns="45720" numCol="1" anchor="t" anchorCtr="0" compatLnSpc="1">
-            <a:prstTxWarp prst="textNoShape">
-              <a:avLst/>
-            </a:prstTxWarp>
+        </p:spPr>
+        <p:txBody>
+          <a:bodyPr wrap="square" rtlCol="0">
+            <a:spAutoFit/>
           </a:bodyPr>
           <a:lstStyle/>
           <a:p>
-            <a:endParaRPr lang="en-US"/>
-          </a:p>
-        </p:txBody>
-      </p:sp>
-      <p:pic>
-        <p:nvPicPr>
-          <p:cNvPr id="7" name="Picture 6">
-            <a:extLst>
-              <a:ext uri="{FF2B5EF4-FFF2-40B4-BE49-F238E27FC236}">
-                <a16:creationId xmlns:a16="http://schemas.microsoft.com/office/drawing/2014/main" id="{F1444BFA-8C75-4BD8-91FD-5230443E3CC2}"/>
-              </a:ext>
-            </a:extLst>
-          </p:cNvPr>
-          <p:cNvPicPr>
-            <a:picLocks noChangeAspect="1"/>
-          </p:cNvPicPr>
-          <p:nvPr/>
-        </p:nvPicPr>
-        <p:blipFill>
-          <a:blip r:embed="rId4"/>
-          <a:stretch>
-            <a:fillRect/>
-          </a:stretch>
-        </p:blipFill>
-        <p:spPr>
-          <a:xfrm>
-            <a:off x="5667935" y="2330796"/>
-            <a:ext cx="6205818" cy="3219611"/>
-          </a:xfrm>
-          <a:prstGeom prst="rect">
-            <a:avLst/>
-          </a:prstGeom>
-        </p:spPr>
-      </p:pic>
+            <a:r>
+              <a:rPr lang="en-US" dirty="0"/>
+              <a:t>Design</a:t>
+            </a:r>
+          </a:p>
+          <a:p>
+            <a:endParaRPr lang="en-US" dirty="0"/>
+          </a:p>
+          <a:p>
+            <a:r>
+              <a:rPr lang="en-US" dirty="0"/>
+              <a:t>Something we </a:t>
+            </a:r>
+          </a:p>
+        </p:txBody>
+      </p:sp>
     </p:spTree>
     <p:extLst>
       <p:ext uri="{BB962C8B-B14F-4D97-AF65-F5344CB8AC3E}">
-        <p14:creationId xmlns:p14="http://schemas.microsoft.com/office/powerpoint/2010/main" val="3567782682"/>
+        <p14:creationId xmlns:p14="http://schemas.microsoft.com/office/powerpoint/2010/main" val="2191488993"/>
       </p:ext>
     </p:extLst>
   </p:cSld>
@@ -8977,6 +8011,1105 @@
       </p:transition>
     </mc:Fallback>
   </mc:AlternateContent>
+</p:sld>
+</file>
+
+<file path=ppt/slides/slide2.xml><?xml version="1.0" encoding="utf-8"?>
+<p:sld xmlns:a="http://schemas.openxmlformats.org/drawingml/2006/main" xmlns:r="http://schemas.openxmlformats.org/officeDocument/2006/relationships" xmlns:p="http://schemas.openxmlformats.org/presentationml/2006/main">
+  <p:cSld>
+    <p:spTree>
+      <p:nvGrpSpPr>
+        <p:cNvPr id="1" name=""/>
+        <p:cNvGrpSpPr/>
+        <p:nvPr/>
+      </p:nvGrpSpPr>
+      <p:grpSpPr>
+        <a:xfrm>
+          <a:off x="0" y="0"/>
+          <a:ext cx="0" cy="0"/>
+          <a:chOff x="0" y="0"/>
+          <a:chExt cx="0" cy="0"/>
+        </a:xfrm>
+      </p:grpSpPr>
+      <p:sp>
+        <p:nvSpPr>
+          <p:cNvPr id="2" name="Title 1">
+            <a:extLst>
+              <a:ext uri="{FF2B5EF4-FFF2-40B4-BE49-F238E27FC236}">
+                <a16:creationId xmlns:a16="http://schemas.microsoft.com/office/drawing/2014/main" id="{CD25BD56-DD47-4A37-9D11-226745D5C27B}"/>
+              </a:ext>
+            </a:extLst>
+          </p:cNvPr>
+          <p:cNvSpPr>
+            <a:spLocks noGrp="1"/>
+          </p:cNvSpPr>
+          <p:nvPr>
+            <p:ph type="title"/>
+          </p:nvPr>
+        </p:nvSpPr>
+        <p:spPr/>
+        <p:txBody>
+          <a:bodyPr>
+            <a:normAutofit fontScale="90000"/>
+          </a:bodyPr>
+          <a:lstStyle/>
+          <a:p>
+            <a:r>
+              <a:rPr lang="en-US" dirty="0"/>
+              <a:t>Previously On </a:t>
+            </a:r>
+            <a:br>
+              <a:rPr lang="en-US" dirty="0"/>
+            </a:br>
+            <a:r>
+              <a:rPr lang="en-US" dirty="0"/>
+              <a:t>“</a:t>
+            </a:r>
+            <a:r>
+              <a:rPr lang="en-US" sz="4000" dirty="0"/>
+              <a:t>Poké</a:t>
+            </a:r>
+            <a:r>
+              <a:rPr lang="en-US" dirty="0"/>
+              <a:t>mon: Gotta graph em all!”</a:t>
+            </a:r>
+            <a:br>
+              <a:rPr lang="en-US" dirty="0"/>
+            </a:br>
+            <a:endParaRPr lang="en-US" dirty="0"/>
+          </a:p>
+        </p:txBody>
+      </p:sp>
+      <p:sp>
+        <p:nvSpPr>
+          <p:cNvPr id="3" name="Content Placeholder 2">
+            <a:extLst>
+              <a:ext uri="{FF2B5EF4-FFF2-40B4-BE49-F238E27FC236}">
+                <a16:creationId xmlns:a16="http://schemas.microsoft.com/office/drawing/2014/main" id="{FBF262D7-496E-4219-95C5-BBBA5EBB003E}"/>
+              </a:ext>
+            </a:extLst>
+          </p:cNvPr>
+          <p:cNvSpPr>
+            <a:spLocks noGrp="1"/>
+          </p:cNvSpPr>
+          <p:nvPr>
+            <p:ph idx="1"/>
+          </p:nvPr>
+        </p:nvSpPr>
+        <p:spPr/>
+        <p:txBody>
+          <a:bodyPr/>
+          <a:lstStyle/>
+          <a:p>
+            <a:r>
+              <a:rPr lang="en-US" dirty="0"/>
+              <a:t>Expanded on previous dataset </a:t>
+            </a:r>
+          </a:p>
+        </p:txBody>
+      </p:sp>
+    </p:spTree>
+    <p:extLst>
+      <p:ext uri="{BB962C8B-B14F-4D97-AF65-F5344CB8AC3E}">
+        <p14:creationId xmlns:p14="http://schemas.microsoft.com/office/powerpoint/2010/main" val="1867787595"/>
+      </p:ext>
+    </p:extLst>
+  </p:cSld>
+  <p:clrMapOvr>
+    <a:masterClrMapping/>
+  </p:clrMapOvr>
+</p:sld>
+</file>
+
+<file path=ppt/slides/slide3.xml><?xml version="1.0" encoding="utf-8"?>
+<p:sld xmlns:a="http://schemas.openxmlformats.org/drawingml/2006/main" xmlns:r="http://schemas.openxmlformats.org/officeDocument/2006/relationships" xmlns:p="http://schemas.openxmlformats.org/presentationml/2006/main">
+  <p:cSld>
+    <p:spTree>
+      <p:nvGrpSpPr>
+        <p:cNvPr id="1" name=""/>
+        <p:cNvGrpSpPr/>
+        <p:nvPr/>
+      </p:nvGrpSpPr>
+      <p:grpSpPr>
+        <a:xfrm>
+          <a:off x="0" y="0"/>
+          <a:ext cx="0" cy="0"/>
+          <a:chOff x="0" y="0"/>
+          <a:chExt cx="0" cy="0"/>
+        </a:xfrm>
+      </p:grpSpPr>
+      <p:sp>
+        <p:nvSpPr>
+          <p:cNvPr id="2" name="Title 1">
+            <a:extLst>
+              <a:ext uri="{FF2B5EF4-FFF2-40B4-BE49-F238E27FC236}">
+                <a16:creationId xmlns:a16="http://schemas.microsoft.com/office/drawing/2014/main" id="{7EB2E151-65F2-4307-9833-40C022017238}"/>
+              </a:ext>
+            </a:extLst>
+          </p:cNvPr>
+          <p:cNvSpPr>
+            <a:spLocks noGrp="1"/>
+          </p:cNvSpPr>
+          <p:nvPr>
+            <p:ph type="title"/>
+          </p:nvPr>
+        </p:nvSpPr>
+        <p:spPr/>
+        <p:txBody>
+          <a:bodyPr/>
+          <a:lstStyle/>
+          <a:p>
+            <a:r>
+              <a:rPr lang="en-US" dirty="0"/>
+              <a:t>Gameplan</a:t>
+            </a:r>
+          </a:p>
+        </p:txBody>
+      </p:sp>
+      <p:sp>
+        <p:nvSpPr>
+          <p:cNvPr id="3" name="Content Placeholder 2">
+            <a:extLst>
+              <a:ext uri="{FF2B5EF4-FFF2-40B4-BE49-F238E27FC236}">
+                <a16:creationId xmlns:a16="http://schemas.microsoft.com/office/drawing/2014/main" id="{4A633B36-B76F-4C0D-B268-838A03F73E15}"/>
+              </a:ext>
+            </a:extLst>
+          </p:cNvPr>
+          <p:cNvSpPr>
+            <a:spLocks noGrp="1"/>
+          </p:cNvSpPr>
+          <p:nvPr>
+            <p:ph idx="1"/>
+          </p:nvPr>
+        </p:nvSpPr>
+        <p:spPr/>
+        <p:txBody>
+          <a:bodyPr/>
+          <a:lstStyle/>
+          <a:p>
+            <a:r>
+              <a:rPr lang="en-US" dirty="0"/>
+              <a:t>Goal: Expand on the data from our prior project and create a Machine Learning algorithm to predict the winner of a fight based on stats, also have an ML algorithm to predict a </a:t>
+            </a:r>
+            <a:r>
+              <a:rPr lang="en-US" sz="2400" dirty="0"/>
+              <a:t>Poké</a:t>
+            </a:r>
+            <a:r>
+              <a:rPr lang="en-US" dirty="0"/>
+              <a:t>mon’s type based on stats</a:t>
+            </a:r>
+          </a:p>
+          <a:p>
+            <a:pPr marL="0" indent="0">
+              <a:buNone/>
+            </a:pPr>
+            <a:endParaRPr lang="en-US" dirty="0"/>
+          </a:p>
+          <a:p>
+            <a:r>
+              <a:rPr lang="en-US" dirty="0"/>
+              <a:t>“Everyone has a plan, until they get punched in the mouth”- Iron Mike Tyson</a:t>
+            </a:r>
+          </a:p>
+          <a:p>
+            <a:endParaRPr lang="en-US" dirty="0"/>
+          </a:p>
+          <a:p>
+            <a:endParaRPr lang="en-US" dirty="0"/>
+          </a:p>
+          <a:p>
+            <a:r>
+              <a:rPr lang="en-US" dirty="0"/>
+              <a:t>These are the snags/problems that we encountered along the way </a:t>
+            </a:r>
+          </a:p>
+          <a:p>
+            <a:endParaRPr lang="en-US" dirty="0"/>
+          </a:p>
+          <a:p>
+            <a:endParaRPr lang="en-US" dirty="0"/>
+          </a:p>
+          <a:p>
+            <a:endParaRPr lang="en-US" dirty="0"/>
+          </a:p>
+          <a:p>
+            <a:endParaRPr lang="en-US" dirty="0"/>
+          </a:p>
+          <a:p>
+            <a:endParaRPr lang="en-US" dirty="0"/>
+          </a:p>
+          <a:p>
+            <a:endParaRPr lang="en-US" dirty="0"/>
+          </a:p>
+          <a:p>
+            <a:endParaRPr lang="en-US" dirty="0"/>
+          </a:p>
+          <a:p>
+            <a:endParaRPr lang="en-US" dirty="0"/>
+          </a:p>
+        </p:txBody>
+      </p:sp>
+    </p:spTree>
+    <p:extLst>
+      <p:ext uri="{BB962C8B-B14F-4D97-AF65-F5344CB8AC3E}">
+        <p14:creationId xmlns:p14="http://schemas.microsoft.com/office/powerpoint/2010/main" val="3501987123"/>
+      </p:ext>
+    </p:extLst>
+  </p:cSld>
+  <p:clrMapOvr>
+    <a:masterClrMapping/>
+  </p:clrMapOvr>
+</p:sld>
+</file>
+
+<file path=ppt/slides/slide4.xml><?xml version="1.0" encoding="utf-8"?>
+<p:sld xmlns:a="http://schemas.openxmlformats.org/drawingml/2006/main" xmlns:r="http://schemas.openxmlformats.org/officeDocument/2006/relationships" xmlns:p="http://schemas.openxmlformats.org/presentationml/2006/main">
+  <p:cSld>
+    <p:spTree>
+      <p:nvGrpSpPr>
+        <p:cNvPr id="1" name=""/>
+        <p:cNvGrpSpPr/>
+        <p:nvPr/>
+      </p:nvGrpSpPr>
+      <p:grpSpPr>
+        <a:xfrm>
+          <a:off x="0" y="0"/>
+          <a:ext cx="0" cy="0"/>
+          <a:chOff x="0" y="0"/>
+          <a:chExt cx="0" cy="0"/>
+        </a:xfrm>
+      </p:grpSpPr>
+      <p:sp>
+        <p:nvSpPr>
+          <p:cNvPr id="2" name="Title 1">
+            <a:extLst>
+              <a:ext uri="{FF2B5EF4-FFF2-40B4-BE49-F238E27FC236}">
+                <a16:creationId xmlns:a16="http://schemas.microsoft.com/office/drawing/2014/main" id="{E5D37803-93FD-47DD-AEA7-4BE8CCEA35C8}"/>
+              </a:ext>
+            </a:extLst>
+          </p:cNvPr>
+          <p:cNvSpPr>
+            <a:spLocks noGrp="1"/>
+          </p:cNvSpPr>
+          <p:nvPr>
+            <p:ph type="title"/>
+          </p:nvPr>
+        </p:nvSpPr>
+        <p:spPr/>
+        <p:txBody>
+          <a:bodyPr/>
+          <a:lstStyle/>
+          <a:p>
+            <a:r>
+              <a:rPr lang="en-US" dirty="0"/>
+              <a:t>Process</a:t>
+            </a:r>
+          </a:p>
+        </p:txBody>
+      </p:sp>
+      <p:pic>
+        <p:nvPicPr>
+          <p:cNvPr id="5" name="Content Placeholder 4">
+            <a:extLst>
+              <a:ext uri="{FF2B5EF4-FFF2-40B4-BE49-F238E27FC236}">
+                <a16:creationId xmlns:a16="http://schemas.microsoft.com/office/drawing/2014/main" id="{EB8CF882-6C56-4D12-B8A3-9A63C7862175}"/>
+              </a:ext>
+            </a:extLst>
+          </p:cNvPr>
+          <p:cNvPicPr>
+            <a:picLocks noGrp="1" noChangeAspect="1"/>
+          </p:cNvPicPr>
+          <p:nvPr>
+            <p:ph idx="1"/>
+          </p:nvPr>
+        </p:nvPicPr>
+        <p:blipFill>
+          <a:blip r:embed="rId2"/>
+          <a:stretch>
+            <a:fillRect/>
+          </a:stretch>
+        </p:blipFill>
+        <p:spPr>
+          <a:xfrm>
+            <a:off x="6404395" y="1760475"/>
+            <a:ext cx="5556038" cy="4402818"/>
+          </a:xfrm>
+        </p:spPr>
+      </p:pic>
+      <p:sp>
+        <p:nvSpPr>
+          <p:cNvPr id="4" name="TextBox 3">
+            <a:extLst>
+              <a:ext uri="{FF2B5EF4-FFF2-40B4-BE49-F238E27FC236}">
+                <a16:creationId xmlns:a16="http://schemas.microsoft.com/office/drawing/2014/main" id="{B492F949-5DE5-46D5-9F7F-2A6F10692F06}"/>
+              </a:ext>
+            </a:extLst>
+          </p:cNvPr>
+          <p:cNvSpPr txBox="1"/>
+          <p:nvPr/>
+        </p:nvSpPr>
+        <p:spPr>
+          <a:xfrm>
+            <a:off x="605642" y="1650670"/>
+            <a:ext cx="4314001" cy="369332"/>
+          </a:xfrm>
+          <a:prstGeom prst="rect">
+            <a:avLst/>
+          </a:prstGeom>
+          <a:noFill/>
+        </p:spPr>
+        <p:txBody>
+          <a:bodyPr wrap="none" rtlCol="0">
+            <a:spAutoFit/>
+          </a:bodyPr>
+          <a:lstStyle/>
+          <a:p>
+            <a:r>
+              <a:rPr lang="en-US" dirty="0"/>
+              <a:t>We expanded on a </a:t>
+            </a:r>
+            <a:r>
+              <a:rPr lang="en-US"/>
+              <a:t>previous dataset</a:t>
+            </a:r>
+          </a:p>
+        </p:txBody>
+      </p:sp>
+    </p:spTree>
+    <p:extLst>
+      <p:ext uri="{BB962C8B-B14F-4D97-AF65-F5344CB8AC3E}">
+        <p14:creationId xmlns:p14="http://schemas.microsoft.com/office/powerpoint/2010/main" val="3989237146"/>
+      </p:ext>
+    </p:extLst>
+  </p:cSld>
+  <p:clrMapOvr>
+    <a:masterClrMapping/>
+  </p:clrMapOvr>
+</p:sld>
+</file>
+
+<file path=ppt/slides/slide5.xml><?xml version="1.0" encoding="utf-8"?>
+<p:sld xmlns:a="http://schemas.openxmlformats.org/drawingml/2006/main" xmlns:r="http://schemas.openxmlformats.org/officeDocument/2006/relationships" xmlns:p="http://schemas.openxmlformats.org/presentationml/2006/main">
+  <p:cSld>
+    <p:spTree>
+      <p:nvGrpSpPr>
+        <p:cNvPr id="1" name=""/>
+        <p:cNvGrpSpPr/>
+        <p:nvPr/>
+      </p:nvGrpSpPr>
+      <p:grpSpPr>
+        <a:xfrm>
+          <a:off x="0" y="0"/>
+          <a:ext cx="0" cy="0"/>
+          <a:chOff x="0" y="0"/>
+          <a:chExt cx="0" cy="0"/>
+        </a:xfrm>
+      </p:grpSpPr>
+      <p:sp>
+        <p:nvSpPr>
+          <p:cNvPr id="2" name="Title 1">
+            <a:extLst>
+              <a:ext uri="{FF2B5EF4-FFF2-40B4-BE49-F238E27FC236}">
+                <a16:creationId xmlns:a16="http://schemas.microsoft.com/office/drawing/2014/main" id="{E5D37803-93FD-47DD-AEA7-4BE8CCEA35C8}"/>
+              </a:ext>
+            </a:extLst>
+          </p:cNvPr>
+          <p:cNvSpPr>
+            <a:spLocks noGrp="1"/>
+          </p:cNvSpPr>
+          <p:nvPr>
+            <p:ph type="title"/>
+          </p:nvPr>
+        </p:nvSpPr>
+        <p:spPr/>
+        <p:txBody>
+          <a:bodyPr/>
+          <a:lstStyle/>
+          <a:p>
+            <a:r>
+              <a:rPr lang="en-US" dirty="0"/>
+              <a:t>Process</a:t>
+            </a:r>
+          </a:p>
+        </p:txBody>
+      </p:sp>
+      <p:sp>
+        <p:nvSpPr>
+          <p:cNvPr id="4" name="Content Placeholder 3">
+            <a:extLst>
+              <a:ext uri="{FF2B5EF4-FFF2-40B4-BE49-F238E27FC236}">
+                <a16:creationId xmlns:a16="http://schemas.microsoft.com/office/drawing/2014/main" id="{83842ABF-33A0-44E2-8207-3DB104709274}"/>
+              </a:ext>
+            </a:extLst>
+          </p:cNvPr>
+          <p:cNvSpPr>
+            <a:spLocks noGrp="1"/>
+          </p:cNvSpPr>
+          <p:nvPr>
+            <p:ph idx="1"/>
+          </p:nvPr>
+        </p:nvSpPr>
+        <p:spPr/>
+        <p:txBody>
+          <a:bodyPr/>
+          <a:lstStyle/>
+          <a:p>
+            <a:endParaRPr lang="en-US"/>
+          </a:p>
+        </p:txBody>
+      </p:sp>
+    </p:spTree>
+    <p:extLst>
+      <p:ext uri="{BB962C8B-B14F-4D97-AF65-F5344CB8AC3E}">
+        <p14:creationId xmlns:p14="http://schemas.microsoft.com/office/powerpoint/2010/main" val="1960748603"/>
+      </p:ext>
+    </p:extLst>
+  </p:cSld>
+  <p:clrMapOvr>
+    <a:masterClrMapping/>
+  </p:clrMapOvr>
+</p:sld>
+</file>
+
+<file path=ppt/slides/slide6.xml><?xml version="1.0" encoding="utf-8"?>
+<p:sld xmlns:a="http://schemas.openxmlformats.org/drawingml/2006/main" xmlns:r="http://schemas.openxmlformats.org/officeDocument/2006/relationships" xmlns:p="http://schemas.openxmlformats.org/presentationml/2006/main">
+  <p:cSld>
+    <p:spTree>
+      <p:nvGrpSpPr>
+        <p:cNvPr id="1" name=""/>
+        <p:cNvGrpSpPr/>
+        <p:nvPr/>
+      </p:nvGrpSpPr>
+      <p:grpSpPr>
+        <a:xfrm>
+          <a:off x="0" y="0"/>
+          <a:ext cx="0" cy="0"/>
+          <a:chOff x="0" y="0"/>
+          <a:chExt cx="0" cy="0"/>
+        </a:xfrm>
+      </p:grpSpPr>
+      <p:sp>
+        <p:nvSpPr>
+          <p:cNvPr id="2" name="Title 1">
+            <a:extLst>
+              <a:ext uri="{FF2B5EF4-FFF2-40B4-BE49-F238E27FC236}">
+                <a16:creationId xmlns:a16="http://schemas.microsoft.com/office/drawing/2014/main" id="{E5D37803-93FD-47DD-AEA7-4BE8CCEA35C8}"/>
+              </a:ext>
+            </a:extLst>
+          </p:cNvPr>
+          <p:cNvSpPr>
+            <a:spLocks noGrp="1"/>
+          </p:cNvSpPr>
+          <p:nvPr>
+            <p:ph type="title"/>
+          </p:nvPr>
+        </p:nvSpPr>
+        <p:spPr/>
+        <p:txBody>
+          <a:bodyPr/>
+          <a:lstStyle/>
+          <a:p>
+            <a:r>
+              <a:rPr lang="en-US" dirty="0"/>
+              <a:t>Process</a:t>
+            </a:r>
+          </a:p>
+        </p:txBody>
+      </p:sp>
+      <p:sp>
+        <p:nvSpPr>
+          <p:cNvPr id="4" name="Content Placeholder 3">
+            <a:extLst>
+              <a:ext uri="{FF2B5EF4-FFF2-40B4-BE49-F238E27FC236}">
+                <a16:creationId xmlns:a16="http://schemas.microsoft.com/office/drawing/2014/main" id="{C05D96AC-ECFB-4DA3-BD21-4B8FCCE1A7B4}"/>
+              </a:ext>
+            </a:extLst>
+          </p:cNvPr>
+          <p:cNvSpPr>
+            <a:spLocks noGrp="1"/>
+          </p:cNvSpPr>
+          <p:nvPr>
+            <p:ph idx="1"/>
+          </p:nvPr>
+        </p:nvSpPr>
+        <p:spPr>
+          <a:xfrm>
+            <a:off x="685800" y="1793174"/>
+            <a:ext cx="10820400" cy="4425511"/>
+          </a:xfrm>
+        </p:spPr>
+        <p:txBody>
+          <a:bodyPr/>
+          <a:lstStyle/>
+          <a:p>
+            <a:endParaRPr lang="en-US" dirty="0"/>
+          </a:p>
+        </p:txBody>
+      </p:sp>
+      <p:pic>
+        <p:nvPicPr>
+          <p:cNvPr id="8" name="Picture 7">
+            <a:extLst>
+              <a:ext uri="{FF2B5EF4-FFF2-40B4-BE49-F238E27FC236}">
+                <a16:creationId xmlns:a16="http://schemas.microsoft.com/office/drawing/2014/main" id="{66C4C3FB-ABD2-41B7-8155-3AE3C634D031}"/>
+              </a:ext>
+            </a:extLst>
+          </p:cNvPr>
+          <p:cNvPicPr>
+            <a:picLocks noChangeAspect="1"/>
+          </p:cNvPicPr>
+          <p:nvPr/>
+        </p:nvPicPr>
+        <p:blipFill>
+          <a:blip r:embed="rId2"/>
+          <a:stretch>
+            <a:fillRect/>
+          </a:stretch>
+        </p:blipFill>
+        <p:spPr>
+          <a:xfrm>
+            <a:off x="7538420" y="1771526"/>
+            <a:ext cx="3967780" cy="2929769"/>
+          </a:xfrm>
+          <a:prstGeom prst="rect">
+            <a:avLst/>
+          </a:prstGeom>
+        </p:spPr>
+      </p:pic>
+      <p:pic>
+        <p:nvPicPr>
+          <p:cNvPr id="10" name="Picture 9">
+            <a:extLst>
+              <a:ext uri="{FF2B5EF4-FFF2-40B4-BE49-F238E27FC236}">
+                <a16:creationId xmlns:a16="http://schemas.microsoft.com/office/drawing/2014/main" id="{E583DC1F-8B14-4E9E-9551-19B332F7DA25}"/>
+              </a:ext>
+            </a:extLst>
+          </p:cNvPr>
+          <p:cNvPicPr>
+            <a:picLocks noChangeAspect="1"/>
+          </p:cNvPicPr>
+          <p:nvPr/>
+        </p:nvPicPr>
+        <p:blipFill>
+          <a:blip r:embed="rId3"/>
+          <a:stretch>
+            <a:fillRect/>
+          </a:stretch>
+        </p:blipFill>
+        <p:spPr>
+          <a:xfrm>
+            <a:off x="5537954" y="5188183"/>
+            <a:ext cx="5968246" cy="1362265"/>
+          </a:xfrm>
+          <a:prstGeom prst="rect">
+            <a:avLst/>
+          </a:prstGeom>
+        </p:spPr>
+      </p:pic>
+    </p:spTree>
+    <p:extLst>
+      <p:ext uri="{BB962C8B-B14F-4D97-AF65-F5344CB8AC3E}">
+        <p14:creationId xmlns:p14="http://schemas.microsoft.com/office/powerpoint/2010/main" val="2238180185"/>
+      </p:ext>
+    </p:extLst>
+  </p:cSld>
+  <p:clrMapOvr>
+    <a:masterClrMapping/>
+  </p:clrMapOvr>
+</p:sld>
+</file>
+
+<file path=ppt/slides/slide7.xml><?xml version="1.0" encoding="utf-8"?>
+<p:sld xmlns:a="http://schemas.openxmlformats.org/drawingml/2006/main" xmlns:r="http://schemas.openxmlformats.org/officeDocument/2006/relationships" xmlns:p="http://schemas.openxmlformats.org/presentationml/2006/main">
+  <p:cSld>
+    <p:spTree>
+      <p:nvGrpSpPr>
+        <p:cNvPr id="1" name=""/>
+        <p:cNvGrpSpPr/>
+        <p:nvPr/>
+      </p:nvGrpSpPr>
+      <p:grpSpPr>
+        <a:xfrm>
+          <a:off x="0" y="0"/>
+          <a:ext cx="0" cy="0"/>
+          <a:chOff x="0" y="0"/>
+          <a:chExt cx="0" cy="0"/>
+        </a:xfrm>
+      </p:grpSpPr>
+      <p:sp>
+        <p:nvSpPr>
+          <p:cNvPr id="2" name="Title 1">
+            <a:extLst>
+              <a:ext uri="{FF2B5EF4-FFF2-40B4-BE49-F238E27FC236}">
+                <a16:creationId xmlns:a16="http://schemas.microsoft.com/office/drawing/2014/main" id="{D173C4BB-966C-4895-BAD8-CFA215E3B65A}"/>
+              </a:ext>
+            </a:extLst>
+          </p:cNvPr>
+          <p:cNvSpPr>
+            <a:spLocks noGrp="1"/>
+          </p:cNvSpPr>
+          <p:nvPr>
+            <p:ph type="title"/>
+          </p:nvPr>
+        </p:nvSpPr>
+        <p:spPr/>
+        <p:txBody>
+          <a:bodyPr/>
+          <a:lstStyle/>
+          <a:p>
+            <a:r>
+              <a:rPr lang="en-US" dirty="0"/>
+              <a:t>Machine Learning </a:t>
+            </a:r>
+          </a:p>
+        </p:txBody>
+      </p:sp>
+      <p:sp>
+        <p:nvSpPr>
+          <p:cNvPr id="3" name="Content Placeholder 2">
+            <a:extLst>
+              <a:ext uri="{FF2B5EF4-FFF2-40B4-BE49-F238E27FC236}">
+                <a16:creationId xmlns:a16="http://schemas.microsoft.com/office/drawing/2014/main" id="{C2004ABF-3D9C-46AE-8A5B-9731ED8D9872}"/>
+              </a:ext>
+            </a:extLst>
+          </p:cNvPr>
+          <p:cNvSpPr>
+            <a:spLocks noGrp="1"/>
+          </p:cNvSpPr>
+          <p:nvPr>
+            <p:ph idx="1"/>
+          </p:nvPr>
+        </p:nvSpPr>
+        <p:spPr/>
+        <p:txBody>
+          <a:bodyPr/>
+          <a:lstStyle/>
+          <a:p>
+            <a:endParaRPr lang="en-US" dirty="0"/>
+          </a:p>
+        </p:txBody>
+      </p:sp>
+    </p:spTree>
+    <p:extLst>
+      <p:ext uri="{BB962C8B-B14F-4D97-AF65-F5344CB8AC3E}">
+        <p14:creationId xmlns:p14="http://schemas.microsoft.com/office/powerpoint/2010/main" val="3724337303"/>
+      </p:ext>
+    </p:extLst>
+  </p:cSld>
+  <p:clrMapOvr>
+    <a:masterClrMapping/>
+  </p:clrMapOvr>
+</p:sld>
+</file>
+
+<file path=ppt/slides/slide8.xml><?xml version="1.0" encoding="utf-8"?>
+<p:sld xmlns:a="http://schemas.openxmlformats.org/drawingml/2006/main" xmlns:r="http://schemas.openxmlformats.org/officeDocument/2006/relationships" xmlns:p="http://schemas.openxmlformats.org/presentationml/2006/main">
+  <p:cSld>
+    <p:bg>
+      <p:bgPr>
+        <a:solidFill>
+          <a:schemeClr val="bg1"/>
+        </a:solidFill>
+        <a:effectLst/>
+      </p:bgPr>
+    </p:bg>
+    <p:spTree>
+      <p:nvGrpSpPr>
+        <p:cNvPr id="1" name=""/>
+        <p:cNvGrpSpPr/>
+        <p:nvPr/>
+      </p:nvGrpSpPr>
+      <p:grpSpPr>
+        <a:xfrm>
+          <a:off x="0" y="0"/>
+          <a:ext cx="0" cy="0"/>
+          <a:chOff x="0" y="0"/>
+          <a:chExt cx="0" cy="0"/>
+        </a:xfrm>
+      </p:grpSpPr>
+      <p:sp useBgFill="1">
+        <p:nvSpPr>
+          <p:cNvPr id="13" name="Rectangle 12">
+            <a:extLst>
+              <a:ext uri="{FF2B5EF4-FFF2-40B4-BE49-F238E27FC236}">
+                <a16:creationId xmlns:a16="http://schemas.microsoft.com/office/drawing/2014/main" id="{AB3546AA-6DD0-4A58-8B49-3A63BCC4122D}"/>
+              </a:ext>
+              <a:ext uri="{C183D7F6-B498-43B3-948B-1728B52AA6E4}">
+                <adec:decorative xmlns:adec="http://schemas.microsoft.com/office/drawing/2017/decorative" val="1"/>
+              </a:ext>
+            </a:extLst>
+          </p:cNvPr>
+          <p:cNvSpPr>
+            <a:spLocks noGrp="1" noRot="1" noChangeAspect="1" noMove="1" noResize="1" noEditPoints="1" noAdjustHandles="1" noChangeArrowheads="1" noChangeShapeType="1" noTextEdit="1"/>
+          </p:cNvSpPr>
+          <p:nvPr>
+            <p:extLst>
+              <p:ext uri="{386F3935-93C4-4BCD-93E2-E3B085C9AB24}">
+                <p16:designElem xmlns:p16="http://schemas.microsoft.com/office/powerpoint/2015/main" val="1"/>
+              </p:ext>
+            </p:extLst>
+          </p:nvPr>
+        </p:nvSpPr>
+        <p:spPr>
+          <a:xfrm>
+            <a:off x="0" y="0"/>
+            <a:ext cx="12192000" cy="6858000"/>
+          </a:xfrm>
+          <a:prstGeom prst="rect">
+            <a:avLst/>
+          </a:prstGeom>
+          <a:ln>
+            <a:noFill/>
+          </a:ln>
+        </p:spPr>
+        <p:style>
+          <a:lnRef idx="2">
+            <a:schemeClr val="accent1">
+              <a:shade val="50000"/>
+            </a:schemeClr>
+          </a:lnRef>
+          <a:fillRef idx="1">
+            <a:schemeClr val="accent1"/>
+          </a:fillRef>
+          <a:effectRef idx="0">
+            <a:schemeClr val="accent1"/>
+          </a:effectRef>
+          <a:fontRef idx="minor">
+            <a:schemeClr val="lt1"/>
+          </a:fontRef>
+        </p:style>
+        <p:txBody>
+          <a:bodyPr rtlCol="0" anchor="ctr"/>
+          <a:lstStyle/>
+          <a:p>
+            <a:pPr algn="ctr"/>
+            <a:endParaRPr lang="en-US"/>
+          </a:p>
+        </p:txBody>
+      </p:sp>
+      <p:pic>
+        <p:nvPicPr>
+          <p:cNvPr id="15" name="Picture 14">
+            <a:extLst>
+              <a:ext uri="{FF2B5EF4-FFF2-40B4-BE49-F238E27FC236}">
+                <a16:creationId xmlns:a16="http://schemas.microsoft.com/office/drawing/2014/main" id="{9F89F588-0F53-4F8D-AA9A-E8F2529A4108}"/>
+              </a:ext>
+              <a:ext uri="{C183D7F6-B498-43B3-948B-1728B52AA6E4}">
+                <adec:decorative xmlns:adec="http://schemas.microsoft.com/office/drawing/2017/decorative" val="1"/>
+              </a:ext>
+            </a:extLst>
+          </p:cNvPr>
+          <p:cNvPicPr>
+            <a:picLocks noGrp="1" noRot="1" noChangeAspect="1" noMove="1" noResize="1" noEditPoints="1" noAdjustHandles="1" noChangeArrowheads="1" noChangeShapeType="1" noCrop="1"/>
+          </p:cNvPicPr>
+          <p:nvPr>
+            <p:extLst>
+              <p:ext uri="{386F3935-93C4-4BCD-93E2-E3B085C9AB24}">
+                <p16:designElem xmlns:p16="http://schemas.microsoft.com/office/powerpoint/2015/main" val="1"/>
+              </p:ext>
+            </p:extLst>
+          </p:nvPr>
+        </p:nvPicPr>
+        <p:blipFill>
+          <a:blip r:embed="rId2">
+            <a:extLst>
+              <a:ext uri="{28A0092B-C50C-407E-A947-70E740481C1C}">
+                <a14:useLocalDpi xmlns:a14="http://schemas.microsoft.com/office/drawing/2010/main" val="0"/>
+              </a:ext>
+            </a:extLst>
+          </a:blip>
+          <a:stretch>
+            <a:fillRect/>
+          </a:stretch>
+        </p:blipFill>
+        <p:spPr>
+          <a:xfrm>
+            <a:off x="0" y="0"/>
+            <a:ext cx="12192000" cy="1441450"/>
+          </a:xfrm>
+          <a:prstGeom prst="rect">
+            <a:avLst/>
+          </a:prstGeom>
+        </p:spPr>
+      </p:pic>
+      <p:sp>
+        <p:nvSpPr>
+          <p:cNvPr id="2" name="Title 1">
+            <a:extLst>
+              <a:ext uri="{FF2B5EF4-FFF2-40B4-BE49-F238E27FC236}">
+                <a16:creationId xmlns:a16="http://schemas.microsoft.com/office/drawing/2014/main" id="{D173C4BB-966C-4895-BAD8-CFA215E3B65A}"/>
+              </a:ext>
+            </a:extLst>
+          </p:cNvPr>
+          <p:cNvSpPr>
+            <a:spLocks noGrp="1"/>
+          </p:cNvSpPr>
+          <p:nvPr>
+            <p:ph type="title"/>
+          </p:nvPr>
+        </p:nvSpPr>
+        <p:spPr>
+          <a:xfrm>
+            <a:off x="685799" y="764373"/>
+            <a:ext cx="6848855" cy="1293028"/>
+          </a:xfrm>
+        </p:spPr>
+        <p:txBody>
+          <a:bodyPr vert="horz" lIns="91440" tIns="45720" rIns="91440" bIns="45720" rtlCol="0" anchor="ctr">
+            <a:normAutofit/>
+          </a:bodyPr>
+          <a:lstStyle/>
+          <a:p>
+            <a:r>
+              <a:rPr lang="en-US" dirty="0"/>
+              <a:t>Machine Learning </a:t>
+            </a:r>
+          </a:p>
+        </p:txBody>
+      </p:sp>
+      <p:sp>
+        <p:nvSpPr>
+          <p:cNvPr id="5" name="TextBox 4">
+            <a:extLst>
+              <a:ext uri="{FF2B5EF4-FFF2-40B4-BE49-F238E27FC236}">
+                <a16:creationId xmlns:a16="http://schemas.microsoft.com/office/drawing/2014/main" id="{95AA11A9-8958-4F48-92B0-104D7CCC10ED}"/>
+              </a:ext>
+            </a:extLst>
+          </p:cNvPr>
+          <p:cNvSpPr txBox="1"/>
+          <p:nvPr/>
+        </p:nvSpPr>
+        <p:spPr>
+          <a:xfrm>
+            <a:off x="685800" y="2194560"/>
+            <a:ext cx="6848854" cy="4024125"/>
+          </a:xfrm>
+          <a:prstGeom prst="rect">
+            <a:avLst/>
+          </a:prstGeom>
+        </p:spPr>
+        <p:txBody>
+          <a:bodyPr vert="horz" lIns="91440" tIns="45720" rIns="91440" bIns="45720" rtlCol="0">
+            <a:normAutofit/>
+          </a:bodyPr>
+          <a:lstStyle/>
+          <a:p>
+            <a:pPr indent="-228600" defTabSz="914400">
+              <a:lnSpc>
+                <a:spcPct val="90000"/>
+              </a:lnSpc>
+              <a:spcAft>
+                <a:spcPts val="600"/>
+              </a:spcAft>
+              <a:buFont typeface="Arial" panose="020B0604020202020204" pitchFamily="34" charset="0"/>
+              <a:buChar char="•"/>
+            </a:pPr>
+            <a:r>
+              <a:rPr lang="en-US" dirty="0"/>
+              <a:t>ML algorithm to predict type based on inputted stats </a:t>
+            </a:r>
+            <a:endParaRPr lang="en-US"/>
+          </a:p>
+          <a:p>
+            <a:pPr indent="-228600" defTabSz="914400">
+              <a:lnSpc>
+                <a:spcPct val="90000"/>
+              </a:lnSpc>
+              <a:spcAft>
+                <a:spcPts val="600"/>
+              </a:spcAft>
+              <a:buFont typeface="Arial" panose="020B0604020202020204" pitchFamily="34" charset="0"/>
+              <a:buChar char="•"/>
+            </a:pPr>
+            <a:endParaRPr lang="en-US"/>
+          </a:p>
+          <a:p>
+            <a:pPr indent="-228600" defTabSz="914400">
+              <a:lnSpc>
+                <a:spcPct val="90000"/>
+              </a:lnSpc>
+              <a:spcAft>
+                <a:spcPts val="600"/>
+              </a:spcAft>
+              <a:buFont typeface="Arial" panose="020B0604020202020204" pitchFamily="34" charset="0"/>
+              <a:buChar char="•"/>
+            </a:pPr>
+            <a:endParaRPr lang="en-US"/>
+          </a:p>
+          <a:p>
+            <a:pPr indent="-228600" defTabSz="914400">
+              <a:lnSpc>
+                <a:spcPct val="90000"/>
+              </a:lnSpc>
+              <a:spcAft>
+                <a:spcPts val="600"/>
+              </a:spcAft>
+              <a:buFont typeface="Arial" panose="020B0604020202020204" pitchFamily="34" charset="0"/>
+              <a:buChar char="•"/>
+            </a:pPr>
+            <a:endParaRPr lang="en-US"/>
+          </a:p>
+          <a:p>
+            <a:pPr indent="-228600" defTabSz="914400">
+              <a:lnSpc>
+                <a:spcPct val="90000"/>
+              </a:lnSpc>
+              <a:spcAft>
+                <a:spcPts val="600"/>
+              </a:spcAft>
+              <a:buFont typeface="Arial" panose="020B0604020202020204" pitchFamily="34" charset="0"/>
+              <a:buChar char="•"/>
+            </a:pPr>
+            <a:endParaRPr lang="en-US"/>
+          </a:p>
+          <a:p>
+            <a:pPr indent="-228600" defTabSz="914400">
+              <a:lnSpc>
+                <a:spcPct val="90000"/>
+              </a:lnSpc>
+              <a:spcAft>
+                <a:spcPts val="600"/>
+              </a:spcAft>
+              <a:buFont typeface="Arial" panose="020B0604020202020204" pitchFamily="34" charset="0"/>
+              <a:buChar char="•"/>
+            </a:pPr>
+            <a:r>
+              <a:rPr lang="en-US" dirty="0"/>
+              <a:t>Types are not defined by stat thresholds </a:t>
+            </a:r>
+            <a:endParaRPr lang="en-US"/>
+          </a:p>
+          <a:p>
+            <a:pPr indent="-228600" defTabSz="914400">
+              <a:lnSpc>
+                <a:spcPct val="90000"/>
+              </a:lnSpc>
+              <a:spcAft>
+                <a:spcPts val="600"/>
+              </a:spcAft>
+              <a:buFont typeface="Arial" panose="020B0604020202020204" pitchFamily="34" charset="0"/>
+              <a:buChar char="•"/>
+            </a:pPr>
+            <a:endParaRPr lang="en-US"/>
+          </a:p>
+          <a:p>
+            <a:pPr indent="-228600" defTabSz="914400">
+              <a:lnSpc>
+                <a:spcPct val="90000"/>
+              </a:lnSpc>
+              <a:spcAft>
+                <a:spcPts val="600"/>
+              </a:spcAft>
+              <a:buFont typeface="Arial" panose="020B0604020202020204" pitchFamily="34" charset="0"/>
+              <a:buChar char="•"/>
+            </a:pPr>
+            <a:endParaRPr lang="en-US"/>
+          </a:p>
+        </p:txBody>
+      </p:sp>
+      <p:pic>
+        <p:nvPicPr>
+          <p:cNvPr id="7" name="Picture 6">
+            <a:extLst>
+              <a:ext uri="{FF2B5EF4-FFF2-40B4-BE49-F238E27FC236}">
+                <a16:creationId xmlns:a16="http://schemas.microsoft.com/office/drawing/2014/main" id="{4A39D4F0-5749-410A-B90C-C5187A9AAEC6}"/>
+              </a:ext>
+            </a:extLst>
+          </p:cNvPr>
+          <p:cNvPicPr>
+            <a:picLocks noChangeAspect="1"/>
+          </p:cNvPicPr>
+          <p:nvPr/>
+        </p:nvPicPr>
+        <p:blipFill>
+          <a:blip r:embed="rId3"/>
+          <a:stretch>
+            <a:fillRect/>
+          </a:stretch>
+        </p:blipFill>
+        <p:spPr>
+          <a:xfrm>
+            <a:off x="8283501" y="714341"/>
+            <a:ext cx="2778946" cy="1945262"/>
+          </a:xfrm>
+          <a:prstGeom prst="rect">
+            <a:avLst/>
+          </a:prstGeom>
+        </p:spPr>
+      </p:pic>
+      <p:pic>
+        <p:nvPicPr>
+          <p:cNvPr id="4" name="Content Placeholder 3">
+            <a:extLst>
+              <a:ext uri="{FF2B5EF4-FFF2-40B4-BE49-F238E27FC236}">
+                <a16:creationId xmlns:a16="http://schemas.microsoft.com/office/drawing/2014/main" id="{9496508E-25B9-4865-9997-A9E028D4A19D}"/>
+              </a:ext>
+            </a:extLst>
+          </p:cNvPr>
+          <p:cNvPicPr>
+            <a:picLocks noGrp="1" noChangeAspect="1"/>
+          </p:cNvPicPr>
+          <p:nvPr>
+            <p:ph idx="1"/>
+          </p:nvPr>
+        </p:nvPicPr>
+        <p:blipFill>
+          <a:blip r:embed="rId4"/>
+          <a:stretch>
+            <a:fillRect/>
+          </a:stretch>
+        </p:blipFill>
+        <p:spPr>
+          <a:xfrm>
+            <a:off x="7568502" y="2918012"/>
+            <a:ext cx="4016408" cy="1652319"/>
+          </a:xfrm>
+          <a:prstGeom prst="rect">
+            <a:avLst/>
+          </a:prstGeom>
+        </p:spPr>
+      </p:pic>
+      <p:pic>
+        <p:nvPicPr>
+          <p:cNvPr id="8" name="Picture 7">
+            <a:extLst>
+              <a:ext uri="{FF2B5EF4-FFF2-40B4-BE49-F238E27FC236}">
+                <a16:creationId xmlns:a16="http://schemas.microsoft.com/office/drawing/2014/main" id="{806775FE-01CF-4D8D-8A27-1C05571D8D36}"/>
+              </a:ext>
+            </a:extLst>
+          </p:cNvPr>
+          <p:cNvPicPr>
+            <a:picLocks noChangeAspect="1"/>
+          </p:cNvPicPr>
+          <p:nvPr/>
+        </p:nvPicPr>
+        <p:blipFill>
+          <a:blip r:embed="rId5"/>
+          <a:stretch>
+            <a:fillRect/>
+          </a:stretch>
+        </p:blipFill>
+        <p:spPr>
+          <a:xfrm>
+            <a:off x="6650177" y="4741535"/>
+            <a:ext cx="5257462" cy="1945261"/>
+          </a:xfrm>
+          <a:prstGeom prst="rect">
+            <a:avLst/>
+          </a:prstGeom>
+        </p:spPr>
+      </p:pic>
+    </p:spTree>
+    <p:extLst>
+      <p:ext uri="{BB962C8B-B14F-4D97-AF65-F5344CB8AC3E}">
+        <p14:creationId xmlns:p14="http://schemas.microsoft.com/office/powerpoint/2010/main" val="2577681972"/>
+      </p:ext>
+    </p:extLst>
+  </p:cSld>
+  <p:clrMapOvr>
+    <a:masterClrMapping/>
+  </p:clrMapOvr>
 </p:sld>
 </file>
 
@@ -9139,12 +9272,57 @@
           </a:prstGeom>
         </p:spPr>
       </p:pic>
+      <p:sp>
+        <p:nvSpPr>
+          <p:cNvPr id="5" name="AutoShape 2">
+            <a:extLst>
+              <a:ext uri="{FF2B5EF4-FFF2-40B4-BE49-F238E27FC236}">
+                <a16:creationId xmlns:a16="http://schemas.microsoft.com/office/drawing/2014/main" id="{B9ECE84C-DBED-4331-8A04-ED31673FDED6}"/>
+              </a:ext>
+            </a:extLst>
+          </p:cNvPr>
+          <p:cNvSpPr>
+            <a:spLocks noChangeAspect="1" noChangeArrowheads="1"/>
+          </p:cNvSpPr>
+          <p:nvPr/>
+        </p:nvSpPr>
+        <p:spPr bwMode="auto">
+          <a:xfrm>
+            <a:off x="5943600" y="3276600"/>
+            <a:ext cx="304800" cy="304800"/>
+          </a:xfrm>
+          <a:prstGeom prst="rect">
+            <a:avLst/>
+          </a:prstGeom>
+          <a:noFill/>
+          <a:extLst>
+            <a:ext uri="{909E8E84-426E-40DD-AFC4-6F175D3DCCD1}">
+              <a14:hiddenFill xmlns:a14="http://schemas.microsoft.com/office/drawing/2010/main">
+                <a:solidFill>
+                  <a:srgbClr val="FFFFFF"/>
+                </a:solidFill>
+              </a14:hiddenFill>
+            </a:ext>
+          </a:extLst>
+        </p:spPr>
+        <p:txBody>
+          <a:bodyPr vert="horz" wrap="square" lIns="91440" tIns="45720" rIns="91440" bIns="45720" numCol="1" anchor="t" anchorCtr="0" compatLnSpc="1">
+            <a:prstTxWarp prst="textNoShape">
+              <a:avLst/>
+            </a:prstTxWarp>
+          </a:bodyPr>
+          <a:lstStyle/>
+          <a:p>
+            <a:endParaRPr lang="en-US"/>
+          </a:p>
+        </p:txBody>
+      </p:sp>
       <p:pic>
         <p:nvPicPr>
-          <p:cNvPr id="6" name="Picture 5" descr="A picture containing text&#10;&#10;Description automatically generated">
+          <p:cNvPr id="7" name="Picture 6">
             <a:extLst>
               <a:ext uri="{FF2B5EF4-FFF2-40B4-BE49-F238E27FC236}">
-                <a16:creationId xmlns:a16="http://schemas.microsoft.com/office/drawing/2014/main" id="{6DD5EFF5-8A56-4C40-AACF-85673F1289F3}"/>
+                <a16:creationId xmlns:a16="http://schemas.microsoft.com/office/drawing/2014/main" id="{F1444BFA-8C75-4BD8-91FD-5230443E3CC2}"/>
               </a:ext>
             </a:extLst>
           </p:cNvPr>
@@ -9154,21 +9332,15 @@
           <p:nvPr/>
         </p:nvPicPr>
         <p:blipFill>
-          <a:blip r:embed="rId4">
-            <a:extLst>
-              <a:ext uri="{28A0092B-C50C-407E-A947-70E740481C1C}">
-                <a14:useLocalDpi xmlns:a14="http://schemas.microsoft.com/office/drawing/2010/main" val="0"/>
-              </a:ext>
-            </a:extLst>
-          </a:blip>
+          <a:blip r:embed="rId4"/>
           <a:stretch>
             <a:fillRect/>
           </a:stretch>
         </p:blipFill>
         <p:spPr>
           <a:xfrm>
-            <a:off x="7974315" y="1974151"/>
-            <a:ext cx="3598997" cy="3163488"/>
+            <a:off x="5667935" y="2330796"/>
+            <a:ext cx="6205818" cy="3219611"/>
           </a:xfrm>
           <a:prstGeom prst="rect">
             <a:avLst/>
@@ -9178,7 +9350,7 @@
     </p:spTree>
     <p:extLst>
       <p:ext uri="{BB962C8B-B14F-4D97-AF65-F5344CB8AC3E}">
-        <p14:creationId xmlns:p14="http://schemas.microsoft.com/office/powerpoint/2010/main" val="3874451766"/>
+        <p14:creationId xmlns:p14="http://schemas.microsoft.com/office/powerpoint/2010/main" val="3567782682"/>
       </p:ext>
     </p:extLst>
   </p:cSld>

--- a/Final Presentation.pptx
+++ b/Final Presentation.pptx
@@ -9,13 +9,16 @@
     <p:sldId id="277" r:id="rId3"/>
     <p:sldId id="268" r:id="rId4"/>
     <p:sldId id="269" r:id="rId5"/>
-    <p:sldId id="276" r:id="rId6"/>
-    <p:sldId id="275" r:id="rId7"/>
-    <p:sldId id="267" r:id="rId8"/>
-    <p:sldId id="274" r:id="rId9"/>
-    <p:sldId id="273" r:id="rId10"/>
-    <p:sldId id="266" r:id="rId11"/>
-    <p:sldId id="272" r:id="rId12"/>
+    <p:sldId id="283" r:id="rId6"/>
+    <p:sldId id="282" r:id="rId7"/>
+    <p:sldId id="281" r:id="rId8"/>
+    <p:sldId id="280" r:id="rId9"/>
+    <p:sldId id="279" r:id="rId10"/>
+    <p:sldId id="284" r:id="rId11"/>
+    <p:sldId id="285" r:id="rId12"/>
+    <p:sldId id="286" r:id="rId13"/>
+    <p:sldId id="266" r:id="rId14"/>
+    <p:sldId id="272" r:id="rId15"/>
   </p:sldIdLst>
   <p:sldSz cx="12192000" cy="6858000"/>
   <p:notesSz cx="6858000" cy="9144000"/>
@@ -126,6 +129,7 @@
 <p1510:revInfo xmlns:a="http://schemas.openxmlformats.org/drawingml/2006/main" xmlns:r="http://schemas.openxmlformats.org/officeDocument/2006/relationships" xmlns:p1510="http://schemas.microsoft.com/office/powerpoint/2015/10/main">
   <p1510:revLst>
     <p1510:client id="{033E3976-089A-4928-A635-8C492144EEA1}" v="21" dt="2021-06-28T23:34:53.185"/>
+    <p1510:client id="{BEBC20AA-7AD3-4761-AB73-7A16737E7810}" v="3" dt="2021-06-29T16:47:49.392"/>
   </p1510:revLst>
 </p1510:revInfo>
 </file>
@@ -1747,6 +1751,621 @@
             <pc:docMk/>
             <pc:sldMk cId="1829544758" sldId="269"/>
             <ac:picMk id="7" creationId="{F9703591-E81D-4337-BBA5-2541C7EB49C3}"/>
+          </ac:picMkLst>
+        </pc:picChg>
+      </pc:sldChg>
+    </pc:docChg>
+  </pc:docChgLst>
+  <pc:docChgLst>
+    <pc:chgData name="Ian Arch" userId="27dc412b4527548d" providerId="LiveId" clId="{BEBC20AA-7AD3-4761-AB73-7A16737E7810}"/>
+    <pc:docChg chg="undo custSel addSld delSld modSld">
+      <pc:chgData name="Ian Arch" userId="27dc412b4527548d" providerId="LiveId" clId="{BEBC20AA-7AD3-4761-AB73-7A16737E7810}" dt="2021-06-29T16:52:36.239" v="5867" actId="20577"/>
+      <pc:docMkLst>
+        <pc:docMk/>
+      </pc:docMkLst>
+      <pc:sldChg chg="modSp mod">
+        <pc:chgData name="Ian Arch" userId="27dc412b4527548d" providerId="LiveId" clId="{BEBC20AA-7AD3-4761-AB73-7A16737E7810}" dt="2021-06-28T23:40:33.879" v="0" actId="732"/>
+        <pc:sldMkLst>
+          <pc:docMk/>
+          <pc:sldMk cId="3874451766" sldId="266"/>
+        </pc:sldMkLst>
+        <pc:picChg chg="mod modCrop">
+          <ac:chgData name="Ian Arch" userId="27dc412b4527548d" providerId="LiveId" clId="{BEBC20AA-7AD3-4761-AB73-7A16737E7810}" dt="2021-06-28T23:40:33.879" v="0" actId="732"/>
+          <ac:picMkLst>
+            <pc:docMk/>
+            <pc:sldMk cId="3874451766" sldId="266"/>
+            <ac:picMk id="6" creationId="{6DD5EFF5-8A56-4C40-AACF-85673F1289F3}"/>
+          </ac:picMkLst>
+        </pc:picChg>
+      </pc:sldChg>
+      <pc:sldChg chg="del">
+        <pc:chgData name="Ian Arch" userId="27dc412b4527548d" providerId="LiveId" clId="{BEBC20AA-7AD3-4761-AB73-7A16737E7810}" dt="2021-06-29T15:04:22.058" v="4162" actId="47"/>
+        <pc:sldMkLst>
+          <pc:docMk/>
+          <pc:sldMk cId="3724337303" sldId="267"/>
+        </pc:sldMkLst>
+      </pc:sldChg>
+      <pc:sldChg chg="modSp mod">
+        <pc:chgData name="Ian Arch" userId="27dc412b4527548d" providerId="LiveId" clId="{BEBC20AA-7AD3-4761-AB73-7A16737E7810}" dt="2021-06-29T14:31:15.229" v="2928" actId="20577"/>
+        <pc:sldMkLst>
+          <pc:docMk/>
+          <pc:sldMk cId="3501987123" sldId="268"/>
+        </pc:sldMkLst>
+        <pc:spChg chg="mod">
+          <ac:chgData name="Ian Arch" userId="27dc412b4527548d" providerId="LiveId" clId="{BEBC20AA-7AD3-4761-AB73-7A16737E7810}" dt="2021-06-29T14:31:15.229" v="2928" actId="20577"/>
+          <ac:spMkLst>
+            <pc:docMk/>
+            <pc:sldMk cId="3501987123" sldId="268"/>
+            <ac:spMk id="3" creationId="{4A633B36-B76F-4C0D-B268-838A03F73E15}"/>
+          </ac:spMkLst>
+        </pc:spChg>
+      </pc:sldChg>
+      <pc:sldChg chg="addSp delSp modSp mod">
+        <pc:chgData name="Ian Arch" userId="27dc412b4527548d" providerId="LiveId" clId="{BEBC20AA-7AD3-4761-AB73-7A16737E7810}" dt="2021-06-29T00:07:37.664" v="2158" actId="114"/>
+        <pc:sldMkLst>
+          <pc:docMk/>
+          <pc:sldMk cId="3989237146" sldId="269"/>
+        </pc:sldMkLst>
+        <pc:spChg chg="mod">
+          <ac:chgData name="Ian Arch" userId="27dc412b4527548d" providerId="LiveId" clId="{BEBC20AA-7AD3-4761-AB73-7A16737E7810}" dt="2021-06-29T00:03:20.011" v="2013" actId="20577"/>
+          <ac:spMkLst>
+            <pc:docMk/>
+            <pc:sldMk cId="3989237146" sldId="269"/>
+            <ac:spMk id="2" creationId="{E5D37803-93FD-47DD-AEA7-4BE8CCEA35C8}"/>
+          </ac:spMkLst>
+        </pc:spChg>
+        <pc:spChg chg="add del mod">
+          <ac:chgData name="Ian Arch" userId="27dc412b4527548d" providerId="LiveId" clId="{BEBC20AA-7AD3-4761-AB73-7A16737E7810}" dt="2021-06-29T00:07:37.664" v="2158" actId="114"/>
+          <ac:spMkLst>
+            <pc:docMk/>
+            <pc:sldMk cId="3989237146" sldId="269"/>
+            <ac:spMk id="4" creationId="{B492F949-5DE5-46D5-9F7F-2A6F10692F06}"/>
+          </ac:spMkLst>
+        </pc:spChg>
+        <pc:spChg chg="add del mod">
+          <ac:chgData name="Ian Arch" userId="27dc412b4527548d" providerId="LiveId" clId="{BEBC20AA-7AD3-4761-AB73-7A16737E7810}" dt="2021-06-29T00:03:49.672" v="2023" actId="478"/>
+          <ac:spMkLst>
+            <pc:docMk/>
+            <pc:sldMk cId="3989237146" sldId="269"/>
+            <ac:spMk id="6" creationId="{13F37D6B-EDFB-4EB3-B8AB-F2E3A4485199}"/>
+          </ac:spMkLst>
+        </pc:spChg>
+        <pc:spChg chg="add mod">
+          <ac:chgData name="Ian Arch" userId="27dc412b4527548d" providerId="LiveId" clId="{BEBC20AA-7AD3-4761-AB73-7A16737E7810}" dt="2021-06-29T00:07:25.613" v="2156" actId="1076"/>
+          <ac:spMkLst>
+            <pc:docMk/>
+            <pc:sldMk cId="3989237146" sldId="269"/>
+            <ac:spMk id="13" creationId="{CEA3D70D-71DF-497E-9A21-BBC1043BE39E}"/>
+          </ac:spMkLst>
+        </pc:spChg>
+        <pc:picChg chg="del mod">
+          <ac:chgData name="Ian Arch" userId="27dc412b4527548d" providerId="LiveId" clId="{BEBC20AA-7AD3-4761-AB73-7A16737E7810}" dt="2021-06-29T00:03:45.956" v="2021" actId="478"/>
+          <ac:picMkLst>
+            <pc:docMk/>
+            <pc:sldMk cId="3989237146" sldId="269"/>
+            <ac:picMk id="5" creationId="{EB8CF882-6C56-4D12-B8A3-9A63C7862175}"/>
+          </ac:picMkLst>
+        </pc:picChg>
+        <pc:picChg chg="add mod">
+          <ac:chgData name="Ian Arch" userId="27dc412b4527548d" providerId="LiveId" clId="{BEBC20AA-7AD3-4761-AB73-7A16737E7810}" dt="2021-06-29T00:07:33.400" v="2157" actId="14100"/>
+          <ac:picMkLst>
+            <pc:docMk/>
+            <pc:sldMk cId="3989237146" sldId="269"/>
+            <ac:picMk id="8" creationId="{F59E54E5-FFF0-4CAE-A2DF-15A3997FF6E3}"/>
+          </ac:picMkLst>
+        </pc:picChg>
+        <pc:picChg chg="add mod">
+          <ac:chgData name="Ian Arch" userId="27dc412b4527548d" providerId="LiveId" clId="{BEBC20AA-7AD3-4761-AB73-7A16737E7810}" dt="2021-06-29T00:07:00.385" v="2122" actId="14100"/>
+          <ac:picMkLst>
+            <pc:docMk/>
+            <pc:sldMk cId="3989237146" sldId="269"/>
+            <ac:picMk id="10" creationId="{8517DFEE-2824-4771-A42F-8189AB07E880}"/>
+          </ac:picMkLst>
+        </pc:picChg>
+        <pc:picChg chg="add del">
+          <ac:chgData name="Ian Arch" userId="27dc412b4527548d" providerId="LiveId" clId="{BEBC20AA-7AD3-4761-AB73-7A16737E7810}" dt="2021-06-29T00:07:05.336" v="2124" actId="478"/>
+          <ac:picMkLst>
+            <pc:docMk/>
+            <pc:sldMk cId="3989237146" sldId="269"/>
+            <ac:picMk id="12" creationId="{3CD7F45F-6C50-4075-8791-4D0B9BDE6B76}"/>
+          </ac:picMkLst>
+        </pc:picChg>
+      </pc:sldChg>
+      <pc:sldChg chg="del">
+        <pc:chgData name="Ian Arch" userId="27dc412b4527548d" providerId="LiveId" clId="{BEBC20AA-7AD3-4761-AB73-7A16737E7810}" dt="2021-06-29T16:48:27.140" v="5730" actId="47"/>
+        <pc:sldMkLst>
+          <pc:docMk/>
+          <pc:sldMk cId="3567782682" sldId="273"/>
+        </pc:sldMkLst>
+      </pc:sldChg>
+      <pc:sldChg chg="addSp delSp modSp del mod">
+        <pc:chgData name="Ian Arch" userId="27dc412b4527548d" providerId="LiveId" clId="{BEBC20AA-7AD3-4761-AB73-7A16737E7810}" dt="2021-06-29T16:48:15.942" v="5729" actId="47"/>
+        <pc:sldMkLst>
+          <pc:docMk/>
+          <pc:sldMk cId="2577681972" sldId="274"/>
+        </pc:sldMkLst>
+        <pc:spChg chg="add mod">
+          <ac:chgData name="Ian Arch" userId="27dc412b4527548d" providerId="LiveId" clId="{BEBC20AA-7AD3-4761-AB73-7A16737E7810}" dt="2021-06-29T16:47:47.447" v="5720" actId="21"/>
+          <ac:spMkLst>
+            <pc:docMk/>
+            <pc:sldMk cId="2577681972" sldId="274"/>
+            <ac:spMk id="6" creationId="{A90748C9-C2C2-4A1F-A5D3-14EB74FE19AB}"/>
+          </ac:spMkLst>
+        </pc:spChg>
+        <pc:picChg chg="del">
+          <ac:chgData name="Ian Arch" userId="27dc412b4527548d" providerId="LiveId" clId="{BEBC20AA-7AD3-4761-AB73-7A16737E7810}" dt="2021-06-29T16:47:47.447" v="5720" actId="21"/>
+          <ac:picMkLst>
+            <pc:docMk/>
+            <pc:sldMk cId="2577681972" sldId="274"/>
+            <ac:picMk id="4" creationId="{9496508E-25B9-4865-9997-A9E028D4A19D}"/>
+          </ac:picMkLst>
+        </pc:picChg>
+        <pc:picChg chg="del">
+          <ac:chgData name="Ian Arch" userId="27dc412b4527548d" providerId="LiveId" clId="{BEBC20AA-7AD3-4761-AB73-7A16737E7810}" dt="2021-06-29T16:47:47.447" v="5720" actId="21"/>
+          <ac:picMkLst>
+            <pc:docMk/>
+            <pc:sldMk cId="2577681972" sldId="274"/>
+            <ac:picMk id="7" creationId="{4A39D4F0-5749-410A-B90C-C5187A9AAEC6}"/>
+          </ac:picMkLst>
+        </pc:picChg>
+        <pc:picChg chg="del">
+          <ac:chgData name="Ian Arch" userId="27dc412b4527548d" providerId="LiveId" clId="{BEBC20AA-7AD3-4761-AB73-7A16737E7810}" dt="2021-06-29T16:47:47.447" v="5720" actId="21"/>
+          <ac:picMkLst>
+            <pc:docMk/>
+            <pc:sldMk cId="2577681972" sldId="274"/>
+            <ac:picMk id="8" creationId="{806775FE-01CF-4D8D-8A27-1C05571D8D36}"/>
+          </ac:picMkLst>
+        </pc:picChg>
+      </pc:sldChg>
+      <pc:sldChg chg="del">
+        <pc:chgData name="Ian Arch" userId="27dc412b4527548d" providerId="LiveId" clId="{BEBC20AA-7AD3-4761-AB73-7A16737E7810}" dt="2021-06-29T14:29:48.989" v="2824" actId="47"/>
+        <pc:sldMkLst>
+          <pc:docMk/>
+          <pc:sldMk cId="2238180185" sldId="275"/>
+        </pc:sldMkLst>
+      </pc:sldChg>
+      <pc:sldChg chg="del">
+        <pc:chgData name="Ian Arch" userId="27dc412b4527548d" providerId="LiveId" clId="{BEBC20AA-7AD3-4761-AB73-7A16737E7810}" dt="2021-06-29T15:04:23.710" v="4163" actId="47"/>
+        <pc:sldMkLst>
+          <pc:docMk/>
+          <pc:sldMk cId="1960748603" sldId="276"/>
+        </pc:sldMkLst>
+      </pc:sldChg>
+      <pc:sldChg chg="modSp mod">
+        <pc:chgData name="Ian Arch" userId="27dc412b4527548d" providerId="LiveId" clId="{BEBC20AA-7AD3-4761-AB73-7A16737E7810}" dt="2021-06-29T16:45:57.920" v="5589" actId="20577"/>
+        <pc:sldMkLst>
+          <pc:docMk/>
+          <pc:sldMk cId="1867787595" sldId="277"/>
+        </pc:sldMkLst>
+        <pc:spChg chg="mod">
+          <ac:chgData name="Ian Arch" userId="27dc412b4527548d" providerId="LiveId" clId="{BEBC20AA-7AD3-4761-AB73-7A16737E7810}" dt="2021-06-29T16:45:57.920" v="5589" actId="20577"/>
+          <ac:spMkLst>
+            <pc:docMk/>
+            <pc:sldMk cId="1867787595" sldId="277"/>
+            <ac:spMk id="3" creationId="{FBF262D7-496E-4219-95C5-BBBA5EBB003E}"/>
+          </ac:spMkLst>
+        </pc:spChg>
+      </pc:sldChg>
+      <pc:sldChg chg="add del">
+        <pc:chgData name="Ian Arch" userId="27dc412b4527548d" providerId="LiveId" clId="{BEBC20AA-7AD3-4761-AB73-7A16737E7810}" dt="2021-06-29T15:53:16.532" v="5540" actId="47"/>
+        <pc:sldMkLst>
+          <pc:docMk/>
+          <pc:sldMk cId="3403161706" sldId="278"/>
+        </pc:sldMkLst>
+      </pc:sldChg>
+      <pc:sldChg chg="addSp delSp modSp add mod">
+        <pc:chgData name="Ian Arch" userId="27dc412b4527548d" providerId="LiveId" clId="{BEBC20AA-7AD3-4761-AB73-7A16737E7810}" dt="2021-06-29T16:50:35.031" v="5761" actId="403"/>
+        <pc:sldMkLst>
+          <pc:docMk/>
+          <pc:sldMk cId="3964566378" sldId="279"/>
+        </pc:sldMkLst>
+        <pc:spChg chg="mod">
+          <ac:chgData name="Ian Arch" userId="27dc412b4527548d" providerId="LiveId" clId="{BEBC20AA-7AD3-4761-AB73-7A16737E7810}" dt="2021-06-29T15:10:51.150" v="4188" actId="20577"/>
+          <ac:spMkLst>
+            <pc:docMk/>
+            <pc:sldMk cId="3964566378" sldId="279"/>
+            <ac:spMk id="2" creationId="{E5D37803-93FD-47DD-AEA7-4BE8CCEA35C8}"/>
+          </ac:spMkLst>
+        </pc:spChg>
+        <pc:spChg chg="mod">
+          <ac:chgData name="Ian Arch" userId="27dc412b4527548d" providerId="LiveId" clId="{BEBC20AA-7AD3-4761-AB73-7A16737E7810}" dt="2021-06-29T16:50:35.031" v="5761" actId="403"/>
+          <ac:spMkLst>
+            <pc:docMk/>
+            <pc:sldMk cId="3964566378" sldId="279"/>
+            <ac:spMk id="4" creationId="{B492F949-5DE5-46D5-9F7F-2A6F10692F06}"/>
+          </ac:spMkLst>
+        </pc:spChg>
+        <pc:spChg chg="add del mod">
+          <ac:chgData name="Ian Arch" userId="27dc412b4527548d" providerId="LiveId" clId="{BEBC20AA-7AD3-4761-AB73-7A16737E7810}" dt="2021-06-29T15:06:53.474" v="4165" actId="478"/>
+          <ac:spMkLst>
+            <pc:docMk/>
+            <pc:sldMk cId="3964566378" sldId="279"/>
+            <ac:spMk id="6" creationId="{07AADC4E-240C-4C39-88E9-15807E2C48A9}"/>
+          </ac:spMkLst>
+        </pc:spChg>
+        <pc:spChg chg="add mod">
+          <ac:chgData name="Ian Arch" userId="27dc412b4527548d" providerId="LiveId" clId="{BEBC20AA-7AD3-4761-AB73-7A16737E7810}" dt="2021-06-29T15:21:16.723" v="4483" actId="1076"/>
+          <ac:spMkLst>
+            <pc:docMk/>
+            <pc:sldMk cId="3964566378" sldId="279"/>
+            <ac:spMk id="11" creationId="{7E5267BD-C1E3-4583-B96B-62CAA7C38A70}"/>
+          </ac:spMkLst>
+        </pc:spChg>
+        <pc:picChg chg="del">
+          <ac:chgData name="Ian Arch" userId="27dc412b4527548d" providerId="LiveId" clId="{BEBC20AA-7AD3-4761-AB73-7A16737E7810}" dt="2021-06-29T15:06:50.898" v="4164" actId="478"/>
+          <ac:picMkLst>
+            <pc:docMk/>
+            <pc:sldMk cId="3964566378" sldId="279"/>
+            <ac:picMk id="5" creationId="{EB8CF882-6C56-4D12-B8A3-9A63C7862175}"/>
+          </ac:picMkLst>
+        </pc:picChg>
+        <pc:picChg chg="add mod modCrop">
+          <ac:chgData name="Ian Arch" userId="27dc412b4527548d" providerId="LiveId" clId="{BEBC20AA-7AD3-4761-AB73-7A16737E7810}" dt="2021-06-29T15:16:59.234" v="4235" actId="1076"/>
+          <ac:picMkLst>
+            <pc:docMk/>
+            <pc:sldMk cId="3964566378" sldId="279"/>
+            <ac:picMk id="8" creationId="{D56539D9-951F-4EFF-8F0B-6DACB7FE5D17}"/>
+          </ac:picMkLst>
+        </pc:picChg>
+        <pc:picChg chg="add mod modCrop">
+          <ac:chgData name="Ian Arch" userId="27dc412b4527548d" providerId="LiveId" clId="{BEBC20AA-7AD3-4761-AB73-7A16737E7810}" dt="2021-06-29T15:17:01.324" v="4236" actId="1076"/>
+          <ac:picMkLst>
+            <pc:docMk/>
+            <pc:sldMk cId="3964566378" sldId="279"/>
+            <ac:picMk id="10" creationId="{4660BA03-A4D2-4F73-842F-0A68128F032A}"/>
+          </ac:picMkLst>
+        </pc:picChg>
+      </pc:sldChg>
+      <pc:sldChg chg="addSp delSp modSp add mod">
+        <pc:chgData name="Ian Arch" userId="27dc412b4527548d" providerId="LiveId" clId="{BEBC20AA-7AD3-4761-AB73-7A16737E7810}" dt="2021-06-29T16:50:38.653" v="5762" actId="403"/>
+        <pc:sldMkLst>
+          <pc:docMk/>
+          <pc:sldMk cId="3611237575" sldId="280"/>
+        </pc:sldMkLst>
+        <pc:spChg chg="mod">
+          <ac:chgData name="Ian Arch" userId="27dc412b4527548d" providerId="LiveId" clId="{BEBC20AA-7AD3-4761-AB73-7A16737E7810}" dt="2021-06-29T14:37:42.725" v="3498" actId="20577"/>
+          <ac:spMkLst>
+            <pc:docMk/>
+            <pc:sldMk cId="3611237575" sldId="280"/>
+            <ac:spMk id="2" creationId="{E5D37803-93FD-47DD-AEA7-4BE8CCEA35C8}"/>
+          </ac:spMkLst>
+        </pc:spChg>
+        <pc:spChg chg="mod">
+          <ac:chgData name="Ian Arch" userId="27dc412b4527548d" providerId="LiveId" clId="{BEBC20AA-7AD3-4761-AB73-7A16737E7810}" dt="2021-06-29T16:50:38.653" v="5762" actId="403"/>
+          <ac:spMkLst>
+            <pc:docMk/>
+            <pc:sldMk cId="3611237575" sldId="280"/>
+            <ac:spMk id="4" creationId="{B492F949-5DE5-46D5-9F7F-2A6F10692F06}"/>
+          </ac:spMkLst>
+        </pc:spChg>
+        <pc:spChg chg="add del mod">
+          <ac:chgData name="Ian Arch" userId="27dc412b4527548d" providerId="LiveId" clId="{BEBC20AA-7AD3-4761-AB73-7A16737E7810}" dt="2021-06-29T14:44:52.638" v="3500" actId="478"/>
+          <ac:spMkLst>
+            <pc:docMk/>
+            <pc:sldMk cId="3611237575" sldId="280"/>
+            <ac:spMk id="6" creationId="{D06D2341-31F2-4504-BF80-73E4C9893D9E}"/>
+          </ac:spMkLst>
+        </pc:spChg>
+        <pc:picChg chg="del">
+          <ac:chgData name="Ian Arch" userId="27dc412b4527548d" providerId="LiveId" clId="{BEBC20AA-7AD3-4761-AB73-7A16737E7810}" dt="2021-06-29T14:37:44.928" v="3499" actId="478"/>
+          <ac:picMkLst>
+            <pc:docMk/>
+            <pc:sldMk cId="3611237575" sldId="280"/>
+            <ac:picMk id="5" creationId="{EB8CF882-6C56-4D12-B8A3-9A63C7862175}"/>
+          </ac:picMkLst>
+        </pc:picChg>
+        <pc:picChg chg="add mod">
+          <ac:chgData name="Ian Arch" userId="27dc412b4527548d" providerId="LiveId" clId="{BEBC20AA-7AD3-4761-AB73-7A16737E7810}" dt="2021-06-29T15:03:10.273" v="4141" actId="1076"/>
+          <ac:picMkLst>
+            <pc:docMk/>
+            <pc:sldMk cId="3611237575" sldId="280"/>
+            <ac:picMk id="8" creationId="{A0EFA23B-6A1C-4547-BF4E-10DC39B3BAE7}"/>
+          </ac:picMkLst>
+        </pc:picChg>
+        <pc:picChg chg="add mod">
+          <ac:chgData name="Ian Arch" userId="27dc412b4527548d" providerId="LiveId" clId="{BEBC20AA-7AD3-4761-AB73-7A16737E7810}" dt="2021-06-29T15:03:11.335" v="4142" actId="1076"/>
+          <ac:picMkLst>
+            <pc:docMk/>
+            <pc:sldMk cId="3611237575" sldId="280"/>
+            <ac:picMk id="10" creationId="{E0B2D908-7D66-4CE2-A09A-10B1216F5DB1}"/>
+          </ac:picMkLst>
+        </pc:picChg>
+      </pc:sldChg>
+      <pc:sldChg chg="addSp delSp modSp add mod">
+        <pc:chgData name="Ian Arch" userId="27dc412b4527548d" providerId="LiveId" clId="{BEBC20AA-7AD3-4761-AB73-7A16737E7810}" dt="2021-06-29T16:50:06.590" v="5754" actId="403"/>
+        <pc:sldMkLst>
+          <pc:docMk/>
+          <pc:sldMk cId="2683541900" sldId="281"/>
+        </pc:sldMkLst>
+        <pc:spChg chg="mod">
+          <ac:chgData name="Ian Arch" userId="27dc412b4527548d" providerId="LiveId" clId="{BEBC20AA-7AD3-4761-AB73-7A16737E7810}" dt="2021-06-29T14:32:22.200" v="2952" actId="20577"/>
+          <ac:spMkLst>
+            <pc:docMk/>
+            <pc:sldMk cId="2683541900" sldId="281"/>
+            <ac:spMk id="2" creationId="{E5D37803-93FD-47DD-AEA7-4BE8CCEA35C8}"/>
+          </ac:spMkLst>
+        </pc:spChg>
+        <pc:spChg chg="mod">
+          <ac:chgData name="Ian Arch" userId="27dc412b4527548d" providerId="LiveId" clId="{BEBC20AA-7AD3-4761-AB73-7A16737E7810}" dt="2021-06-29T16:50:06.590" v="5754" actId="403"/>
+          <ac:spMkLst>
+            <pc:docMk/>
+            <pc:sldMk cId="2683541900" sldId="281"/>
+            <ac:spMk id="4" creationId="{B492F949-5DE5-46D5-9F7F-2A6F10692F06}"/>
+          </ac:spMkLst>
+        </pc:spChg>
+        <pc:spChg chg="add del mod">
+          <ac:chgData name="Ian Arch" userId="27dc412b4527548d" providerId="LiveId" clId="{BEBC20AA-7AD3-4761-AB73-7A16737E7810}" dt="2021-06-29T14:36:56.168" v="3486" actId="478"/>
+          <ac:spMkLst>
+            <pc:docMk/>
+            <pc:sldMk cId="2683541900" sldId="281"/>
+            <ac:spMk id="6" creationId="{C8D32A61-49F3-495E-A273-CE078284A807}"/>
+          </ac:spMkLst>
+        </pc:spChg>
+        <pc:picChg chg="del">
+          <ac:chgData name="Ian Arch" userId="27dc412b4527548d" providerId="LiveId" clId="{BEBC20AA-7AD3-4761-AB73-7A16737E7810}" dt="2021-06-29T14:36:53.559" v="3485" actId="478"/>
+          <ac:picMkLst>
+            <pc:docMk/>
+            <pc:sldMk cId="2683541900" sldId="281"/>
+            <ac:picMk id="5" creationId="{EB8CF882-6C56-4D12-B8A3-9A63C7862175}"/>
+          </ac:picMkLst>
+        </pc:picChg>
+      </pc:sldChg>
+      <pc:sldChg chg="addSp delSp modSp add mod">
+        <pc:chgData name="Ian Arch" userId="27dc412b4527548d" providerId="LiveId" clId="{BEBC20AA-7AD3-4761-AB73-7A16737E7810}" dt="2021-06-29T16:49:59.028" v="5752" actId="1076"/>
+        <pc:sldMkLst>
+          <pc:docMk/>
+          <pc:sldMk cId="633841904" sldId="282"/>
+        </pc:sldMkLst>
+        <pc:spChg chg="mod">
+          <ac:chgData name="Ian Arch" userId="27dc412b4527548d" providerId="LiveId" clId="{BEBC20AA-7AD3-4761-AB73-7A16737E7810}" dt="2021-06-29T00:11:41.279" v="2329" actId="20577"/>
+          <ac:spMkLst>
+            <pc:docMk/>
+            <pc:sldMk cId="633841904" sldId="282"/>
+            <ac:spMk id="2" creationId="{E5D37803-93FD-47DD-AEA7-4BE8CCEA35C8}"/>
+          </ac:spMkLst>
+        </pc:spChg>
+        <pc:spChg chg="mod">
+          <ac:chgData name="Ian Arch" userId="27dc412b4527548d" providerId="LiveId" clId="{BEBC20AA-7AD3-4761-AB73-7A16737E7810}" dt="2021-06-29T16:49:59.028" v="5752" actId="1076"/>
+          <ac:spMkLst>
+            <pc:docMk/>
+            <pc:sldMk cId="633841904" sldId="282"/>
+            <ac:spMk id="4" creationId="{B492F949-5DE5-46D5-9F7F-2A6F10692F06}"/>
+          </ac:spMkLst>
+        </pc:spChg>
+        <pc:spChg chg="add del mod">
+          <ac:chgData name="Ian Arch" userId="27dc412b4527548d" providerId="LiveId" clId="{BEBC20AA-7AD3-4761-AB73-7A16737E7810}" dt="2021-06-29T00:13:24.117" v="2438" actId="478"/>
+          <ac:spMkLst>
+            <pc:docMk/>
+            <pc:sldMk cId="633841904" sldId="282"/>
+            <ac:spMk id="6" creationId="{A4A847BD-C373-4C58-994F-71539D62D2D9}"/>
+          </ac:spMkLst>
+        </pc:spChg>
+        <pc:picChg chg="del">
+          <ac:chgData name="Ian Arch" userId="27dc412b4527548d" providerId="LiveId" clId="{BEBC20AA-7AD3-4761-AB73-7A16737E7810}" dt="2021-06-29T00:13:20.899" v="2437" actId="478"/>
+          <ac:picMkLst>
+            <pc:docMk/>
+            <pc:sldMk cId="633841904" sldId="282"/>
+            <ac:picMk id="5" creationId="{EB8CF882-6C56-4D12-B8A3-9A63C7862175}"/>
+          </ac:picMkLst>
+        </pc:picChg>
+        <pc:picChg chg="add del mod">
+          <ac:chgData name="Ian Arch" userId="27dc412b4527548d" providerId="LiveId" clId="{BEBC20AA-7AD3-4761-AB73-7A16737E7810}" dt="2021-06-29T00:17:38.788" v="2793" actId="1076"/>
+          <ac:picMkLst>
+            <pc:docMk/>
+            <pc:sldMk cId="633841904" sldId="282"/>
+            <ac:picMk id="8" creationId="{BBE6EAC0-7046-4801-8CF5-EC038D69AD6C}"/>
+          </ac:picMkLst>
+        </pc:picChg>
+        <pc:picChg chg="add mod">
+          <ac:chgData name="Ian Arch" userId="27dc412b4527548d" providerId="LiveId" clId="{BEBC20AA-7AD3-4761-AB73-7A16737E7810}" dt="2021-06-29T00:15:18.938" v="2446" actId="1076"/>
+          <ac:picMkLst>
+            <pc:docMk/>
+            <pc:sldMk cId="633841904" sldId="282"/>
+            <ac:picMk id="10" creationId="{CCD4BA2E-5509-4243-B4EE-80CE2EFD1AEA}"/>
+          </ac:picMkLst>
+        </pc:picChg>
+      </pc:sldChg>
+      <pc:sldChg chg="addSp delSp modSp add mod">
+        <pc:chgData name="Ian Arch" userId="27dc412b4527548d" providerId="LiveId" clId="{BEBC20AA-7AD3-4761-AB73-7A16737E7810}" dt="2021-06-29T16:49:03.196" v="5733" actId="114"/>
+        <pc:sldMkLst>
+          <pc:docMk/>
+          <pc:sldMk cId="31228526" sldId="283"/>
+        </pc:sldMkLst>
+        <pc:spChg chg="mod">
+          <ac:chgData name="Ian Arch" userId="27dc412b4527548d" providerId="LiveId" clId="{BEBC20AA-7AD3-4761-AB73-7A16737E7810}" dt="2021-06-29T00:07:44.909" v="2160" actId="20577"/>
+          <ac:spMkLst>
+            <pc:docMk/>
+            <pc:sldMk cId="31228526" sldId="283"/>
+            <ac:spMk id="2" creationId="{E5D37803-93FD-47DD-AEA7-4BE8CCEA35C8}"/>
+          </ac:spMkLst>
+        </pc:spChg>
+        <pc:spChg chg="mod">
+          <ac:chgData name="Ian Arch" userId="27dc412b4527548d" providerId="LiveId" clId="{BEBC20AA-7AD3-4761-AB73-7A16737E7810}" dt="2021-06-29T16:49:03.196" v="5733" actId="114"/>
+          <ac:spMkLst>
+            <pc:docMk/>
+            <pc:sldMk cId="31228526" sldId="283"/>
+            <ac:spMk id="4" creationId="{B492F949-5DE5-46D5-9F7F-2A6F10692F06}"/>
+          </ac:spMkLst>
+        </pc:spChg>
+        <pc:spChg chg="add del mod">
+          <ac:chgData name="Ian Arch" userId="27dc412b4527548d" providerId="LiveId" clId="{BEBC20AA-7AD3-4761-AB73-7A16737E7810}" dt="2021-06-29T00:07:52.378" v="2164" actId="478"/>
+          <ac:spMkLst>
+            <pc:docMk/>
+            <pc:sldMk cId="31228526" sldId="283"/>
+            <ac:spMk id="6" creationId="{E1A28744-CE41-4D53-8CE4-D936ECBA71F0}"/>
+          </ac:spMkLst>
+        </pc:spChg>
+        <pc:picChg chg="del">
+          <ac:chgData name="Ian Arch" userId="27dc412b4527548d" providerId="LiveId" clId="{BEBC20AA-7AD3-4761-AB73-7A16737E7810}" dt="2021-06-29T00:07:50.927" v="2163" actId="478"/>
+          <ac:picMkLst>
+            <pc:docMk/>
+            <pc:sldMk cId="31228526" sldId="283"/>
+            <ac:picMk id="5" creationId="{EB8CF882-6C56-4D12-B8A3-9A63C7862175}"/>
+          </ac:picMkLst>
+        </pc:picChg>
+        <pc:picChg chg="add del mod">
+          <ac:chgData name="Ian Arch" userId="27dc412b4527548d" providerId="LiveId" clId="{BEBC20AA-7AD3-4761-AB73-7A16737E7810}" dt="2021-06-29T00:12:34.339" v="2358" actId="478"/>
+          <ac:picMkLst>
+            <pc:docMk/>
+            <pc:sldMk cId="31228526" sldId="283"/>
+            <ac:picMk id="8" creationId="{5BCDC66D-A413-4DB8-A24A-99069CA508A6}"/>
+          </ac:picMkLst>
+        </pc:picChg>
+        <pc:picChg chg="add del mod">
+          <ac:chgData name="Ian Arch" userId="27dc412b4527548d" providerId="LiveId" clId="{BEBC20AA-7AD3-4761-AB73-7A16737E7810}" dt="2021-06-29T00:12:33.877" v="2357" actId="478"/>
+          <ac:picMkLst>
+            <pc:docMk/>
+            <pc:sldMk cId="31228526" sldId="283"/>
+            <ac:picMk id="10" creationId="{04D94E6C-3CBC-4061-9428-C2BEEAE4954B}"/>
+          </ac:picMkLst>
+        </pc:picChg>
+      </pc:sldChg>
+      <pc:sldChg chg="addSp delSp modSp add mod">
+        <pc:chgData name="Ian Arch" userId="27dc412b4527548d" providerId="LiveId" clId="{BEBC20AA-7AD3-4761-AB73-7A16737E7810}" dt="2021-06-29T16:51:17.601" v="5766" actId="114"/>
+        <pc:sldMkLst>
+          <pc:docMk/>
+          <pc:sldMk cId="869623332" sldId="284"/>
+        </pc:sldMkLst>
+        <pc:spChg chg="mod">
+          <ac:chgData name="Ian Arch" userId="27dc412b4527548d" providerId="LiveId" clId="{BEBC20AA-7AD3-4761-AB73-7A16737E7810}" dt="2021-06-29T15:24:14.599" v="4623" actId="20577"/>
+          <ac:spMkLst>
+            <pc:docMk/>
+            <pc:sldMk cId="869623332" sldId="284"/>
+            <ac:spMk id="2" creationId="{E5D37803-93FD-47DD-AEA7-4BE8CCEA35C8}"/>
+          </ac:spMkLst>
+        </pc:spChg>
+        <pc:spChg chg="mod">
+          <ac:chgData name="Ian Arch" userId="27dc412b4527548d" providerId="LiveId" clId="{BEBC20AA-7AD3-4761-AB73-7A16737E7810}" dt="2021-06-29T16:51:17.601" v="5766" actId="114"/>
+          <ac:spMkLst>
+            <pc:docMk/>
+            <pc:sldMk cId="869623332" sldId="284"/>
+            <ac:spMk id="4" creationId="{B492F949-5DE5-46D5-9F7F-2A6F10692F06}"/>
+          </ac:spMkLst>
+        </pc:spChg>
+        <pc:spChg chg="del">
+          <ac:chgData name="Ian Arch" userId="27dc412b4527548d" providerId="LiveId" clId="{BEBC20AA-7AD3-4761-AB73-7A16737E7810}" dt="2021-06-29T15:23:50.527" v="4621" actId="478"/>
+          <ac:spMkLst>
+            <pc:docMk/>
+            <pc:sldMk cId="869623332" sldId="284"/>
+            <ac:spMk id="11" creationId="{7E5267BD-C1E3-4583-B96B-62CAA7C38A70}"/>
+          </ac:spMkLst>
+        </pc:spChg>
+        <pc:picChg chg="add mod">
+          <ac:chgData name="Ian Arch" userId="27dc412b4527548d" providerId="LiveId" clId="{BEBC20AA-7AD3-4761-AB73-7A16737E7810}" dt="2021-06-29T15:26:27.491" v="4720" actId="1076"/>
+          <ac:picMkLst>
+            <pc:docMk/>
+            <pc:sldMk cId="869623332" sldId="284"/>
+            <ac:picMk id="5" creationId="{16536BE1-1012-47AC-BFD5-0155B210FD18}"/>
+          </ac:picMkLst>
+        </pc:picChg>
+        <pc:picChg chg="del">
+          <ac:chgData name="Ian Arch" userId="27dc412b4527548d" providerId="LiveId" clId="{BEBC20AA-7AD3-4761-AB73-7A16737E7810}" dt="2021-06-29T15:23:48.804" v="4619" actId="478"/>
+          <ac:picMkLst>
+            <pc:docMk/>
+            <pc:sldMk cId="869623332" sldId="284"/>
+            <ac:picMk id="8" creationId="{D56539D9-951F-4EFF-8F0B-6DACB7FE5D17}"/>
+          </ac:picMkLst>
+        </pc:picChg>
+        <pc:picChg chg="del">
+          <ac:chgData name="Ian Arch" userId="27dc412b4527548d" providerId="LiveId" clId="{BEBC20AA-7AD3-4761-AB73-7A16737E7810}" dt="2021-06-29T15:23:49.107" v="4620" actId="478"/>
+          <ac:picMkLst>
+            <pc:docMk/>
+            <pc:sldMk cId="869623332" sldId="284"/>
+            <ac:picMk id="10" creationId="{4660BA03-A4D2-4F73-842F-0A68128F032A}"/>
+          </ac:picMkLst>
+        </pc:picChg>
+      </pc:sldChg>
+      <pc:sldChg chg="addSp delSp modSp add mod">
+        <pc:chgData name="Ian Arch" userId="27dc412b4527548d" providerId="LiveId" clId="{BEBC20AA-7AD3-4761-AB73-7A16737E7810}" dt="2021-06-29T16:51:30.610" v="5770" actId="114"/>
+        <pc:sldMkLst>
+          <pc:docMk/>
+          <pc:sldMk cId="4247369478" sldId="285"/>
+        </pc:sldMkLst>
+        <pc:spChg chg="mod">
+          <ac:chgData name="Ian Arch" userId="27dc412b4527548d" providerId="LiveId" clId="{BEBC20AA-7AD3-4761-AB73-7A16737E7810}" dt="2021-06-29T15:37:37.170" v="5109" actId="20577"/>
+          <ac:spMkLst>
+            <pc:docMk/>
+            <pc:sldMk cId="4247369478" sldId="285"/>
+            <ac:spMk id="2" creationId="{E5D37803-93FD-47DD-AEA7-4BE8CCEA35C8}"/>
+          </ac:spMkLst>
+        </pc:spChg>
+        <pc:spChg chg="mod">
+          <ac:chgData name="Ian Arch" userId="27dc412b4527548d" providerId="LiveId" clId="{BEBC20AA-7AD3-4761-AB73-7A16737E7810}" dt="2021-06-29T16:51:30.610" v="5770" actId="114"/>
+          <ac:spMkLst>
+            <pc:docMk/>
+            <pc:sldMk cId="4247369478" sldId="285"/>
+            <ac:spMk id="4" creationId="{B492F949-5DE5-46D5-9F7F-2A6F10692F06}"/>
+          </ac:spMkLst>
+        </pc:spChg>
+        <pc:picChg chg="del">
+          <ac:chgData name="Ian Arch" userId="27dc412b4527548d" providerId="LiveId" clId="{BEBC20AA-7AD3-4761-AB73-7A16737E7810}" dt="2021-06-29T15:38:09.301" v="5212" actId="478"/>
+          <ac:picMkLst>
+            <pc:docMk/>
+            <pc:sldMk cId="4247369478" sldId="285"/>
+            <ac:picMk id="5" creationId="{16536BE1-1012-47AC-BFD5-0155B210FD18}"/>
+          </ac:picMkLst>
+        </pc:picChg>
+        <pc:picChg chg="add mod">
+          <ac:chgData name="Ian Arch" userId="27dc412b4527548d" providerId="LiveId" clId="{BEBC20AA-7AD3-4761-AB73-7A16737E7810}" dt="2021-06-29T15:42:23.886" v="5539" actId="1076"/>
+          <ac:picMkLst>
+            <pc:docMk/>
+            <pc:sldMk cId="4247369478" sldId="285"/>
+            <ac:picMk id="6" creationId="{B6458F1B-F803-4BEE-8059-0FBBD32070A1}"/>
+          </ac:picMkLst>
+        </pc:picChg>
+      </pc:sldChg>
+      <pc:sldChg chg="addSp delSp modSp add mod">
+        <pc:chgData name="Ian Arch" userId="27dc412b4527548d" providerId="LiveId" clId="{BEBC20AA-7AD3-4761-AB73-7A16737E7810}" dt="2021-06-29T16:52:36.239" v="5867" actId="20577"/>
+        <pc:sldMkLst>
+          <pc:docMk/>
+          <pc:sldMk cId="4268751761" sldId="286"/>
+        </pc:sldMkLst>
+        <pc:spChg chg="mod">
+          <ac:chgData name="Ian Arch" userId="27dc412b4527548d" providerId="LiveId" clId="{BEBC20AA-7AD3-4761-AB73-7A16737E7810}" dt="2021-06-29T15:59:28.954" v="5557" actId="20577"/>
+          <ac:spMkLst>
+            <pc:docMk/>
+            <pc:sldMk cId="4268751761" sldId="286"/>
+            <ac:spMk id="2" creationId="{E5D37803-93FD-47DD-AEA7-4BE8CCEA35C8}"/>
+          </ac:spMkLst>
+        </pc:spChg>
+        <pc:spChg chg="mod">
+          <ac:chgData name="Ian Arch" userId="27dc412b4527548d" providerId="LiveId" clId="{BEBC20AA-7AD3-4761-AB73-7A16737E7810}" dt="2021-06-29T16:52:36.239" v="5867" actId="20577"/>
+          <ac:spMkLst>
+            <pc:docMk/>
+            <pc:sldMk cId="4268751761" sldId="286"/>
+            <ac:spMk id="4" creationId="{B492F949-5DE5-46D5-9F7F-2A6F10692F06}"/>
+          </ac:spMkLst>
+        </pc:spChg>
+        <pc:picChg chg="add mod">
+          <ac:chgData name="Ian Arch" userId="27dc412b4527548d" providerId="LiveId" clId="{BEBC20AA-7AD3-4761-AB73-7A16737E7810}" dt="2021-06-29T16:48:00.833" v="5726" actId="1076"/>
+          <ac:picMkLst>
+            <pc:docMk/>
+            <pc:sldMk cId="4268751761" sldId="286"/>
+            <ac:picMk id="5" creationId="{A0B08170-E467-493A-B205-6E5BC50A5AEC}"/>
+          </ac:picMkLst>
+        </pc:picChg>
+        <pc:picChg chg="del">
+          <ac:chgData name="Ian Arch" userId="27dc412b4527548d" providerId="LiveId" clId="{BEBC20AA-7AD3-4761-AB73-7A16737E7810}" dt="2021-06-29T15:59:36.771" v="5558" actId="478"/>
+          <ac:picMkLst>
+            <pc:docMk/>
+            <pc:sldMk cId="4268751761" sldId="286"/>
+            <ac:picMk id="6" creationId="{B6458F1B-F803-4BEE-8059-0FBBD32070A1}"/>
+          </ac:picMkLst>
+        </pc:picChg>
+        <pc:picChg chg="add mod">
+          <ac:chgData name="Ian Arch" userId="27dc412b4527548d" providerId="LiveId" clId="{BEBC20AA-7AD3-4761-AB73-7A16737E7810}" dt="2021-06-29T16:48:04.563" v="5727" actId="1076"/>
+          <ac:picMkLst>
+            <pc:docMk/>
+            <pc:sldMk cId="4268751761" sldId="286"/>
+            <ac:picMk id="7" creationId="{DDFFDAEC-7EE3-4AEE-9E36-193CF1B5459C}"/>
+          </ac:picMkLst>
+        </pc:picChg>
+        <pc:picChg chg="add mod">
+          <ac:chgData name="Ian Arch" userId="27dc412b4527548d" providerId="LiveId" clId="{BEBC20AA-7AD3-4761-AB73-7A16737E7810}" dt="2021-06-29T16:47:56.541" v="5724" actId="1076"/>
+          <ac:picMkLst>
+            <pc:docMk/>
+            <pc:sldMk cId="4268751761" sldId="286"/>
+            <ac:picMk id="8" creationId="{BD5F019C-6E5A-46C7-B19B-6093CB9124B8}"/>
           </ac:picMkLst>
         </pc:picChg>
       </pc:sldChg>
@@ -7583,12 +8202,156 @@
           <a:chExt cx="0" cy="0"/>
         </a:xfrm>
       </p:grpSpPr>
+      <p:sp>
+        <p:nvSpPr>
+          <p:cNvPr id="2" name="Title 1">
+            <a:extLst>
+              <a:ext uri="{FF2B5EF4-FFF2-40B4-BE49-F238E27FC236}">
+                <a16:creationId xmlns:a16="http://schemas.microsoft.com/office/drawing/2014/main" id="{E5D37803-93FD-47DD-AEA7-4BE8CCEA35C8}"/>
+              </a:ext>
+            </a:extLst>
+          </p:cNvPr>
+          <p:cNvSpPr>
+            <a:spLocks noGrp="1"/>
+          </p:cNvSpPr>
+          <p:nvPr>
+            <p:ph type="title"/>
+          </p:nvPr>
+        </p:nvSpPr>
+        <p:spPr/>
+        <p:txBody>
+          <a:bodyPr/>
+          <a:lstStyle/>
+          <a:p>
+            <a:r>
+              <a:rPr lang="en-US" dirty="0"/>
+              <a:t>Machine Learning</a:t>
+            </a:r>
+            <a:br>
+              <a:rPr lang="en-US" dirty="0"/>
+            </a:br>
+            <a:r>
+              <a:rPr lang="en-US" dirty="0" err="1"/>
+              <a:t>PokeBattles</a:t>
+            </a:r>
+            <a:r>
+              <a:rPr lang="en-US" dirty="0"/>
+              <a:t>: Phase 4.1 </a:t>
+            </a:r>
+          </a:p>
+        </p:txBody>
+      </p:sp>
+      <p:sp>
+        <p:nvSpPr>
+          <p:cNvPr id="4" name="TextBox 3">
+            <a:extLst>
+              <a:ext uri="{FF2B5EF4-FFF2-40B4-BE49-F238E27FC236}">
+                <a16:creationId xmlns:a16="http://schemas.microsoft.com/office/drawing/2014/main" id="{B492F949-5DE5-46D5-9F7F-2A6F10692F06}"/>
+              </a:ext>
+            </a:extLst>
+          </p:cNvPr>
+          <p:cNvSpPr txBox="1"/>
+          <p:nvPr/>
+        </p:nvSpPr>
+        <p:spPr>
+          <a:xfrm>
+            <a:off x="-363986" y="1832996"/>
+            <a:ext cx="5684569" cy="2893100"/>
+          </a:xfrm>
+          <a:prstGeom prst="rect">
+            <a:avLst/>
+          </a:prstGeom>
+          <a:noFill/>
+        </p:spPr>
+        <p:txBody>
+          <a:bodyPr wrap="none" rtlCol="0">
+            <a:spAutoFit/>
+          </a:bodyPr>
+          <a:lstStyle/>
+          <a:p>
+            <a:pPr lvl="1"/>
+            <a:r>
+              <a:rPr lang="en-US" sz="2000" b="1" dirty="0"/>
+              <a:t>Task: Implement Machine Learning </a:t>
+            </a:r>
+          </a:p>
+          <a:p>
+            <a:pPr lvl="1"/>
+            <a:r>
+              <a:rPr lang="en-US" i="1" dirty="0"/>
+              <a:t>     *Did not complete</a:t>
+            </a:r>
+            <a:br>
+              <a:rPr lang="en-US" dirty="0"/>
+            </a:br>
+            <a:endParaRPr lang="en-US" dirty="0"/>
+          </a:p>
+          <a:p>
+            <a:pPr marL="1200150" lvl="2" indent="-285750">
+              <a:buFont typeface="Arial" panose="020B0604020202020204" pitchFamily="34" charset="0"/>
+              <a:buChar char="•"/>
+            </a:pPr>
+            <a:r>
+              <a:rPr lang="en-US" dirty="0"/>
+              <a:t>Create new Flask route for battles</a:t>
+            </a:r>
+          </a:p>
+          <a:p>
+            <a:pPr marL="1200150" lvl="2" indent="-285750">
+              <a:buFont typeface="Arial" panose="020B0604020202020204" pitchFamily="34" charset="0"/>
+              <a:buChar char="•"/>
+            </a:pPr>
+            <a:r>
+              <a:rPr lang="en-US" dirty="0"/>
+              <a:t>Insert Machine Learning code</a:t>
+            </a:r>
+            <a:br>
+              <a:rPr lang="en-US" dirty="0"/>
+            </a:br>
+            <a:endParaRPr lang="en-US" dirty="0"/>
+          </a:p>
+          <a:p>
+            <a:pPr marL="1200150" lvl="2" indent="-285750">
+              <a:buFont typeface="Arial" panose="020B0604020202020204" pitchFamily="34" charset="0"/>
+              <a:buChar char="•"/>
+            </a:pPr>
+            <a:r>
+              <a:rPr lang="en-US" dirty="0"/>
+              <a:t>*Needed to create variable for winner</a:t>
+            </a:r>
+          </a:p>
+          <a:p>
+            <a:pPr marL="1200150" lvl="2" indent="-285750">
+              <a:buFont typeface="Arial" panose="020B0604020202020204" pitchFamily="34" charset="0"/>
+              <a:buChar char="•"/>
+            </a:pPr>
+            <a:r>
+              <a:rPr lang="en-US" dirty="0"/>
+              <a:t>*Needed to return as JSON</a:t>
+            </a:r>
+            <a:br>
+              <a:rPr lang="en-US" dirty="0"/>
+            </a:br>
+            <a:endParaRPr lang="en-US" dirty="0"/>
+          </a:p>
+          <a:p>
+            <a:pPr marL="1200150" lvl="2" indent="-285750">
+              <a:buFont typeface="Arial" panose="020B0604020202020204" pitchFamily="34" charset="0"/>
+              <a:buChar char="•"/>
+            </a:pPr>
+            <a:r>
+              <a:rPr lang="en-US" i="1" dirty="0"/>
+              <a:t>Tools: Python, JavaScript, &amp; HTML</a:t>
+            </a:r>
+          </a:p>
+        </p:txBody>
+      </p:sp>
       <p:pic>
         <p:nvPicPr>
-          <p:cNvPr id="17" name="Picture 16" descr="A picture containing vector graphics&#10;&#10;Description automatically generated">
+          <p:cNvPr id="5" name="Picture 4">
             <a:extLst>
               <a:ext uri="{FF2B5EF4-FFF2-40B4-BE49-F238E27FC236}">
-                <a16:creationId xmlns:a16="http://schemas.microsoft.com/office/drawing/2014/main" id="{D543B701-E33F-482C-876D-186407F34FF9}"/>
+                <a16:creationId xmlns:a16="http://schemas.microsoft.com/office/drawing/2014/main" id="{16536BE1-1012-47AC-BFD5-0155B210FD18}"/>
               </a:ext>
             </a:extLst>
           </p:cNvPr>
@@ -7598,33 +8361,57 @@
           <p:nvPr/>
         </p:nvPicPr>
         <p:blipFill>
-          <a:blip r:embed="rId2">
-            <a:extLst>
-              <a:ext uri="{28A0092B-C50C-407E-A947-70E740481C1C}">
-                <a14:useLocalDpi xmlns:a14="http://schemas.microsoft.com/office/drawing/2010/main" val="0"/>
-              </a:ext>
-            </a:extLst>
-          </a:blip>
+          <a:blip r:embed="rId2"/>
           <a:stretch>
             <a:fillRect/>
           </a:stretch>
         </p:blipFill>
         <p:spPr>
           <a:xfrm>
-            <a:off x="827616" y="6466036"/>
-            <a:ext cx="231181" cy="222801"/>
+            <a:off x="5671107" y="2381017"/>
+            <a:ext cx="6253801" cy="4167060"/>
           </a:xfrm>
           <a:prstGeom prst="rect">
             <a:avLst/>
           </a:prstGeom>
         </p:spPr>
       </p:pic>
+    </p:spTree>
+    <p:extLst>
+      <p:ext uri="{BB962C8B-B14F-4D97-AF65-F5344CB8AC3E}">
+        <p14:creationId xmlns:p14="http://schemas.microsoft.com/office/powerpoint/2010/main" val="869623332"/>
+      </p:ext>
+    </p:extLst>
+  </p:cSld>
+  <p:clrMapOvr>
+    <a:masterClrMapping/>
+  </p:clrMapOvr>
+</p:sld>
+</file>
+
+<file path=ppt/slides/slide11.xml><?xml version="1.0" encoding="utf-8"?>
+<p:sld xmlns:a="http://schemas.openxmlformats.org/drawingml/2006/main" xmlns:r="http://schemas.openxmlformats.org/officeDocument/2006/relationships" xmlns:p="http://schemas.openxmlformats.org/presentationml/2006/main">
+  <p:cSld>
+    <p:spTree>
+      <p:nvGrpSpPr>
+        <p:cNvPr id="1" name=""/>
+        <p:cNvGrpSpPr/>
+        <p:nvPr/>
+      </p:nvGrpSpPr>
+      <p:grpSpPr>
+        <a:xfrm>
+          <a:off x="0" y="0"/>
+          <a:ext cx="0" cy="0"/>
+          <a:chOff x="0" y="0"/>
+          <a:chExt cx="0" cy="0"/>
+        </a:xfrm>
+      </p:grpSpPr>
       <p:sp>
         <p:nvSpPr>
           <p:cNvPr id="2" name="Title 1">
             <a:extLst>
               <a:ext uri="{FF2B5EF4-FFF2-40B4-BE49-F238E27FC236}">
-                <a16:creationId xmlns:a16="http://schemas.microsoft.com/office/drawing/2014/main" id="{02A61E0E-092E-481F-8A70-1A1A1EFB372F}"/>
+                <a16:creationId xmlns:a16="http://schemas.microsoft.com/office/drawing/2014/main" id="{E5D37803-93FD-47DD-AEA7-4BE8CCEA35C8}"/>
               </a:ext>
             </a:extLst>
           </p:cNvPr>
@@ -7635,72 +8422,153 @@
             <p:ph type="title"/>
           </p:nvPr>
         </p:nvSpPr>
-        <p:spPr>
-          <a:xfrm>
-            <a:off x="2962712" y="605622"/>
-            <a:ext cx="8610600" cy="1293028"/>
-          </a:xfrm>
-        </p:spPr>
+        <p:spPr/>
         <p:txBody>
           <a:bodyPr/>
           <a:lstStyle/>
           <a:p>
             <a:r>
               <a:rPr lang="en-US" dirty="0"/>
-              <a:t>Lost Battles</a:t>
+              <a:t>Machine Learning</a:t>
             </a:r>
             <a:br>
               <a:rPr lang="en-US" dirty="0"/>
             </a:br>
             <a:r>
+              <a:rPr lang="en-US" dirty="0" err="1"/>
+              <a:t>PokeBattles</a:t>
+            </a:r>
+            <a:r>
               <a:rPr lang="en-US" dirty="0"/>
-              <a:t>Trials &amp; Tribulations</a:t>
-            </a:r>
-          </a:p>
-        </p:txBody>
-      </p:sp>
-      <p:sp>
-        <p:nvSpPr>
-          <p:cNvPr id="3" name="Content Placeholder 2">
+              <a:t>: Phase 4.2 </a:t>
+            </a:r>
+          </a:p>
+        </p:txBody>
+      </p:sp>
+      <p:sp>
+        <p:nvSpPr>
+          <p:cNvPr id="4" name="TextBox 3">
             <a:extLst>
               <a:ext uri="{FF2B5EF4-FFF2-40B4-BE49-F238E27FC236}">
-                <a16:creationId xmlns:a16="http://schemas.microsoft.com/office/drawing/2014/main" id="{8441EDFC-EC21-4D54-9BD6-590B5906B47D}"/>
+                <a16:creationId xmlns:a16="http://schemas.microsoft.com/office/drawing/2014/main" id="{B492F949-5DE5-46D5-9F7F-2A6F10692F06}"/>
               </a:ext>
             </a:extLst>
           </p:cNvPr>
-          <p:cNvSpPr>
-            <a:spLocks noGrp="1"/>
-          </p:cNvSpPr>
-          <p:nvPr>
-            <p:ph idx="1"/>
-          </p:nvPr>
-        </p:nvSpPr>
-        <p:spPr>
-          <a:xfrm>
-            <a:off x="677411" y="1974151"/>
-            <a:ext cx="10549218" cy="3433109"/>
-          </a:xfrm>
-        </p:spPr>
-        <p:txBody>
-          <a:bodyPr/>
+          <p:cNvSpPr txBox="1"/>
+          <p:nvPr/>
+        </p:nvSpPr>
+        <p:spPr>
+          <a:xfrm>
+            <a:off x="-363986" y="1832996"/>
+            <a:ext cx="6459986" cy="2893100"/>
+          </a:xfrm>
+          <a:prstGeom prst="rect">
+            <a:avLst/>
+          </a:prstGeom>
+          <a:noFill/>
+        </p:spPr>
+        <p:txBody>
+          <a:bodyPr wrap="square" rtlCol="0">
+            <a:spAutoFit/>
+          </a:bodyPr>
           <a:lstStyle/>
           <a:p>
-            <a:pPr marL="0" indent="0">
-              <a:buNone/>
+            <a:pPr lvl="1"/>
+            <a:r>
+              <a:rPr lang="en-US" sz="2000" b="1" dirty="0"/>
+              <a:t>Task: Implement Machine Learning </a:t>
+            </a:r>
+          </a:p>
+          <a:p>
+            <a:pPr lvl="1"/>
+            <a:r>
+              <a:rPr lang="en-US" i="1" dirty="0"/>
+              <a:t>     *Did not complete</a:t>
+            </a:r>
+            <a:br>
+              <a:rPr lang="en-US" dirty="0"/>
+            </a:br>
+            <a:endParaRPr lang="en-US" dirty="0"/>
+          </a:p>
+          <a:p>
+            <a:pPr marL="1200150" lvl="2" indent="-285750">
+              <a:buFont typeface="Arial" panose="020B0604020202020204" pitchFamily="34" charset="0"/>
+              <a:buChar char="•"/>
             </a:pPr>
+            <a:r>
+              <a:rPr lang="en-US" dirty="0"/>
+              <a:t>Create “Fight” button to call route for winner</a:t>
+            </a:r>
+          </a:p>
+          <a:p>
+            <a:pPr marL="1200150" lvl="2" indent="-285750">
+              <a:buFont typeface="Arial" panose="020B0604020202020204" pitchFamily="34" charset="0"/>
+              <a:buChar char="•"/>
+            </a:pPr>
+            <a:r>
+              <a:rPr lang="en-US" dirty="0"/>
+              <a:t>Create function to pass selected </a:t>
+            </a:r>
+            <a:r>
+              <a:rPr lang="en-US" dirty="0" err="1"/>
+              <a:t>pokemon</a:t>
+            </a:r>
+            <a:br>
+              <a:rPr lang="en-US" dirty="0"/>
+            </a:br>
             <a:endParaRPr lang="en-US" dirty="0"/>
           </a:p>
           <a:p>
+            <a:pPr marL="1200150" lvl="2" indent="-285750">
+              <a:buFont typeface="Arial" panose="020B0604020202020204" pitchFamily="34" charset="0"/>
+              <a:buChar char="•"/>
+            </a:pPr>
+            <a:r>
+              <a:rPr lang="en-US" dirty="0"/>
+              <a:t>*Needed to return winning </a:t>
+            </a:r>
+            <a:r>
+              <a:rPr lang="en-US" dirty="0" err="1"/>
+              <a:t>pokemon</a:t>
+            </a:r>
             <a:endParaRPr lang="en-US" dirty="0"/>
+          </a:p>
+          <a:p>
+            <a:pPr marL="1200150" lvl="2" indent="-285750">
+              <a:buFont typeface="Arial" panose="020B0604020202020204" pitchFamily="34" charset="0"/>
+              <a:buChar char="•"/>
+            </a:pPr>
+            <a:r>
+              <a:rPr lang="en-US" dirty="0"/>
+              <a:t>*Needed to display winning </a:t>
+            </a:r>
+            <a:r>
+              <a:rPr lang="en-US" dirty="0" err="1"/>
+              <a:t>pokemon</a:t>
+            </a:r>
+            <a:br>
+              <a:rPr lang="en-US" dirty="0"/>
+            </a:br>
+            <a:endParaRPr lang="en-US" dirty="0"/>
+          </a:p>
+          <a:p>
+            <a:pPr marL="1200150" lvl="2" indent="-285750">
+              <a:buFont typeface="Arial" panose="020B0604020202020204" pitchFamily="34" charset="0"/>
+              <a:buChar char="•"/>
+            </a:pPr>
+            <a:r>
+              <a:rPr lang="en-US" i="1" dirty="0"/>
+              <a:t>Tools: Python, JavaScript, &amp; HTML</a:t>
+            </a:r>
           </a:p>
         </p:txBody>
       </p:sp>
       <p:pic>
         <p:nvPicPr>
-          <p:cNvPr id="4" name="Picture 3">
+          <p:cNvPr id="6" name="Picture 5">
             <a:extLst>
               <a:ext uri="{FF2B5EF4-FFF2-40B4-BE49-F238E27FC236}">
-                <a16:creationId xmlns:a16="http://schemas.microsoft.com/office/drawing/2014/main" id="{BBF34D38-0CB1-4318-9A7C-2E4F39EDEF77}"/>
+                <a16:creationId xmlns:a16="http://schemas.microsoft.com/office/drawing/2014/main" id="{B6458F1B-F803-4BEE-8059-0FBBD32070A1}"/>
               </a:ext>
             </a:extLst>
           </p:cNvPr>
@@ -7710,27 +8578,180 @@
           <p:nvPr/>
         </p:nvPicPr>
         <p:blipFill>
-          <a:blip r:embed="rId3"/>
+          <a:blip r:embed="rId2"/>
           <a:stretch>
             <a:fillRect/>
           </a:stretch>
         </p:blipFill>
         <p:spPr>
           <a:xfrm>
-            <a:off x="0" y="5693555"/>
-            <a:ext cx="1104572" cy="1102044"/>
+            <a:off x="5558024" y="4084852"/>
+            <a:ext cx="6486152" cy="2445475"/>
           </a:xfrm>
           <a:prstGeom prst="rect">
             <a:avLst/>
           </a:prstGeom>
         </p:spPr>
       </p:pic>
+    </p:spTree>
+    <p:extLst>
+      <p:ext uri="{BB962C8B-B14F-4D97-AF65-F5344CB8AC3E}">
+        <p14:creationId xmlns:p14="http://schemas.microsoft.com/office/powerpoint/2010/main" val="4247369478"/>
+      </p:ext>
+    </p:extLst>
+  </p:cSld>
+  <p:clrMapOvr>
+    <a:masterClrMapping/>
+  </p:clrMapOvr>
+</p:sld>
+</file>
+
+<file path=ppt/slides/slide12.xml><?xml version="1.0" encoding="utf-8"?>
+<p:sld xmlns:a="http://schemas.openxmlformats.org/drawingml/2006/main" xmlns:r="http://schemas.openxmlformats.org/officeDocument/2006/relationships" xmlns:p="http://schemas.openxmlformats.org/presentationml/2006/main">
+  <p:cSld>
+    <p:spTree>
+      <p:nvGrpSpPr>
+        <p:cNvPr id="1" name=""/>
+        <p:cNvGrpSpPr/>
+        <p:nvPr/>
+      </p:nvGrpSpPr>
+      <p:grpSpPr>
+        <a:xfrm>
+          <a:off x="0" y="0"/>
+          <a:ext cx="0" cy="0"/>
+          <a:chOff x="0" y="0"/>
+          <a:chExt cx="0" cy="0"/>
+        </a:xfrm>
+      </p:grpSpPr>
+      <p:sp>
+        <p:nvSpPr>
+          <p:cNvPr id="2" name="Title 1">
+            <a:extLst>
+              <a:ext uri="{FF2B5EF4-FFF2-40B4-BE49-F238E27FC236}">
+                <a16:creationId xmlns:a16="http://schemas.microsoft.com/office/drawing/2014/main" id="{E5D37803-93FD-47DD-AEA7-4BE8CCEA35C8}"/>
+              </a:ext>
+            </a:extLst>
+          </p:cNvPr>
+          <p:cNvSpPr>
+            <a:spLocks noGrp="1"/>
+          </p:cNvSpPr>
+          <p:nvPr>
+            <p:ph type="title"/>
+          </p:nvPr>
+        </p:nvSpPr>
+        <p:spPr/>
+        <p:txBody>
+          <a:bodyPr/>
+          <a:lstStyle/>
+          <a:p>
+            <a:r>
+              <a:rPr lang="en-US" dirty="0"/>
+              <a:t>Machine Learning</a:t>
+            </a:r>
+            <a:br>
+              <a:rPr lang="en-US" dirty="0"/>
+            </a:br>
+            <a:r>
+              <a:rPr lang="en-US" dirty="0"/>
+              <a:t>Type Predictions</a:t>
+            </a:r>
+          </a:p>
+        </p:txBody>
+      </p:sp>
+      <p:sp>
+        <p:nvSpPr>
+          <p:cNvPr id="4" name="TextBox 3">
+            <a:extLst>
+              <a:ext uri="{FF2B5EF4-FFF2-40B4-BE49-F238E27FC236}">
+                <a16:creationId xmlns:a16="http://schemas.microsoft.com/office/drawing/2014/main" id="{B492F949-5DE5-46D5-9F7F-2A6F10692F06}"/>
+              </a:ext>
+            </a:extLst>
+          </p:cNvPr>
+          <p:cNvSpPr txBox="1"/>
+          <p:nvPr/>
+        </p:nvSpPr>
+        <p:spPr>
+          <a:xfrm>
+            <a:off x="-363987" y="1832996"/>
+            <a:ext cx="9383700" cy="1785104"/>
+          </a:xfrm>
+          <a:prstGeom prst="rect">
+            <a:avLst/>
+          </a:prstGeom>
+          <a:noFill/>
+        </p:spPr>
+        <p:txBody>
+          <a:bodyPr wrap="square" rtlCol="0">
+            <a:spAutoFit/>
+          </a:bodyPr>
+          <a:lstStyle/>
+          <a:p>
+            <a:pPr lvl="1"/>
+            <a:r>
+              <a:rPr lang="en-US" sz="2000" b="1" dirty="0"/>
+              <a:t>Task: Implement Machine Learning </a:t>
+            </a:r>
+            <a:br>
+              <a:rPr lang="en-US" dirty="0"/>
+            </a:br>
+            <a:endParaRPr lang="en-US" dirty="0"/>
+          </a:p>
+          <a:p>
+            <a:pPr marL="1200150" lvl="2" indent="-285750">
+              <a:buFont typeface="Arial" panose="020B0604020202020204" pitchFamily="34" charset="0"/>
+              <a:buChar char="•"/>
+            </a:pPr>
+            <a:r>
+              <a:rPr lang="en-US" dirty="0"/>
+              <a:t>Attempt alternative Machine Learning utilization</a:t>
+            </a:r>
+          </a:p>
+          <a:p>
+            <a:pPr marL="1200150" lvl="2" indent="-285750">
+              <a:buFont typeface="Arial" panose="020B0604020202020204" pitchFamily="34" charset="0"/>
+              <a:buChar char="•"/>
+            </a:pPr>
+            <a:r>
+              <a:rPr lang="en-US" dirty="0"/>
+              <a:t>Use Machine Learning to predict type of </a:t>
+            </a:r>
+            <a:r>
+              <a:rPr lang="en-US" dirty="0" err="1"/>
+              <a:t>Pokemon</a:t>
+            </a:r>
+            <a:r>
+              <a:rPr lang="en-US" dirty="0"/>
+              <a:t> based on stats</a:t>
+            </a:r>
+          </a:p>
+          <a:p>
+            <a:pPr marL="1200150" lvl="2" indent="-285750">
+              <a:buFont typeface="Arial" panose="020B0604020202020204" pitchFamily="34" charset="0"/>
+              <a:buChar char="•"/>
+            </a:pPr>
+            <a:r>
+              <a:rPr lang="en-US" dirty="0"/>
+              <a:t>*Types were not defined by stat threshold</a:t>
+            </a:r>
+          </a:p>
+          <a:p>
+            <a:pPr marL="1200150" lvl="2" indent="-285750">
+              <a:buFont typeface="Arial" panose="020B0604020202020204" pitchFamily="34" charset="0"/>
+              <a:buChar char="•"/>
+            </a:pPr>
+            <a:r>
+              <a:rPr lang="en-US" i="1" dirty="0"/>
+              <a:t>Tools: Python</a:t>
+            </a:r>
+          </a:p>
+        </p:txBody>
+      </p:sp>
       <p:pic>
         <p:nvPicPr>
-          <p:cNvPr id="6" name="Picture 5" descr="A picture containing text&#10;&#10;Description automatically generated">
+          <p:cNvPr id="5" name="Picture 4">
             <a:extLst>
               <a:ext uri="{FF2B5EF4-FFF2-40B4-BE49-F238E27FC236}">
-                <a16:creationId xmlns:a16="http://schemas.microsoft.com/office/drawing/2014/main" id="{6DD5EFF5-8A56-4C40-AACF-85673F1289F3}"/>
+                <a16:creationId xmlns:a16="http://schemas.microsoft.com/office/drawing/2014/main" id="{A0B08170-E467-493A-B205-6E5BC50A5AEC}"/>
               </a:ext>
             </a:extLst>
           </p:cNvPr>
@@ -7740,21 +8761,77 @@
           <p:nvPr/>
         </p:nvPicPr>
         <p:blipFill>
-          <a:blip r:embed="rId4">
-            <a:extLst>
-              <a:ext uri="{28A0092B-C50C-407E-A947-70E740481C1C}">
-                <a14:useLocalDpi xmlns:a14="http://schemas.microsoft.com/office/drawing/2010/main" val="0"/>
-              </a:ext>
-            </a:extLst>
-          </a:blip>
+          <a:blip r:embed="rId2"/>
           <a:stretch>
             <a:fillRect/>
           </a:stretch>
         </p:blipFill>
         <p:spPr>
           <a:xfrm>
-            <a:off x="7974315" y="1974151"/>
-            <a:ext cx="3598997" cy="3163488"/>
+            <a:off x="8727254" y="2126608"/>
+            <a:ext cx="2778946" cy="1945262"/>
+          </a:xfrm>
+          <a:prstGeom prst="rect">
+            <a:avLst/>
+          </a:prstGeom>
+        </p:spPr>
+      </p:pic>
+      <p:pic>
+        <p:nvPicPr>
+          <p:cNvPr id="7" name="Content Placeholder 3">
+            <a:extLst>
+              <a:ext uri="{FF2B5EF4-FFF2-40B4-BE49-F238E27FC236}">
+                <a16:creationId xmlns:a16="http://schemas.microsoft.com/office/drawing/2014/main" id="{DDFFDAEC-7EE3-4AEE-9E36-193CF1B5459C}"/>
+              </a:ext>
+            </a:extLst>
+          </p:cNvPr>
+          <p:cNvPicPr>
+            <a:picLocks noGrp="1" noChangeAspect="1"/>
+          </p:cNvPicPr>
+          <p:nvPr>
+            <p:ph idx="1"/>
+          </p:nvPr>
+        </p:nvPicPr>
+        <p:blipFill>
+          <a:blip r:embed="rId3"/>
+          <a:stretch>
+            <a:fillRect/>
+          </a:stretch>
+        </p:blipFill>
+        <p:spPr>
+          <a:xfrm>
+            <a:off x="7489792" y="4572361"/>
+            <a:ext cx="4016408" cy="1652319"/>
+          </a:xfrm>
+          <a:prstGeom prst="rect">
+            <a:avLst/>
+          </a:prstGeom>
+        </p:spPr>
+      </p:pic>
+      <p:pic>
+        <p:nvPicPr>
+          <p:cNvPr id="8" name="Picture 7">
+            <a:extLst>
+              <a:ext uri="{FF2B5EF4-FFF2-40B4-BE49-F238E27FC236}">
+                <a16:creationId xmlns:a16="http://schemas.microsoft.com/office/drawing/2014/main" id="{BD5F019C-6E5A-46C7-B19B-6093CB9124B8}"/>
+              </a:ext>
+            </a:extLst>
+          </p:cNvPr>
+          <p:cNvPicPr>
+            <a:picLocks noChangeAspect="1"/>
+          </p:cNvPicPr>
+          <p:nvPr/>
+        </p:nvPicPr>
+        <p:blipFill>
+          <a:blip r:embed="rId4"/>
+          <a:stretch>
+            <a:fillRect/>
+          </a:stretch>
+        </p:blipFill>
+        <p:spPr>
+          <a:xfrm>
+            <a:off x="357532" y="4279419"/>
+            <a:ext cx="5257462" cy="1945261"/>
           </a:xfrm>
           <a:prstGeom prst="rect">
             <a:avLst/>
@@ -7764,29 +8841,17 @@
     </p:spTree>
     <p:extLst>
       <p:ext uri="{BB962C8B-B14F-4D97-AF65-F5344CB8AC3E}">
-        <p14:creationId xmlns:p14="http://schemas.microsoft.com/office/powerpoint/2010/main" val="3874451766"/>
+        <p14:creationId xmlns:p14="http://schemas.microsoft.com/office/powerpoint/2010/main" val="4268751761"/>
       </p:ext>
     </p:extLst>
   </p:cSld>
   <p:clrMapOvr>
     <a:masterClrMapping/>
   </p:clrMapOvr>
-  <mc:AlternateContent xmlns:mc="http://schemas.openxmlformats.org/markup-compatibility/2006" xmlns:p14="http://schemas.microsoft.com/office/powerpoint/2010/main">
-    <mc:Choice Requires="p14">
-      <p:transition spd="med" p14:dur="700">
-        <p:fade/>
-      </p:transition>
-    </mc:Choice>
-    <mc:Fallback xmlns="">
-      <p:transition spd="med">
-        <p:fade/>
-      </p:transition>
-    </mc:Fallback>
-  </mc:AlternateContent>
 </p:sld>
 </file>
 
-<file path=ppt/slides/slide11.xml><?xml version="1.0" encoding="utf-8"?>
+<file path=ppt/slides/slide13.xml><?xml version="1.0" encoding="utf-8"?>
 <p:sld xmlns:a="http://schemas.openxmlformats.org/drawingml/2006/main" xmlns:r="http://schemas.openxmlformats.org/officeDocument/2006/relationships" xmlns:p="http://schemas.openxmlformats.org/presentationml/2006/main">
   <p:cSld>
     <p:spTree>
@@ -7945,6 +9010,225 @@
           </a:prstGeom>
         </p:spPr>
       </p:pic>
+      <p:pic>
+        <p:nvPicPr>
+          <p:cNvPr id="6" name="Picture 5" descr="A picture containing text&#10;&#10;Description automatically generated">
+            <a:extLst>
+              <a:ext uri="{FF2B5EF4-FFF2-40B4-BE49-F238E27FC236}">
+                <a16:creationId xmlns:a16="http://schemas.microsoft.com/office/drawing/2014/main" id="{6DD5EFF5-8A56-4C40-AACF-85673F1289F3}"/>
+              </a:ext>
+            </a:extLst>
+          </p:cNvPr>
+          <p:cNvPicPr>
+            <a:picLocks noChangeAspect="1"/>
+          </p:cNvPicPr>
+          <p:nvPr/>
+        </p:nvPicPr>
+        <p:blipFill rotWithShape="1">
+          <a:blip r:embed="rId4">
+            <a:extLst>
+              <a:ext uri="{28A0092B-C50C-407E-A947-70E740481C1C}">
+                <a14:useLocalDpi xmlns:a14="http://schemas.microsoft.com/office/drawing/2010/main" val="0"/>
+              </a:ext>
+            </a:extLst>
+          </a:blip>
+          <a:srcRect t="3096"/>
+          <a:stretch/>
+        </p:blipFill>
+        <p:spPr>
+          <a:xfrm>
+            <a:off x="7974315" y="2072081"/>
+            <a:ext cx="3598997" cy="3065558"/>
+          </a:xfrm>
+          <a:prstGeom prst="rect">
+            <a:avLst/>
+          </a:prstGeom>
+        </p:spPr>
+      </p:pic>
+    </p:spTree>
+    <p:extLst>
+      <p:ext uri="{BB962C8B-B14F-4D97-AF65-F5344CB8AC3E}">
+        <p14:creationId xmlns:p14="http://schemas.microsoft.com/office/powerpoint/2010/main" val="3874451766"/>
+      </p:ext>
+    </p:extLst>
+  </p:cSld>
+  <p:clrMapOvr>
+    <a:masterClrMapping/>
+  </p:clrMapOvr>
+  <mc:AlternateContent xmlns:mc="http://schemas.openxmlformats.org/markup-compatibility/2006" xmlns:p14="http://schemas.microsoft.com/office/powerpoint/2010/main">
+    <mc:Choice Requires="p14">
+      <p:transition spd="med" p14:dur="700">
+        <p:fade/>
+      </p:transition>
+    </mc:Choice>
+    <mc:Fallback xmlns="">
+      <p:transition spd="med">
+        <p:fade/>
+      </p:transition>
+    </mc:Fallback>
+  </mc:AlternateContent>
+</p:sld>
+</file>
+
+<file path=ppt/slides/slide14.xml><?xml version="1.0" encoding="utf-8"?>
+<p:sld xmlns:a="http://schemas.openxmlformats.org/drawingml/2006/main" xmlns:r="http://schemas.openxmlformats.org/officeDocument/2006/relationships" xmlns:p="http://schemas.openxmlformats.org/presentationml/2006/main">
+  <p:cSld>
+    <p:spTree>
+      <p:nvGrpSpPr>
+        <p:cNvPr id="1" name=""/>
+        <p:cNvGrpSpPr/>
+        <p:nvPr/>
+      </p:nvGrpSpPr>
+      <p:grpSpPr>
+        <a:xfrm>
+          <a:off x="0" y="0"/>
+          <a:ext cx="0" cy="0"/>
+          <a:chOff x="0" y="0"/>
+          <a:chExt cx="0" cy="0"/>
+        </a:xfrm>
+      </p:grpSpPr>
+      <p:pic>
+        <p:nvPicPr>
+          <p:cNvPr id="17" name="Picture 16" descr="A picture containing vector graphics&#10;&#10;Description automatically generated">
+            <a:extLst>
+              <a:ext uri="{FF2B5EF4-FFF2-40B4-BE49-F238E27FC236}">
+                <a16:creationId xmlns:a16="http://schemas.microsoft.com/office/drawing/2014/main" id="{D543B701-E33F-482C-876D-186407F34FF9}"/>
+              </a:ext>
+            </a:extLst>
+          </p:cNvPr>
+          <p:cNvPicPr>
+            <a:picLocks noChangeAspect="1"/>
+          </p:cNvPicPr>
+          <p:nvPr/>
+        </p:nvPicPr>
+        <p:blipFill>
+          <a:blip r:embed="rId2">
+            <a:extLst>
+              <a:ext uri="{28A0092B-C50C-407E-A947-70E740481C1C}">
+                <a14:useLocalDpi xmlns:a14="http://schemas.microsoft.com/office/drawing/2010/main" val="0"/>
+              </a:ext>
+            </a:extLst>
+          </a:blip>
+          <a:stretch>
+            <a:fillRect/>
+          </a:stretch>
+        </p:blipFill>
+        <p:spPr>
+          <a:xfrm>
+            <a:off x="827616" y="6466036"/>
+            <a:ext cx="231181" cy="222801"/>
+          </a:xfrm>
+          <a:prstGeom prst="rect">
+            <a:avLst/>
+          </a:prstGeom>
+        </p:spPr>
+      </p:pic>
+      <p:sp>
+        <p:nvSpPr>
+          <p:cNvPr id="2" name="Title 1">
+            <a:extLst>
+              <a:ext uri="{FF2B5EF4-FFF2-40B4-BE49-F238E27FC236}">
+                <a16:creationId xmlns:a16="http://schemas.microsoft.com/office/drawing/2014/main" id="{02A61E0E-092E-481F-8A70-1A1A1EFB372F}"/>
+              </a:ext>
+            </a:extLst>
+          </p:cNvPr>
+          <p:cNvSpPr>
+            <a:spLocks noGrp="1"/>
+          </p:cNvSpPr>
+          <p:nvPr>
+            <p:ph type="title"/>
+          </p:nvPr>
+        </p:nvSpPr>
+        <p:spPr>
+          <a:xfrm>
+            <a:off x="2962712" y="605622"/>
+            <a:ext cx="8610600" cy="1293028"/>
+          </a:xfrm>
+        </p:spPr>
+        <p:txBody>
+          <a:bodyPr/>
+          <a:lstStyle/>
+          <a:p>
+            <a:r>
+              <a:rPr lang="en-US" dirty="0"/>
+              <a:t>Lost Battles</a:t>
+            </a:r>
+            <a:br>
+              <a:rPr lang="en-US" dirty="0"/>
+            </a:br>
+            <a:r>
+              <a:rPr lang="en-US" dirty="0"/>
+              <a:t>Trials &amp; Tribulations</a:t>
+            </a:r>
+          </a:p>
+        </p:txBody>
+      </p:sp>
+      <p:sp>
+        <p:nvSpPr>
+          <p:cNvPr id="3" name="Content Placeholder 2">
+            <a:extLst>
+              <a:ext uri="{FF2B5EF4-FFF2-40B4-BE49-F238E27FC236}">
+                <a16:creationId xmlns:a16="http://schemas.microsoft.com/office/drawing/2014/main" id="{8441EDFC-EC21-4D54-9BD6-590B5906B47D}"/>
+              </a:ext>
+            </a:extLst>
+          </p:cNvPr>
+          <p:cNvSpPr>
+            <a:spLocks noGrp="1"/>
+          </p:cNvSpPr>
+          <p:nvPr>
+            <p:ph idx="1"/>
+          </p:nvPr>
+        </p:nvSpPr>
+        <p:spPr>
+          <a:xfrm>
+            <a:off x="677411" y="1974151"/>
+            <a:ext cx="10549218" cy="3433109"/>
+          </a:xfrm>
+        </p:spPr>
+        <p:txBody>
+          <a:bodyPr/>
+          <a:lstStyle/>
+          <a:p>
+            <a:pPr marL="0" indent="0">
+              <a:buNone/>
+            </a:pPr>
+            <a:endParaRPr lang="en-US" dirty="0"/>
+          </a:p>
+          <a:p>
+            <a:endParaRPr lang="en-US" dirty="0"/>
+          </a:p>
+        </p:txBody>
+      </p:sp>
+      <p:pic>
+        <p:nvPicPr>
+          <p:cNvPr id="4" name="Picture 3">
+            <a:extLst>
+              <a:ext uri="{FF2B5EF4-FFF2-40B4-BE49-F238E27FC236}">
+                <a16:creationId xmlns:a16="http://schemas.microsoft.com/office/drawing/2014/main" id="{BBF34D38-0CB1-4318-9A7C-2E4F39EDEF77}"/>
+              </a:ext>
+            </a:extLst>
+          </p:cNvPr>
+          <p:cNvPicPr>
+            <a:picLocks noChangeAspect="1"/>
+          </p:cNvPicPr>
+          <p:nvPr/>
+        </p:nvPicPr>
+        <p:blipFill>
+          <a:blip r:embed="rId3"/>
+          <a:stretch>
+            <a:fillRect/>
+          </a:stretch>
+        </p:blipFill>
+        <p:spPr>
+          <a:xfrm>
+            <a:off x="0" y="5693555"/>
+            <a:ext cx="1104572" cy="1102044"/>
+          </a:xfrm>
+          <a:prstGeom prst="rect">
+            <a:avLst/>
+          </a:prstGeom>
+        </p:spPr>
+      </p:pic>
       <p:sp>
         <p:nvSpPr>
           <p:cNvPr id="5" name="TextBox 4">
@@ -8103,8 +9387,62 @@
           <a:p>
             <a:r>
               <a:rPr lang="en-US" dirty="0"/>
-              <a:t>Expanded on previous dataset </a:t>
-            </a:r>
+              <a:t>Created empty </a:t>
+            </a:r>
+            <a:r>
+              <a:rPr lang="en-US" dirty="0" err="1"/>
+              <a:t>DataFrame</a:t>
+            </a:r>
+            <a:r>
+              <a:rPr lang="en-US" dirty="0"/>
+              <a:t> of Gen1 </a:t>
+            </a:r>
+            <a:r>
+              <a:rPr lang="en-US" dirty="0" err="1"/>
+              <a:t>Pokemon</a:t>
+            </a:r>
+            <a:r>
+              <a:rPr lang="en-US" dirty="0"/>
+              <a:t> with Stats</a:t>
+            </a:r>
+          </a:p>
+          <a:p>
+            <a:r>
+              <a:rPr lang="en-US" dirty="0"/>
+              <a:t>Retrieved name and stats from pokeapi.co</a:t>
+            </a:r>
+          </a:p>
+          <a:p>
+            <a:r>
+              <a:rPr lang="en-US" dirty="0"/>
+              <a:t>Created SQL Database</a:t>
+            </a:r>
+          </a:p>
+          <a:p>
+            <a:r>
+              <a:rPr lang="en-US" dirty="0"/>
+              <a:t>Connected Flask routes to our database</a:t>
+            </a:r>
+          </a:p>
+          <a:p>
+            <a:r>
+              <a:rPr lang="en-US" dirty="0"/>
+              <a:t>Created routes for each Type of </a:t>
+            </a:r>
+            <a:r>
+              <a:rPr lang="en-US" dirty="0" err="1"/>
+              <a:t>Pokemon</a:t>
+            </a:r>
+            <a:endParaRPr lang="en-US" dirty="0"/>
+          </a:p>
+          <a:p>
+            <a:r>
+              <a:rPr lang="en-US" dirty="0"/>
+              <a:t>Used HTML, CSS, JavaScript, and D3 to display on a web page</a:t>
+            </a:r>
+          </a:p>
+          <a:p>
+            <a:endParaRPr lang="en-US" dirty="0"/>
           </a:p>
         </p:txBody>
       </p:sp>
@@ -8189,7 +9527,21 @@
           <a:p>
             <a:r>
               <a:rPr lang="en-US" dirty="0"/>
-              <a:t>Goal: Expand on the data from our prior project and create a Machine Learning algorithm to predict the winner of a fight based on stats, also have an ML algorithm to predict a </a:t>
+              <a:t>Primary Goal: Expand on our prior project and leverage Machine Learning to predict the winner of a fight between two selected </a:t>
+            </a:r>
+            <a:r>
+              <a:rPr lang="en-US" dirty="0" err="1"/>
+              <a:t>Pokemon</a:t>
+            </a:r>
+            <a:r>
+              <a:rPr lang="en-US" dirty="0"/>
+              <a:t> </a:t>
+            </a:r>
+          </a:p>
+          <a:p>
+            <a:r>
+              <a:rPr lang="en-US" dirty="0"/>
+              <a:t>Secondary Goal: Utilize Machine Learning to predict a </a:t>
             </a:r>
             <a:r>
               <a:rPr lang="en-US" sz="2400" dirty="0"/>
@@ -8221,7 +9573,7 @@
           <a:p>
             <a:r>
               <a:rPr lang="en-US" dirty="0"/>
-              <a:t>These are the snags/problems that we encountered along the way </a:t>
+              <a:t>These are the snags/problems that we encountered along the way… </a:t>
             </a:r>
           </a:p>
           <a:p>
@@ -8303,40 +9655,11 @@
           <a:p>
             <a:r>
               <a:rPr lang="en-US" dirty="0"/>
-              <a:t>Process</a:t>
-            </a:r>
-          </a:p>
-        </p:txBody>
-      </p:sp>
-      <p:pic>
-        <p:nvPicPr>
-          <p:cNvPr id="5" name="Content Placeholder 4">
-            <a:extLst>
-              <a:ext uri="{FF2B5EF4-FFF2-40B4-BE49-F238E27FC236}">
-                <a16:creationId xmlns:a16="http://schemas.microsoft.com/office/drawing/2014/main" id="{EB8CF882-6C56-4D12-B8A3-9A63C7862175}"/>
-              </a:ext>
-            </a:extLst>
-          </p:cNvPr>
-          <p:cNvPicPr>
-            <a:picLocks noGrp="1" noChangeAspect="1"/>
-          </p:cNvPicPr>
-          <p:nvPr>
-            <p:ph idx="1"/>
-          </p:nvPr>
-        </p:nvPicPr>
-        <p:blipFill>
-          <a:blip r:embed="rId2"/>
-          <a:stretch>
-            <a:fillRect/>
-          </a:stretch>
-        </p:blipFill>
-        <p:spPr>
-          <a:xfrm>
-            <a:off x="6404395" y="1760475"/>
-            <a:ext cx="5556038" cy="4402818"/>
-          </a:xfrm>
-        </p:spPr>
-      </p:pic>
+              <a:t>Data Prep: Phase 1</a:t>
+            </a:r>
+          </a:p>
+        </p:txBody>
+      </p:sp>
       <p:sp>
         <p:nvSpPr>
           <p:cNvPr id="4" name="TextBox 3">
@@ -8352,7 +9675,7 @@
         <p:spPr>
           <a:xfrm>
             <a:off x="605642" y="1650670"/>
-            <a:ext cx="4314001" cy="369332"/>
+            <a:ext cx="4188967" cy="1508105"/>
           </a:xfrm>
           <a:prstGeom prst="rect">
             <a:avLst/>
@@ -8365,14 +9688,149 @@
           </a:bodyPr>
           <a:lstStyle/>
           <a:p>
+            <a:pPr lvl="1"/>
+            <a:r>
+              <a:rPr lang="en-US" sz="2000" b="1" dirty="0"/>
+              <a:t>Task: Change Flask Routes </a:t>
+            </a:r>
+          </a:p>
+          <a:p>
+            <a:pPr marL="1200150" lvl="2" indent="-285750">
+              <a:buFont typeface="Arial" panose="020B0604020202020204" pitchFamily="34" charset="0"/>
+              <a:buChar char="•"/>
+            </a:pPr>
             <a:r>
               <a:rPr lang="en-US" dirty="0"/>
-              <a:t>We expanded on a </a:t>
-            </a:r>
-            <a:r>
-              <a:rPr lang="en-US"/>
-              <a:t>previous dataset</a:t>
-            </a:r>
+              <a:t>Initial routes: by Type</a:t>
+            </a:r>
+          </a:p>
+          <a:p>
+            <a:pPr marL="1200150" lvl="2" indent="-285750">
+              <a:buFont typeface="Arial" panose="020B0604020202020204" pitchFamily="34" charset="0"/>
+              <a:buChar char="•"/>
+            </a:pPr>
+            <a:r>
+              <a:rPr lang="en-US" dirty="0"/>
+              <a:t>New routes: by </a:t>
+            </a:r>
+            <a:r>
+              <a:rPr lang="en-US" dirty="0" err="1"/>
+              <a:t>Pokemon</a:t>
+            </a:r>
+            <a:endParaRPr lang="en-US" dirty="0"/>
+          </a:p>
+          <a:p>
+            <a:pPr marL="1200150" lvl="2" indent="-285750">
+              <a:buFont typeface="Arial" panose="020B0604020202020204" pitchFamily="34" charset="0"/>
+              <a:buChar char="•"/>
+            </a:pPr>
+            <a:r>
+              <a:rPr lang="en-US" i="1" dirty="0"/>
+              <a:t>Tools: Python, SQL</a:t>
+            </a:r>
+          </a:p>
+          <a:p>
+            <a:endParaRPr lang="en-US" dirty="0"/>
+          </a:p>
+        </p:txBody>
+      </p:sp>
+      <p:pic>
+        <p:nvPicPr>
+          <p:cNvPr id="8" name="Picture 7">
+            <a:extLst>
+              <a:ext uri="{FF2B5EF4-FFF2-40B4-BE49-F238E27FC236}">
+                <a16:creationId xmlns:a16="http://schemas.microsoft.com/office/drawing/2014/main" id="{F59E54E5-FFF0-4CAE-A2DF-15A3997FF6E3}"/>
+              </a:ext>
+            </a:extLst>
+          </p:cNvPr>
+          <p:cNvPicPr>
+            <a:picLocks noChangeAspect="1"/>
+          </p:cNvPicPr>
+          <p:nvPr/>
+        </p:nvPicPr>
+        <p:blipFill>
+          <a:blip r:embed="rId2"/>
+          <a:stretch>
+            <a:fillRect/>
+          </a:stretch>
+        </p:blipFill>
+        <p:spPr>
+          <a:xfrm>
+            <a:off x="569743" y="2943698"/>
+            <a:ext cx="6004111" cy="3605763"/>
+          </a:xfrm>
+          <a:prstGeom prst="rect">
+            <a:avLst/>
+          </a:prstGeom>
+        </p:spPr>
+      </p:pic>
+      <p:pic>
+        <p:nvPicPr>
+          <p:cNvPr id="10" name="Picture 9">
+            <a:extLst>
+              <a:ext uri="{FF2B5EF4-FFF2-40B4-BE49-F238E27FC236}">
+                <a16:creationId xmlns:a16="http://schemas.microsoft.com/office/drawing/2014/main" id="{8517DFEE-2824-4771-A42F-8189AB07E880}"/>
+              </a:ext>
+            </a:extLst>
+          </p:cNvPr>
+          <p:cNvPicPr>
+            <a:picLocks noChangeAspect="1"/>
+          </p:cNvPicPr>
+          <p:nvPr/>
+        </p:nvPicPr>
+        <p:blipFill>
+          <a:blip r:embed="rId3"/>
+          <a:stretch>
+            <a:fillRect/>
+          </a:stretch>
+        </p:blipFill>
+        <p:spPr>
+          <a:xfrm>
+            <a:off x="6780032" y="3686942"/>
+            <a:ext cx="5126022" cy="2862519"/>
+          </a:xfrm>
+          <a:prstGeom prst="rect">
+            <a:avLst/>
+          </a:prstGeom>
+        </p:spPr>
+      </p:pic>
+      <p:sp>
+        <p:nvSpPr>
+          <p:cNvPr id="13" name="TextBox 12">
+            <a:extLst>
+              <a:ext uri="{FF2B5EF4-FFF2-40B4-BE49-F238E27FC236}">
+                <a16:creationId xmlns:a16="http://schemas.microsoft.com/office/drawing/2014/main" id="{CEA3D70D-71DF-497E-9A21-BBC1043BE39E}"/>
+              </a:ext>
+            </a:extLst>
+          </p:cNvPr>
+          <p:cNvSpPr txBox="1"/>
+          <p:nvPr/>
+        </p:nvSpPr>
+        <p:spPr>
+          <a:xfrm>
+            <a:off x="7458553" y="3234689"/>
+            <a:ext cx="3768980" cy="677108"/>
+          </a:xfrm>
+          <a:prstGeom prst="rect">
+            <a:avLst/>
+          </a:prstGeom>
+          <a:noFill/>
+        </p:spPr>
+        <p:txBody>
+          <a:bodyPr wrap="none" rtlCol="0">
+            <a:spAutoFit/>
+          </a:bodyPr>
+          <a:lstStyle/>
+          <a:p>
+            <a:pPr lvl="1"/>
+            <a:r>
+              <a:rPr lang="en-US" sz="2000" b="1" dirty="0"/>
+              <a:t>3109 lines of code later…</a:t>
+            </a:r>
+            <a:endParaRPr lang="en-US" dirty="0"/>
+          </a:p>
+          <a:p>
+            <a:endParaRPr lang="en-US" dirty="0"/>
           </a:p>
         </p:txBody>
       </p:sp>
@@ -8429,40 +9887,149 @@
           <a:p>
             <a:r>
               <a:rPr lang="en-US" dirty="0"/>
-              <a:t>Process</a:t>
-            </a:r>
-          </a:p>
-        </p:txBody>
-      </p:sp>
-      <p:sp>
-        <p:nvSpPr>
-          <p:cNvPr id="4" name="Content Placeholder 3">
+              <a:t>Data Prep: Phase 2</a:t>
+            </a:r>
+          </a:p>
+        </p:txBody>
+      </p:sp>
+      <p:sp>
+        <p:nvSpPr>
+          <p:cNvPr id="4" name="TextBox 3">
             <a:extLst>
               <a:ext uri="{FF2B5EF4-FFF2-40B4-BE49-F238E27FC236}">
-                <a16:creationId xmlns:a16="http://schemas.microsoft.com/office/drawing/2014/main" id="{83842ABF-33A0-44E2-8207-3DB104709274}"/>
+                <a16:creationId xmlns:a16="http://schemas.microsoft.com/office/drawing/2014/main" id="{B492F949-5DE5-46D5-9F7F-2A6F10692F06}"/>
               </a:ext>
             </a:extLst>
           </p:cNvPr>
-          <p:cNvSpPr>
-            <a:spLocks noGrp="1"/>
-          </p:cNvSpPr>
-          <p:nvPr>
-            <p:ph idx="1"/>
-          </p:nvPr>
-        </p:nvSpPr>
-        <p:spPr/>
-        <p:txBody>
-          <a:bodyPr/>
+          <p:cNvSpPr txBox="1"/>
+          <p:nvPr/>
+        </p:nvSpPr>
+        <p:spPr>
+          <a:xfrm>
+            <a:off x="558508" y="1754365"/>
+            <a:ext cx="8153194" cy="1508105"/>
+          </a:xfrm>
+          <a:prstGeom prst="rect">
+            <a:avLst/>
+          </a:prstGeom>
+          <a:noFill/>
+        </p:spPr>
+        <p:txBody>
+          <a:bodyPr wrap="none" rtlCol="0">
+            <a:spAutoFit/>
+          </a:bodyPr>
           <a:lstStyle/>
           <a:p>
-            <a:endParaRPr lang="en-US"/>
-          </a:p>
-        </p:txBody>
-      </p:sp>
+            <a:pPr lvl="1"/>
+            <a:r>
+              <a:rPr lang="en-US" sz="2000" b="1" dirty="0"/>
+              <a:t>Tasks: Update Dropdown Selection &amp; Add Second Dropdown</a:t>
+            </a:r>
+          </a:p>
+          <a:p>
+            <a:pPr marL="1200150" lvl="2" indent="-285750">
+              <a:buFont typeface="Arial" panose="020B0604020202020204" pitchFamily="34" charset="0"/>
+              <a:buChar char="•"/>
+            </a:pPr>
+            <a:r>
+              <a:rPr lang="en-US" dirty="0"/>
+              <a:t>Initial selection: by type</a:t>
+            </a:r>
+          </a:p>
+          <a:p>
+            <a:pPr marL="1200150" lvl="2" indent="-285750">
+              <a:buFont typeface="Arial" panose="020B0604020202020204" pitchFamily="34" charset="0"/>
+              <a:buChar char="•"/>
+            </a:pPr>
+            <a:r>
+              <a:rPr lang="en-US" dirty="0"/>
+              <a:t>New selection: by </a:t>
+            </a:r>
+            <a:r>
+              <a:rPr lang="en-US" dirty="0" err="1"/>
+              <a:t>Pokemon</a:t>
+            </a:r>
+            <a:endParaRPr lang="en-US" dirty="0"/>
+          </a:p>
+          <a:p>
+            <a:pPr marL="1200150" lvl="2" indent="-285750">
+              <a:buFont typeface="Arial" panose="020B0604020202020204" pitchFamily="34" charset="0"/>
+              <a:buChar char="•"/>
+            </a:pPr>
+            <a:r>
+              <a:rPr lang="en-US" i="1" dirty="0"/>
+              <a:t>Tools: HTML &amp; JavaScript</a:t>
+            </a:r>
+          </a:p>
+          <a:p>
+            <a:endParaRPr lang="en-US" dirty="0"/>
+          </a:p>
+        </p:txBody>
+      </p:sp>
+      <p:pic>
+        <p:nvPicPr>
+          <p:cNvPr id="8" name="Picture 7">
+            <a:extLst>
+              <a:ext uri="{FF2B5EF4-FFF2-40B4-BE49-F238E27FC236}">
+                <a16:creationId xmlns:a16="http://schemas.microsoft.com/office/drawing/2014/main" id="{5BCDC66D-A413-4DB8-A24A-99069CA508A6}"/>
+              </a:ext>
+            </a:extLst>
+          </p:cNvPr>
+          <p:cNvPicPr>
+            <a:picLocks noChangeAspect="1"/>
+          </p:cNvPicPr>
+          <p:nvPr/>
+        </p:nvPicPr>
+        <p:blipFill>
+          <a:blip r:embed="rId2"/>
+          <a:stretch>
+            <a:fillRect/>
+          </a:stretch>
+        </p:blipFill>
+        <p:spPr>
+          <a:xfrm>
+            <a:off x="273376" y="3429000"/>
+            <a:ext cx="5672537" cy="2893712"/>
+          </a:xfrm>
+          <a:prstGeom prst="rect">
+            <a:avLst/>
+          </a:prstGeom>
+        </p:spPr>
+      </p:pic>
+      <p:pic>
+        <p:nvPicPr>
+          <p:cNvPr id="10" name="Picture 9">
+            <a:extLst>
+              <a:ext uri="{FF2B5EF4-FFF2-40B4-BE49-F238E27FC236}">
+                <a16:creationId xmlns:a16="http://schemas.microsoft.com/office/drawing/2014/main" id="{04D94E6C-3CBC-4061-9428-C2BEEAE4954B}"/>
+              </a:ext>
+            </a:extLst>
+          </p:cNvPr>
+          <p:cNvPicPr>
+            <a:picLocks noChangeAspect="1"/>
+          </p:cNvPicPr>
+          <p:nvPr/>
+        </p:nvPicPr>
+        <p:blipFill>
+          <a:blip r:embed="rId3"/>
+          <a:stretch>
+            <a:fillRect/>
+          </a:stretch>
+        </p:blipFill>
+        <p:spPr>
+          <a:xfrm>
+            <a:off x="6163155" y="3429000"/>
+            <a:ext cx="5755469" cy="2898000"/>
+          </a:xfrm>
+          <a:prstGeom prst="rect">
+            <a:avLst/>
+          </a:prstGeom>
+        </p:spPr>
+      </p:pic>
     </p:spTree>
     <p:extLst>
       <p:ext uri="{BB962C8B-B14F-4D97-AF65-F5344CB8AC3E}">
-        <p14:creationId xmlns:p14="http://schemas.microsoft.com/office/powerpoint/2010/main" val="1960748603"/>
+        <p14:creationId xmlns:p14="http://schemas.microsoft.com/office/powerpoint/2010/main" val="31228526"/>
       </p:ext>
     </p:extLst>
   </p:cSld>
@@ -8512,36 +10079,128 @@
           <a:p>
             <a:r>
               <a:rPr lang="en-US" dirty="0"/>
-              <a:t>Process</a:t>
-            </a:r>
-          </a:p>
-        </p:txBody>
-      </p:sp>
-      <p:sp>
-        <p:nvSpPr>
-          <p:cNvPr id="4" name="Content Placeholder 3">
+              <a:t>Data Prep: Phase 3</a:t>
+            </a:r>
+          </a:p>
+        </p:txBody>
+      </p:sp>
+      <p:sp>
+        <p:nvSpPr>
+          <p:cNvPr id="4" name="TextBox 3">
             <a:extLst>
               <a:ext uri="{FF2B5EF4-FFF2-40B4-BE49-F238E27FC236}">
-                <a16:creationId xmlns:a16="http://schemas.microsoft.com/office/drawing/2014/main" id="{C05D96AC-ECFB-4DA3-BD21-4B8FCCE1A7B4}"/>
+                <a16:creationId xmlns:a16="http://schemas.microsoft.com/office/drawing/2014/main" id="{B492F949-5DE5-46D5-9F7F-2A6F10692F06}"/>
               </a:ext>
             </a:extLst>
           </p:cNvPr>
-          <p:cNvSpPr>
-            <a:spLocks noGrp="1"/>
-          </p:cNvSpPr>
-          <p:nvPr>
-            <p:ph idx="1"/>
-          </p:nvPr>
-        </p:nvSpPr>
-        <p:spPr>
-          <a:xfrm>
-            <a:off x="685800" y="1793174"/>
-            <a:ext cx="10820400" cy="4425511"/>
-          </a:xfrm>
-        </p:spPr>
-        <p:txBody>
-          <a:bodyPr/>
+          <p:cNvSpPr txBox="1"/>
+          <p:nvPr/>
+        </p:nvSpPr>
+        <p:spPr>
+          <a:xfrm>
+            <a:off x="605640" y="1410887"/>
+            <a:ext cx="6546985" cy="2339102"/>
+          </a:xfrm>
+          <a:prstGeom prst="rect">
+            <a:avLst/>
+          </a:prstGeom>
+          <a:noFill/>
+        </p:spPr>
+        <p:txBody>
+          <a:bodyPr wrap="none" rtlCol="0">
+            <a:spAutoFit/>
+          </a:bodyPr>
           <a:lstStyle/>
+          <a:p>
+            <a:pPr lvl="1"/>
+            <a:r>
+              <a:rPr lang="en-US" sz="2000" b="1" dirty="0"/>
+              <a:t>Task: Update Graphs &amp; Add Images</a:t>
+            </a:r>
+          </a:p>
+          <a:p>
+            <a:pPr marL="1200150" lvl="2" indent="-285750">
+              <a:buFont typeface="Arial" panose="020B0604020202020204" pitchFamily="34" charset="0"/>
+              <a:buChar char="•"/>
+            </a:pPr>
+            <a:r>
+              <a:rPr lang="en-US" dirty="0"/>
+              <a:t>New code includes:</a:t>
+            </a:r>
+          </a:p>
+          <a:p>
+            <a:pPr marL="1657350" lvl="3" indent="-285750">
+              <a:buFont typeface="Arial" panose="020B0604020202020204" pitchFamily="34" charset="0"/>
+              <a:buChar char="•"/>
+            </a:pPr>
+            <a:r>
+              <a:rPr lang="en-US" dirty="0"/>
+              <a:t>“</a:t>
+            </a:r>
+            <a:r>
+              <a:rPr lang="en-US" dirty="0" err="1"/>
+              <a:t>divids</a:t>
+            </a:r>
+            <a:r>
+              <a:rPr lang="en-US" dirty="0"/>
+              <a:t>” in </a:t>
+            </a:r>
+            <a:r>
+              <a:rPr lang="en-US" dirty="0" err="1"/>
+              <a:t>buildPlot</a:t>
+            </a:r>
+            <a:r>
+              <a:rPr lang="en-US" dirty="0"/>
+              <a:t> function</a:t>
+            </a:r>
+          </a:p>
+          <a:p>
+            <a:pPr marL="1657350" lvl="3" indent="-285750">
+              <a:buFont typeface="Arial" panose="020B0604020202020204" pitchFamily="34" charset="0"/>
+              <a:buChar char="•"/>
+            </a:pPr>
+            <a:r>
+              <a:rPr lang="en-US" dirty="0"/>
+              <a:t>Appending image files in </a:t>
+            </a:r>
+            <a:r>
+              <a:rPr lang="en-US" dirty="0" err="1"/>
+              <a:t>plotInfo</a:t>
+            </a:r>
+            <a:r>
+              <a:rPr lang="en-US" dirty="0"/>
+              <a:t> function</a:t>
+            </a:r>
+          </a:p>
+          <a:p>
+            <a:pPr marL="1200150" lvl="2" indent="-285750">
+              <a:buFont typeface="Arial" panose="020B0604020202020204" pitchFamily="34" charset="0"/>
+              <a:buChar char="•"/>
+            </a:pPr>
+            <a:r>
+              <a:rPr lang="en-US" i="1" dirty="0"/>
+              <a:t>Tools: HTML &amp; JavaScript</a:t>
+            </a:r>
+            <a:br>
+              <a:rPr lang="en-US" i="1" dirty="0"/>
+            </a:br>
+            <a:endParaRPr lang="en-US" i="1" dirty="0"/>
+          </a:p>
+          <a:p>
+            <a:pPr lvl="2"/>
+            <a:r>
+              <a:rPr lang="en-US" i="1" dirty="0"/>
+              <a:t>*Shoutout Daniel renaming 151 </a:t>
+            </a:r>
+            <a:r>
+              <a:rPr lang="en-US" i="1" dirty="0" err="1"/>
+              <a:t>png</a:t>
+            </a:r>
+            <a:r>
+              <a:rPr lang="en-US" i="1" dirty="0"/>
+              <a:t> files to fit id</a:t>
+            </a:r>
+          </a:p>
           <a:p>
             <a:endParaRPr lang="en-US" dirty="0"/>
           </a:p>
@@ -8552,7 +10211,7 @@
           <p:cNvPr id="8" name="Picture 7">
             <a:extLst>
               <a:ext uri="{FF2B5EF4-FFF2-40B4-BE49-F238E27FC236}">
-                <a16:creationId xmlns:a16="http://schemas.microsoft.com/office/drawing/2014/main" id="{66C4C3FB-ABD2-41B7-8155-3AE3C634D031}"/>
+                <a16:creationId xmlns:a16="http://schemas.microsoft.com/office/drawing/2014/main" id="{BBE6EAC0-7046-4801-8CF5-EC038D69AD6C}"/>
               </a:ext>
             </a:extLst>
           </p:cNvPr>
@@ -8569,8 +10228,8 @@
         </p:blipFill>
         <p:spPr>
           <a:xfrm>
-            <a:off x="7538420" y="1771526"/>
-            <a:ext cx="3967780" cy="2929769"/>
+            <a:off x="943404" y="3544025"/>
+            <a:ext cx="5871459" cy="2863967"/>
           </a:xfrm>
           <a:prstGeom prst="rect">
             <a:avLst/>
@@ -8582,7 +10241,7 @@
           <p:cNvPr id="10" name="Picture 9">
             <a:extLst>
               <a:ext uri="{FF2B5EF4-FFF2-40B4-BE49-F238E27FC236}">
-                <a16:creationId xmlns:a16="http://schemas.microsoft.com/office/drawing/2014/main" id="{E583DC1F-8B14-4E9E-9551-19B332F7DA25}"/>
+                <a16:creationId xmlns:a16="http://schemas.microsoft.com/office/drawing/2014/main" id="{CCD4BA2E-5509-4243-B4EE-80CE2EFD1AEA}"/>
               </a:ext>
             </a:extLst>
           </p:cNvPr>
@@ -8599,8 +10258,8 @@
         </p:blipFill>
         <p:spPr>
           <a:xfrm>
-            <a:off x="5537954" y="5188183"/>
-            <a:ext cx="5968246" cy="1362265"/>
+            <a:off x="7625793" y="1902078"/>
+            <a:ext cx="3781491" cy="4505914"/>
           </a:xfrm>
           <a:prstGeom prst="rect">
             <a:avLst/>
@@ -8610,7 +10269,7 @@
     </p:spTree>
     <p:extLst>
       <p:ext uri="{BB962C8B-B14F-4D97-AF65-F5344CB8AC3E}">
-        <p14:creationId xmlns:p14="http://schemas.microsoft.com/office/powerpoint/2010/main" val="2238180185"/>
+        <p14:creationId xmlns:p14="http://schemas.microsoft.com/office/powerpoint/2010/main" val="633841904"/>
       </p:ext>
     </p:extLst>
   </p:cSld>
@@ -8642,7 +10301,7 @@
           <p:cNvPr id="2" name="Title 1">
             <a:extLst>
               <a:ext uri="{FF2B5EF4-FFF2-40B4-BE49-F238E27FC236}">
-                <a16:creationId xmlns:a16="http://schemas.microsoft.com/office/drawing/2014/main" id="{D173C4BB-966C-4895-BAD8-CFA215E3B65A}"/>
+                <a16:creationId xmlns:a16="http://schemas.microsoft.com/office/drawing/2014/main" id="{E5D37803-93FD-47DD-AEA7-4BE8CCEA35C8}"/>
               </a:ext>
             </a:extLst>
           </p:cNvPr>
@@ -8660,31 +10319,128 @@
           <a:p>
             <a:r>
               <a:rPr lang="en-US" dirty="0"/>
-              <a:t>Machine Learning </a:t>
-            </a:r>
-          </a:p>
-        </p:txBody>
-      </p:sp>
-      <p:sp>
-        <p:nvSpPr>
-          <p:cNvPr id="3" name="Content Placeholder 2">
+              <a:t>Machine Learning</a:t>
+            </a:r>
+            <a:br>
+              <a:rPr lang="en-US" dirty="0"/>
+            </a:br>
+            <a:r>
+              <a:rPr lang="en-US" dirty="0" err="1"/>
+              <a:t>PokeBattles</a:t>
+            </a:r>
+            <a:r>
+              <a:rPr lang="en-US" dirty="0"/>
+              <a:t>: Phase 1 </a:t>
+            </a:r>
+          </a:p>
+        </p:txBody>
+      </p:sp>
+      <p:sp>
+        <p:nvSpPr>
+          <p:cNvPr id="4" name="TextBox 3">
             <a:extLst>
               <a:ext uri="{FF2B5EF4-FFF2-40B4-BE49-F238E27FC236}">
-                <a16:creationId xmlns:a16="http://schemas.microsoft.com/office/drawing/2014/main" id="{C2004ABF-3D9C-46AE-8A5B-9731ED8D9872}"/>
+                <a16:creationId xmlns:a16="http://schemas.microsoft.com/office/drawing/2014/main" id="{B492F949-5DE5-46D5-9F7F-2A6F10692F06}"/>
               </a:ext>
             </a:extLst>
           </p:cNvPr>
-          <p:cNvSpPr>
-            <a:spLocks noGrp="1"/>
-          </p:cNvSpPr>
-          <p:nvPr>
-            <p:ph idx="1"/>
-          </p:nvPr>
-        </p:nvSpPr>
-        <p:spPr/>
-        <p:txBody>
-          <a:bodyPr/>
+          <p:cNvSpPr txBox="1"/>
+          <p:nvPr/>
+        </p:nvSpPr>
+        <p:spPr>
+          <a:xfrm>
+            <a:off x="549081" y="2367107"/>
+            <a:ext cx="8901796" cy="2893100"/>
+          </a:xfrm>
+          <a:prstGeom prst="rect">
+            <a:avLst/>
+          </a:prstGeom>
+          <a:noFill/>
+        </p:spPr>
+        <p:txBody>
+          <a:bodyPr wrap="none" rtlCol="0">
+            <a:spAutoFit/>
+          </a:bodyPr>
           <a:lstStyle/>
+          <a:p>
+            <a:pPr lvl="1"/>
+            <a:r>
+              <a:rPr lang="en-US" sz="2000" b="1" dirty="0"/>
+              <a:t>Task: Logistic Regression Planning</a:t>
+            </a:r>
+            <a:br>
+              <a:rPr lang="en-US" dirty="0"/>
+            </a:br>
+            <a:endParaRPr lang="en-US" dirty="0"/>
+          </a:p>
+          <a:p>
+            <a:pPr marL="1200150" lvl="2" indent="-285750">
+              <a:buFont typeface="Arial" panose="020B0604020202020204" pitchFamily="34" charset="0"/>
+              <a:buChar char="•"/>
+            </a:pPr>
+            <a:r>
+              <a:rPr lang="en-US" dirty="0"/>
+              <a:t>Need for each </a:t>
+            </a:r>
+            <a:r>
+              <a:rPr lang="en-US" dirty="0" err="1"/>
+              <a:t>pokemon</a:t>
+            </a:r>
+            <a:r>
+              <a:rPr lang="en-US" dirty="0"/>
+              <a:t> to have a recorded battle and result</a:t>
+            </a:r>
+            <a:br>
+              <a:rPr lang="en-US" dirty="0"/>
+            </a:br>
+            <a:endParaRPr lang="en-US" dirty="0"/>
+          </a:p>
+          <a:p>
+            <a:pPr marL="1200150" lvl="2" indent="-285750">
+              <a:buFont typeface="Arial" panose="020B0604020202020204" pitchFamily="34" charset="0"/>
+              <a:buChar char="•"/>
+            </a:pPr>
+            <a:r>
+              <a:rPr lang="en-US" dirty="0"/>
+              <a:t>This will feed our Machine Learning in order to predict future battles</a:t>
+            </a:r>
+            <a:br>
+              <a:rPr lang="en-US" dirty="0"/>
+            </a:br>
+            <a:endParaRPr lang="en-US" dirty="0"/>
+          </a:p>
+          <a:p>
+            <a:pPr marL="1200150" lvl="2" indent="-285750">
+              <a:buFont typeface="Arial" panose="020B0604020202020204" pitchFamily="34" charset="0"/>
+              <a:buChar char="•"/>
+            </a:pPr>
+            <a:r>
+              <a:rPr lang="en-US" dirty="0"/>
+              <a:t>No existing dataset on </a:t>
+            </a:r>
+            <a:r>
+              <a:rPr lang="en-US" dirty="0" err="1"/>
+              <a:t>pokemon</a:t>
+            </a:r>
+            <a:r>
+              <a:rPr lang="en-US" dirty="0"/>
+              <a:t> battles/results</a:t>
+            </a:r>
+            <a:br>
+              <a:rPr lang="en-US" dirty="0"/>
+            </a:br>
+            <a:endParaRPr lang="en-US" dirty="0"/>
+          </a:p>
+          <a:p>
+            <a:pPr marL="1200150" lvl="2" indent="-285750">
+              <a:buFont typeface="Arial" panose="020B0604020202020204" pitchFamily="34" charset="0"/>
+              <a:buChar char="•"/>
+            </a:pPr>
+            <a:r>
+              <a:rPr lang="en-US" dirty="0"/>
+              <a:t>Needed to create our own Battle Engine</a:t>
+            </a:r>
+          </a:p>
           <a:p>
             <a:endParaRPr lang="en-US" dirty="0"/>
           </a:p>
@@ -8693,7 +10449,7 @@
     </p:spTree>
     <p:extLst>
       <p:ext uri="{BB962C8B-B14F-4D97-AF65-F5344CB8AC3E}">
-        <p14:creationId xmlns:p14="http://schemas.microsoft.com/office/powerpoint/2010/main" val="3724337303"/>
+        <p14:creationId xmlns:p14="http://schemas.microsoft.com/office/powerpoint/2010/main" val="2683541900"/>
       </p:ext>
     </p:extLst>
   </p:cSld>
@@ -8706,14 +10462,6 @@
 <file path=ppt/slides/slide8.xml><?xml version="1.0" encoding="utf-8"?>
 <p:sld xmlns:a="http://schemas.openxmlformats.org/drawingml/2006/main" xmlns:r="http://schemas.openxmlformats.org/officeDocument/2006/relationships" xmlns:p="http://schemas.openxmlformats.org/presentationml/2006/main">
   <p:cSld>
-    <p:bg>
-      <p:bgPr>
-        <a:solidFill>
-          <a:schemeClr val="bg1"/>
-        </a:solidFill>
-        <a:effectLst/>
-      </p:bgPr>
-    </p:bg>
     <p:spTree>
       <p:nvGrpSpPr>
         <p:cNvPr id="1" name=""/>
@@ -8728,152 +10476,51 @@
           <a:chExt cx="0" cy="0"/>
         </a:xfrm>
       </p:grpSpPr>
-      <p:sp useBgFill="1">
-        <p:nvSpPr>
-          <p:cNvPr id="13" name="Rectangle 12">
+      <p:sp>
+        <p:nvSpPr>
+          <p:cNvPr id="2" name="Title 1">
             <a:extLst>
               <a:ext uri="{FF2B5EF4-FFF2-40B4-BE49-F238E27FC236}">
-                <a16:creationId xmlns:a16="http://schemas.microsoft.com/office/drawing/2014/main" id="{AB3546AA-6DD0-4A58-8B49-3A63BCC4122D}"/>
-              </a:ext>
-              <a:ext uri="{C183D7F6-B498-43B3-948B-1728B52AA6E4}">
-                <adec:decorative xmlns:adec="http://schemas.microsoft.com/office/drawing/2017/decorative" val="1"/>
+                <a16:creationId xmlns:a16="http://schemas.microsoft.com/office/drawing/2014/main" id="{E5D37803-93FD-47DD-AEA7-4BE8CCEA35C8}"/>
               </a:ext>
             </a:extLst>
           </p:cNvPr>
           <p:cNvSpPr>
-            <a:spLocks noGrp="1" noRot="1" noChangeAspect="1" noMove="1" noResize="1" noEditPoints="1" noAdjustHandles="1" noChangeArrowheads="1" noChangeShapeType="1" noTextEdit="1"/>
-          </p:cNvSpPr>
-          <p:nvPr>
-            <p:extLst>
-              <p:ext uri="{386F3935-93C4-4BCD-93E2-E3B085C9AB24}">
-                <p16:designElem xmlns:p16="http://schemas.microsoft.com/office/powerpoint/2015/main" val="1"/>
-              </p:ext>
-            </p:extLst>
-          </p:nvPr>
-        </p:nvSpPr>
-        <p:spPr>
-          <a:xfrm>
-            <a:off x="0" y="0"/>
-            <a:ext cx="12192000" cy="6858000"/>
-          </a:xfrm>
-          <a:prstGeom prst="rect">
-            <a:avLst/>
-          </a:prstGeom>
-          <a:ln>
-            <a:noFill/>
-          </a:ln>
-        </p:spPr>
-        <p:style>
-          <a:lnRef idx="2">
-            <a:schemeClr val="accent1">
-              <a:shade val="50000"/>
-            </a:schemeClr>
-          </a:lnRef>
-          <a:fillRef idx="1">
-            <a:schemeClr val="accent1"/>
-          </a:fillRef>
-          <a:effectRef idx="0">
-            <a:schemeClr val="accent1"/>
-          </a:effectRef>
-          <a:fontRef idx="minor">
-            <a:schemeClr val="lt1"/>
-          </a:fontRef>
-        </p:style>
-        <p:txBody>
-          <a:bodyPr rtlCol="0" anchor="ctr"/>
+            <a:spLocks noGrp="1"/>
+          </p:cNvSpPr>
+          <p:nvPr>
+            <p:ph type="title"/>
+          </p:nvPr>
+        </p:nvSpPr>
+        <p:spPr/>
+        <p:txBody>
+          <a:bodyPr/>
           <a:lstStyle/>
           <a:p>
-            <a:pPr algn="ctr"/>
-            <a:endParaRPr lang="en-US"/>
-          </a:p>
-        </p:txBody>
-      </p:sp>
-      <p:pic>
-        <p:nvPicPr>
-          <p:cNvPr id="15" name="Picture 14">
+            <a:r>
+              <a:rPr lang="en-US" dirty="0"/>
+              <a:t>Machine Learning</a:t>
+            </a:r>
+            <a:br>
+              <a:rPr lang="en-US" dirty="0"/>
+            </a:br>
+            <a:r>
+              <a:rPr lang="en-US" dirty="0" err="1"/>
+              <a:t>PokeBattles</a:t>
+            </a:r>
+            <a:r>
+              <a:rPr lang="en-US" dirty="0"/>
+              <a:t>: Phase 2 </a:t>
+            </a:r>
+          </a:p>
+        </p:txBody>
+      </p:sp>
+      <p:sp>
+        <p:nvSpPr>
+          <p:cNvPr id="4" name="TextBox 3">
             <a:extLst>
               <a:ext uri="{FF2B5EF4-FFF2-40B4-BE49-F238E27FC236}">
-                <a16:creationId xmlns:a16="http://schemas.microsoft.com/office/drawing/2014/main" id="{9F89F588-0F53-4F8D-AA9A-E8F2529A4108}"/>
-              </a:ext>
-              <a:ext uri="{C183D7F6-B498-43B3-948B-1728B52AA6E4}">
-                <adec:decorative xmlns:adec="http://schemas.microsoft.com/office/drawing/2017/decorative" val="1"/>
-              </a:ext>
-            </a:extLst>
-          </p:cNvPr>
-          <p:cNvPicPr>
-            <a:picLocks noGrp="1" noRot="1" noChangeAspect="1" noMove="1" noResize="1" noEditPoints="1" noAdjustHandles="1" noChangeArrowheads="1" noChangeShapeType="1" noCrop="1"/>
-          </p:cNvPicPr>
-          <p:nvPr>
-            <p:extLst>
-              <p:ext uri="{386F3935-93C4-4BCD-93E2-E3B085C9AB24}">
-                <p16:designElem xmlns:p16="http://schemas.microsoft.com/office/powerpoint/2015/main" val="1"/>
-              </p:ext>
-            </p:extLst>
-          </p:nvPr>
-        </p:nvPicPr>
-        <p:blipFill>
-          <a:blip r:embed="rId2">
-            <a:extLst>
-              <a:ext uri="{28A0092B-C50C-407E-A947-70E740481C1C}">
-                <a14:useLocalDpi xmlns:a14="http://schemas.microsoft.com/office/drawing/2010/main" val="0"/>
-              </a:ext>
-            </a:extLst>
-          </a:blip>
-          <a:stretch>
-            <a:fillRect/>
-          </a:stretch>
-        </p:blipFill>
-        <p:spPr>
-          <a:xfrm>
-            <a:off x="0" y="0"/>
-            <a:ext cx="12192000" cy="1441450"/>
-          </a:xfrm>
-          <a:prstGeom prst="rect">
-            <a:avLst/>
-          </a:prstGeom>
-        </p:spPr>
-      </p:pic>
-      <p:sp>
-        <p:nvSpPr>
-          <p:cNvPr id="2" name="Title 1">
-            <a:extLst>
-              <a:ext uri="{FF2B5EF4-FFF2-40B4-BE49-F238E27FC236}">
-                <a16:creationId xmlns:a16="http://schemas.microsoft.com/office/drawing/2014/main" id="{D173C4BB-966C-4895-BAD8-CFA215E3B65A}"/>
-              </a:ext>
-            </a:extLst>
-          </p:cNvPr>
-          <p:cNvSpPr>
-            <a:spLocks noGrp="1"/>
-          </p:cNvSpPr>
-          <p:nvPr>
-            <p:ph type="title"/>
-          </p:nvPr>
-        </p:nvSpPr>
-        <p:spPr>
-          <a:xfrm>
-            <a:off x="685799" y="764373"/>
-            <a:ext cx="6848855" cy="1293028"/>
-          </a:xfrm>
-        </p:spPr>
-        <p:txBody>
-          <a:bodyPr vert="horz" lIns="91440" tIns="45720" rIns="91440" bIns="45720" rtlCol="0" anchor="ctr">
-            <a:normAutofit/>
-          </a:bodyPr>
-          <a:lstStyle/>
-          <a:p>
-            <a:r>
-              <a:rPr lang="en-US" dirty="0"/>
-              <a:t>Machine Learning </a:t>
-            </a:r>
-          </a:p>
-        </p:txBody>
-      </p:sp>
-      <p:sp>
-        <p:nvSpPr>
-          <p:cNvPr id="5" name="TextBox 4">
-            <a:extLst>
-              <a:ext uri="{FF2B5EF4-FFF2-40B4-BE49-F238E27FC236}">
-                <a16:creationId xmlns:a16="http://schemas.microsoft.com/office/drawing/2014/main" id="{95AA11A9-8958-4F48-92B0-104D7CCC10ED}"/>
+                <a16:creationId xmlns:a16="http://schemas.microsoft.com/office/drawing/2014/main" id="{B492F949-5DE5-46D5-9F7F-2A6F10692F06}"/>
               </a:ext>
             </a:extLst>
           </p:cNvPr>
@@ -8882,138 +10529,137 @@
         </p:nvSpPr>
         <p:spPr>
           <a:xfrm>
-            <a:off x="685800" y="2194560"/>
-            <a:ext cx="6848854" cy="4024125"/>
+            <a:off x="-209699" y="1680878"/>
+            <a:ext cx="8364790" cy="2062103"/>
           </a:xfrm>
           <a:prstGeom prst="rect">
             <a:avLst/>
           </a:prstGeom>
-        </p:spPr>
-        <p:txBody>
-          <a:bodyPr vert="horz" lIns="91440" tIns="45720" rIns="91440" bIns="45720" rtlCol="0">
-            <a:normAutofit/>
+          <a:noFill/>
+        </p:spPr>
+        <p:txBody>
+          <a:bodyPr wrap="none" rtlCol="0">
+            <a:spAutoFit/>
           </a:bodyPr>
           <a:lstStyle/>
           <a:p>
-            <a:pPr indent="-228600" defTabSz="914400">
-              <a:lnSpc>
-                <a:spcPct val="90000"/>
-              </a:lnSpc>
-              <a:spcAft>
-                <a:spcPts val="600"/>
-              </a:spcAft>
+            <a:pPr lvl="1"/>
+            <a:r>
+              <a:rPr lang="en-US" sz="2000" b="1" dirty="0"/>
+              <a:t>Task: Create Battle Engine</a:t>
+            </a:r>
+          </a:p>
+          <a:p>
+            <a:pPr marL="1200150" lvl="2" indent="-285750">
               <a:buFont typeface="Arial" panose="020B0604020202020204" pitchFamily="34" charset="0"/>
               <a:buChar char="•"/>
             </a:pPr>
             <a:r>
               <a:rPr lang="en-US" dirty="0"/>
-              <a:t>ML algorithm to predict type based on inputted stats </a:t>
-            </a:r>
-            <a:endParaRPr lang="en-US"/>
-          </a:p>
-          <a:p>
-            <a:pPr indent="-228600" defTabSz="914400">
-              <a:lnSpc>
-                <a:spcPct val="90000"/>
-              </a:lnSpc>
-              <a:spcAft>
-                <a:spcPts val="600"/>
-              </a:spcAft>
+              <a:t>Initial idea was a complex formula in Python</a:t>
+            </a:r>
+          </a:p>
+          <a:p>
+            <a:pPr marL="1200150" lvl="2" indent="-285750">
               <a:buFont typeface="Arial" panose="020B0604020202020204" pitchFamily="34" charset="0"/>
               <a:buChar char="•"/>
             </a:pPr>
-            <a:endParaRPr lang="en-US"/>
-          </a:p>
-          <a:p>
-            <a:pPr indent="-228600" defTabSz="914400">
-              <a:lnSpc>
-                <a:spcPct val="90000"/>
-              </a:lnSpc>
-              <a:spcAft>
-                <a:spcPts val="600"/>
-              </a:spcAft>
+            <a:r>
+              <a:rPr lang="en-US" dirty="0"/>
+              <a:t>Running out of time – had to pivot to a more basic algorithm</a:t>
+            </a:r>
+          </a:p>
+          <a:p>
+            <a:pPr marL="1200150" lvl="2" indent="-285750">
               <a:buFont typeface="Arial" panose="020B0604020202020204" pitchFamily="34" charset="0"/>
               <a:buChar char="•"/>
             </a:pPr>
-            <a:endParaRPr lang="en-US"/>
-          </a:p>
-          <a:p>
-            <a:pPr indent="-228600" defTabSz="914400">
-              <a:lnSpc>
-                <a:spcPct val="90000"/>
-              </a:lnSpc>
-              <a:spcAft>
-                <a:spcPts val="600"/>
-              </a:spcAft>
+            <a:r>
+              <a:rPr lang="en-US" dirty="0"/>
+              <a:t>Created variables for attacking and defending based on stats</a:t>
+            </a:r>
+          </a:p>
+          <a:p>
+            <a:pPr marL="1200150" lvl="2" indent="-285750">
               <a:buFont typeface="Arial" panose="020B0604020202020204" pitchFamily="34" charset="0"/>
               <a:buChar char="•"/>
             </a:pPr>
-            <a:endParaRPr lang="en-US"/>
-          </a:p>
-          <a:p>
-            <a:pPr indent="-228600" defTabSz="914400">
-              <a:lnSpc>
-                <a:spcPct val="90000"/>
-              </a:lnSpc>
-              <a:spcAft>
-                <a:spcPts val="600"/>
-              </a:spcAft>
+            <a:r>
+              <a:rPr lang="en-US" dirty="0"/>
+              <a:t>Created formula to calculate a score between two </a:t>
+            </a:r>
+            <a:r>
+              <a:rPr lang="en-US" dirty="0" err="1"/>
+              <a:t>pokemon</a:t>
+            </a:r>
+            <a:endParaRPr lang="en-US" dirty="0"/>
+          </a:p>
+          <a:p>
+            <a:pPr marL="1657350" lvl="3" indent="-285750">
               <a:buFont typeface="Arial" panose="020B0604020202020204" pitchFamily="34" charset="0"/>
               <a:buChar char="•"/>
             </a:pPr>
-            <a:endParaRPr lang="en-US"/>
-          </a:p>
-          <a:p>
-            <a:pPr indent="-228600" defTabSz="914400">
-              <a:lnSpc>
-                <a:spcPct val="90000"/>
-              </a:lnSpc>
-              <a:spcAft>
-                <a:spcPts val="600"/>
-              </a:spcAft>
+            <a:r>
+              <a:rPr lang="en-US" dirty="0"/>
+              <a:t>If score was positive, first listed </a:t>
+            </a:r>
+            <a:r>
+              <a:rPr lang="en-US" dirty="0" err="1"/>
+              <a:t>pokemon</a:t>
+            </a:r>
+            <a:r>
+              <a:rPr lang="en-US" dirty="0"/>
+              <a:t> (Name) won (1)</a:t>
+            </a:r>
+          </a:p>
+          <a:p>
+            <a:pPr marL="1200150" lvl="2" indent="-285750">
               <a:buFont typeface="Arial" panose="020B0604020202020204" pitchFamily="34" charset="0"/>
               <a:buChar char="•"/>
             </a:pPr>
             <a:r>
-              <a:rPr lang="en-US" dirty="0"/>
-              <a:t>Types are not defined by stat thresholds </a:t>
-            </a:r>
-            <a:endParaRPr lang="en-US"/>
-          </a:p>
-          <a:p>
-            <a:pPr indent="-228600" defTabSz="914400">
-              <a:lnSpc>
-                <a:spcPct val="90000"/>
-              </a:lnSpc>
-              <a:spcAft>
-                <a:spcPts val="600"/>
-              </a:spcAft>
-              <a:buFont typeface="Arial" panose="020B0604020202020204" pitchFamily="34" charset="0"/>
-              <a:buChar char="•"/>
-            </a:pPr>
-            <a:endParaRPr lang="en-US"/>
-          </a:p>
-          <a:p>
-            <a:pPr indent="-228600" defTabSz="914400">
-              <a:lnSpc>
-                <a:spcPct val="90000"/>
-              </a:lnSpc>
-              <a:spcAft>
-                <a:spcPts val="600"/>
-              </a:spcAft>
-              <a:buFont typeface="Arial" panose="020B0604020202020204" pitchFamily="34" charset="0"/>
-              <a:buChar char="•"/>
-            </a:pPr>
-            <a:endParaRPr lang="en-US"/>
+              <a:rPr lang="en-US" i="1" dirty="0"/>
+              <a:t>Tools: Excel &amp; SQL</a:t>
+            </a:r>
           </a:p>
         </p:txBody>
       </p:sp>
       <p:pic>
         <p:nvPicPr>
-          <p:cNvPr id="7" name="Picture 6">
+          <p:cNvPr id="8" name="Picture 7">
             <a:extLst>
               <a:ext uri="{FF2B5EF4-FFF2-40B4-BE49-F238E27FC236}">
-                <a16:creationId xmlns:a16="http://schemas.microsoft.com/office/drawing/2014/main" id="{4A39D4F0-5749-410A-B90C-C5187A9AAEC6}"/>
+                <a16:creationId xmlns:a16="http://schemas.microsoft.com/office/drawing/2014/main" id="{A0EFA23B-6A1C-4547-BF4E-10DC39B3BAE7}"/>
+              </a:ext>
+            </a:extLst>
+          </p:cNvPr>
+          <p:cNvPicPr>
+            <a:picLocks noChangeAspect="1"/>
+          </p:cNvPicPr>
+          <p:nvPr/>
+        </p:nvPicPr>
+        <p:blipFill>
+          <a:blip r:embed="rId2"/>
+          <a:stretch>
+            <a:fillRect/>
+          </a:stretch>
+        </p:blipFill>
+        <p:spPr>
+          <a:xfrm>
+            <a:off x="355270" y="3793993"/>
+            <a:ext cx="6347188" cy="2714626"/>
+          </a:xfrm>
+          <a:prstGeom prst="rect">
+            <a:avLst/>
+          </a:prstGeom>
+        </p:spPr>
+      </p:pic>
+      <p:pic>
+        <p:nvPicPr>
+          <p:cNvPr id="10" name="Picture 9">
+            <a:extLst>
+              <a:ext uri="{FF2B5EF4-FFF2-40B4-BE49-F238E27FC236}">
+                <a16:creationId xmlns:a16="http://schemas.microsoft.com/office/drawing/2014/main" id="{E0B2D908-7D66-4CE2-A09A-10B1216F5DB1}"/>
               </a:ext>
             </a:extLst>
           </p:cNvPr>
@@ -9030,70 +10676,8 @@
         </p:blipFill>
         <p:spPr>
           <a:xfrm>
-            <a:off x="8283501" y="714341"/>
-            <a:ext cx="2778946" cy="1945262"/>
-          </a:xfrm>
-          <a:prstGeom prst="rect">
-            <a:avLst/>
-          </a:prstGeom>
-        </p:spPr>
-      </p:pic>
-      <p:pic>
-        <p:nvPicPr>
-          <p:cNvPr id="4" name="Content Placeholder 3">
-            <a:extLst>
-              <a:ext uri="{FF2B5EF4-FFF2-40B4-BE49-F238E27FC236}">
-                <a16:creationId xmlns:a16="http://schemas.microsoft.com/office/drawing/2014/main" id="{9496508E-25B9-4865-9997-A9E028D4A19D}"/>
-              </a:ext>
-            </a:extLst>
-          </p:cNvPr>
-          <p:cNvPicPr>
-            <a:picLocks noGrp="1" noChangeAspect="1"/>
-          </p:cNvPicPr>
-          <p:nvPr>
-            <p:ph idx="1"/>
-          </p:nvPr>
-        </p:nvPicPr>
-        <p:blipFill>
-          <a:blip r:embed="rId4"/>
-          <a:stretch>
-            <a:fillRect/>
-          </a:stretch>
-        </p:blipFill>
-        <p:spPr>
-          <a:xfrm>
-            <a:off x="7568502" y="2918012"/>
-            <a:ext cx="4016408" cy="1652319"/>
-          </a:xfrm>
-          <a:prstGeom prst="rect">
-            <a:avLst/>
-          </a:prstGeom>
-        </p:spPr>
-      </p:pic>
-      <p:pic>
-        <p:nvPicPr>
-          <p:cNvPr id="8" name="Picture 7">
-            <a:extLst>
-              <a:ext uri="{FF2B5EF4-FFF2-40B4-BE49-F238E27FC236}">
-                <a16:creationId xmlns:a16="http://schemas.microsoft.com/office/drawing/2014/main" id="{806775FE-01CF-4D8D-8A27-1C05571D8D36}"/>
-              </a:ext>
-            </a:extLst>
-          </p:cNvPr>
-          <p:cNvPicPr>
-            <a:picLocks noChangeAspect="1"/>
-          </p:cNvPicPr>
-          <p:nvPr/>
-        </p:nvPicPr>
-        <p:blipFill>
-          <a:blip r:embed="rId5"/>
-          <a:stretch>
-            <a:fillRect/>
-          </a:stretch>
-        </p:blipFill>
-        <p:spPr>
-          <a:xfrm>
-            <a:off x="6650177" y="4741535"/>
-            <a:ext cx="5257462" cy="1945261"/>
+            <a:off x="7044545" y="3796495"/>
+            <a:ext cx="4792185" cy="2712124"/>
           </a:xfrm>
           <a:prstGeom prst="rect">
             <a:avLst/>
@@ -9103,7 +10687,7 @@
     </p:spTree>
     <p:extLst>
       <p:ext uri="{BB962C8B-B14F-4D97-AF65-F5344CB8AC3E}">
-        <p14:creationId xmlns:p14="http://schemas.microsoft.com/office/powerpoint/2010/main" val="2577681972"/>
+        <p14:creationId xmlns:p14="http://schemas.microsoft.com/office/powerpoint/2010/main" val="3611237575"/>
       </p:ext>
     </p:extLst>
   </p:cSld>
@@ -9130,12 +10714,107 @@
           <a:chExt cx="0" cy="0"/>
         </a:xfrm>
       </p:grpSpPr>
+      <p:sp>
+        <p:nvSpPr>
+          <p:cNvPr id="2" name="Title 1">
+            <a:extLst>
+              <a:ext uri="{FF2B5EF4-FFF2-40B4-BE49-F238E27FC236}">
+                <a16:creationId xmlns:a16="http://schemas.microsoft.com/office/drawing/2014/main" id="{E5D37803-93FD-47DD-AEA7-4BE8CCEA35C8}"/>
+              </a:ext>
+            </a:extLst>
+          </p:cNvPr>
+          <p:cNvSpPr>
+            <a:spLocks noGrp="1"/>
+          </p:cNvSpPr>
+          <p:nvPr>
+            <p:ph type="title"/>
+          </p:nvPr>
+        </p:nvSpPr>
+        <p:spPr/>
+        <p:txBody>
+          <a:bodyPr/>
+          <a:lstStyle/>
+          <a:p>
+            <a:r>
+              <a:rPr lang="en-US" dirty="0"/>
+              <a:t>Machine Learning</a:t>
+            </a:r>
+            <a:br>
+              <a:rPr lang="en-US" dirty="0"/>
+            </a:br>
+            <a:r>
+              <a:rPr lang="en-US" dirty="0" err="1"/>
+              <a:t>PokeBattles</a:t>
+            </a:r>
+            <a:r>
+              <a:rPr lang="en-US" dirty="0"/>
+              <a:t>: Phase 3 </a:t>
+            </a:r>
+          </a:p>
+        </p:txBody>
+      </p:sp>
+      <p:sp>
+        <p:nvSpPr>
+          <p:cNvPr id="4" name="TextBox 3">
+            <a:extLst>
+              <a:ext uri="{FF2B5EF4-FFF2-40B4-BE49-F238E27FC236}">
+                <a16:creationId xmlns:a16="http://schemas.microsoft.com/office/drawing/2014/main" id="{B492F949-5DE5-46D5-9F7F-2A6F10692F06}"/>
+              </a:ext>
+            </a:extLst>
+          </p:cNvPr>
+          <p:cNvSpPr txBox="1"/>
+          <p:nvPr/>
+        </p:nvSpPr>
+        <p:spPr>
+          <a:xfrm>
+            <a:off x="0" y="1815657"/>
+            <a:ext cx="6830716" cy="954107"/>
+          </a:xfrm>
+          <a:prstGeom prst="rect">
+            <a:avLst/>
+          </a:prstGeom>
+          <a:noFill/>
+        </p:spPr>
+        <p:txBody>
+          <a:bodyPr wrap="none" rtlCol="0">
+            <a:spAutoFit/>
+          </a:bodyPr>
+          <a:lstStyle/>
+          <a:p>
+            <a:pPr lvl="1"/>
+            <a:r>
+              <a:rPr lang="en-US" sz="2000" b="1" dirty="0"/>
+              <a:t>Task: Create &amp; Test Machine Learning</a:t>
+            </a:r>
+          </a:p>
+          <a:p>
+            <a:pPr marL="1200150" lvl="2" indent="-285750">
+              <a:buFont typeface="Arial" panose="020B0604020202020204" pitchFamily="34" charset="0"/>
+              <a:buChar char="•"/>
+            </a:pPr>
+            <a:r>
+              <a:rPr lang="en-US" dirty="0"/>
+              <a:t>Logistic regression: predict winner based on stats</a:t>
+            </a:r>
+          </a:p>
+          <a:p>
+            <a:pPr marL="1200150" lvl="2" indent="-285750">
+              <a:buFont typeface="Arial" panose="020B0604020202020204" pitchFamily="34" charset="0"/>
+              <a:buChar char="•"/>
+            </a:pPr>
+            <a:r>
+              <a:rPr lang="en-US" i="1" dirty="0"/>
+              <a:t>Tools: Python &amp; SQL</a:t>
+            </a:r>
+          </a:p>
+        </p:txBody>
+      </p:sp>
       <p:pic>
         <p:nvPicPr>
-          <p:cNvPr id="17" name="Picture 16" descr="A picture containing vector graphics&#10;&#10;Description automatically generated">
+          <p:cNvPr id="8" name="Picture 7">
             <a:extLst>
               <a:ext uri="{FF2B5EF4-FFF2-40B4-BE49-F238E27FC236}">
-                <a16:creationId xmlns:a16="http://schemas.microsoft.com/office/drawing/2014/main" id="{D543B701-E33F-482C-876D-186407F34FF9}"/>
+                <a16:creationId xmlns:a16="http://schemas.microsoft.com/office/drawing/2014/main" id="{D56539D9-951F-4EFF-8F0B-6DACB7FE5D17}"/>
               </a:ext>
             </a:extLst>
           </p:cNvPr>
@@ -9144,110 +10823,27 @@
           </p:cNvPicPr>
           <p:nvPr/>
         </p:nvPicPr>
-        <p:blipFill>
-          <a:blip r:embed="rId2">
-            <a:extLst>
-              <a:ext uri="{28A0092B-C50C-407E-A947-70E740481C1C}">
-                <a14:useLocalDpi xmlns:a14="http://schemas.microsoft.com/office/drawing/2010/main" val="0"/>
-              </a:ext>
-            </a:extLst>
-          </a:blip>
-          <a:stretch>
-            <a:fillRect/>
-          </a:stretch>
+        <p:blipFill rotWithShape="1">
+          <a:blip r:embed="rId2"/>
+          <a:srcRect r="13258"/>
+          <a:stretch/>
         </p:blipFill>
         <p:spPr>
           <a:xfrm>
-            <a:off x="827616" y="6466036"/>
-            <a:ext cx="231181" cy="222801"/>
+            <a:off x="465056" y="2873849"/>
+            <a:ext cx="5106186" cy="3874614"/>
           </a:xfrm>
           <a:prstGeom prst="rect">
             <a:avLst/>
           </a:prstGeom>
         </p:spPr>
       </p:pic>
-      <p:sp>
-        <p:nvSpPr>
-          <p:cNvPr id="2" name="Title 1">
+      <p:pic>
+        <p:nvPicPr>
+          <p:cNvPr id="10" name="Picture 9">
             <a:extLst>
               <a:ext uri="{FF2B5EF4-FFF2-40B4-BE49-F238E27FC236}">
-                <a16:creationId xmlns:a16="http://schemas.microsoft.com/office/drawing/2014/main" id="{02A61E0E-092E-481F-8A70-1A1A1EFB372F}"/>
-              </a:ext>
-            </a:extLst>
-          </p:cNvPr>
-          <p:cNvSpPr>
-            <a:spLocks noGrp="1"/>
-          </p:cNvSpPr>
-          <p:nvPr>
-            <p:ph type="title"/>
-          </p:nvPr>
-        </p:nvSpPr>
-        <p:spPr>
-          <a:xfrm>
-            <a:off x="2962712" y="605622"/>
-            <a:ext cx="8610600" cy="1293028"/>
-          </a:xfrm>
-        </p:spPr>
-        <p:txBody>
-          <a:bodyPr/>
-          <a:lstStyle/>
-          <a:p>
-            <a:r>
-              <a:rPr lang="en-US" dirty="0"/>
-              <a:t>Lost Battles</a:t>
-            </a:r>
-            <a:br>
-              <a:rPr lang="en-US" dirty="0"/>
-            </a:br>
-            <a:r>
-              <a:rPr lang="en-US" dirty="0"/>
-              <a:t>Trials &amp; Tribulations</a:t>
-            </a:r>
-          </a:p>
-        </p:txBody>
-      </p:sp>
-      <p:sp>
-        <p:nvSpPr>
-          <p:cNvPr id="3" name="Content Placeholder 2">
-            <a:extLst>
-              <a:ext uri="{FF2B5EF4-FFF2-40B4-BE49-F238E27FC236}">
-                <a16:creationId xmlns:a16="http://schemas.microsoft.com/office/drawing/2014/main" id="{8441EDFC-EC21-4D54-9BD6-590B5906B47D}"/>
-              </a:ext>
-            </a:extLst>
-          </p:cNvPr>
-          <p:cNvSpPr>
-            <a:spLocks noGrp="1"/>
-          </p:cNvSpPr>
-          <p:nvPr>
-            <p:ph idx="1"/>
-          </p:nvPr>
-        </p:nvSpPr>
-        <p:spPr>
-          <a:xfrm>
-            <a:off x="677411" y="1974151"/>
-            <a:ext cx="10549218" cy="3433109"/>
-          </a:xfrm>
-        </p:spPr>
-        <p:txBody>
-          <a:bodyPr/>
-          <a:lstStyle/>
-          <a:p>
-            <a:pPr marL="0" indent="0">
-              <a:buNone/>
-            </a:pPr>
-            <a:endParaRPr lang="en-US" dirty="0"/>
-          </a:p>
-          <a:p>
-            <a:endParaRPr lang="en-US" dirty="0"/>
-          </a:p>
-        </p:txBody>
-      </p:sp>
-      <p:pic>
-        <p:nvPicPr>
-          <p:cNvPr id="4" name="Picture 3">
-            <a:extLst>
-              <a:ext uri="{FF2B5EF4-FFF2-40B4-BE49-F238E27FC236}">
-                <a16:creationId xmlns:a16="http://schemas.microsoft.com/office/drawing/2014/main" id="{BBF34D38-0CB1-4318-9A7C-2E4F39EDEF77}"/>
+                <a16:creationId xmlns:a16="http://schemas.microsoft.com/office/drawing/2014/main" id="{4660BA03-A4D2-4F73-842F-0A68128F032A}"/>
               </a:ext>
             </a:extLst>
           </p:cNvPr>
@@ -9256,16 +10852,15 @@
           </p:cNvPicPr>
           <p:nvPr/>
         </p:nvPicPr>
-        <p:blipFill>
+        <p:blipFill rotWithShape="1">
           <a:blip r:embed="rId3"/>
-          <a:stretch>
-            <a:fillRect/>
-          </a:stretch>
+          <a:srcRect r="33726"/>
+          <a:stretch/>
         </p:blipFill>
         <p:spPr>
           <a:xfrm>
-            <a:off x="0" y="5693555"/>
-            <a:ext cx="1104572" cy="1102044"/>
+            <a:off x="6096000" y="4055703"/>
+            <a:ext cx="5630944" cy="2692760"/>
           </a:xfrm>
           <a:prstGeom prst="rect">
             <a:avLst/>
@@ -9274,101 +10869,81 @@
       </p:pic>
       <p:sp>
         <p:nvSpPr>
-          <p:cNvPr id="5" name="AutoShape 2">
+          <p:cNvPr id="11" name="TextBox 10">
             <a:extLst>
               <a:ext uri="{FF2B5EF4-FFF2-40B4-BE49-F238E27FC236}">
-                <a16:creationId xmlns:a16="http://schemas.microsoft.com/office/drawing/2014/main" id="{B9ECE84C-DBED-4331-8A04-ED31673FDED6}"/>
+                <a16:creationId xmlns:a16="http://schemas.microsoft.com/office/drawing/2014/main" id="{7E5267BD-C1E3-4583-B96B-62CAA7C38A70}"/>
               </a:ext>
             </a:extLst>
           </p:cNvPr>
-          <p:cNvSpPr>
-            <a:spLocks noChangeAspect="1" noChangeArrowheads="1"/>
-          </p:cNvSpPr>
+          <p:cNvSpPr txBox="1"/>
           <p:nvPr/>
         </p:nvSpPr>
-        <p:spPr bwMode="auto">
-          <a:xfrm>
-            <a:off x="5943600" y="3276600"/>
-            <a:ext cx="304800" cy="304800"/>
+        <p:spPr>
+          <a:xfrm>
+            <a:off x="5468462" y="2997511"/>
+            <a:ext cx="6612708" cy="923330"/>
           </a:xfrm>
           <a:prstGeom prst="rect">
             <a:avLst/>
           </a:prstGeom>
           <a:noFill/>
-          <a:extLst>
-            <a:ext uri="{909E8E84-426E-40DD-AFC4-6F175D3DCCD1}">
-              <a14:hiddenFill xmlns:a14="http://schemas.microsoft.com/office/drawing/2010/main">
-                <a:solidFill>
-                  <a:srgbClr val="FFFFFF"/>
-                </a:solidFill>
-              </a14:hiddenFill>
-            </a:ext>
-          </a:extLst>
-        </p:spPr>
-        <p:txBody>
-          <a:bodyPr vert="horz" wrap="square" lIns="91440" tIns="45720" rIns="91440" bIns="45720" numCol="1" anchor="t" anchorCtr="0" compatLnSpc="1">
-            <a:prstTxWarp prst="textNoShape">
-              <a:avLst/>
-            </a:prstTxWarp>
+        </p:spPr>
+        <p:txBody>
+          <a:bodyPr wrap="none" rtlCol="0">
+            <a:spAutoFit/>
           </a:bodyPr>
           <a:lstStyle/>
           <a:p>
-            <a:endParaRPr lang="en-US"/>
-          </a:p>
-        </p:txBody>
-      </p:sp>
-      <p:pic>
-        <p:nvPicPr>
-          <p:cNvPr id="7" name="Picture 6">
-            <a:extLst>
-              <a:ext uri="{FF2B5EF4-FFF2-40B4-BE49-F238E27FC236}">
-                <a16:creationId xmlns:a16="http://schemas.microsoft.com/office/drawing/2014/main" id="{F1444BFA-8C75-4BD8-91FD-5230443E3CC2}"/>
-              </a:ext>
-            </a:extLst>
-          </p:cNvPr>
-          <p:cNvPicPr>
-            <a:picLocks noChangeAspect="1"/>
-          </p:cNvPicPr>
-          <p:nvPr/>
-        </p:nvPicPr>
-        <p:blipFill>
-          <a:blip r:embed="rId4"/>
-          <a:stretch>
-            <a:fillRect/>
-          </a:stretch>
-        </p:blipFill>
-        <p:spPr>
-          <a:xfrm>
-            <a:off x="5667935" y="2330796"/>
-            <a:ext cx="6205818" cy="3219611"/>
-          </a:xfrm>
-          <a:prstGeom prst="rect">
-            <a:avLst/>
-          </a:prstGeom>
-        </p:spPr>
-      </p:pic>
+            <a:pPr marL="1200150" lvl="2" indent="-285750">
+              <a:buFont typeface="Arial" panose="020B0604020202020204" pitchFamily="34" charset="0"/>
+              <a:buChar char="•"/>
+            </a:pPr>
+            <a:r>
+              <a:rPr lang="en-US" dirty="0"/>
+              <a:t>Imported updated csv &amp; converted to df</a:t>
+            </a:r>
+          </a:p>
+          <a:p>
+            <a:pPr marL="1200150" lvl="2" indent="-285750">
+              <a:buFont typeface="Arial" panose="020B0604020202020204" pitchFamily="34" charset="0"/>
+              <a:buChar char="•"/>
+            </a:pPr>
+            <a:r>
+              <a:rPr lang="en-US" dirty="0"/>
+              <a:t>Created X &amp; y variables for logistic regression</a:t>
+            </a:r>
+          </a:p>
+          <a:p>
+            <a:pPr marL="1200150" lvl="2" indent="-285750">
+              <a:buFont typeface="Arial" panose="020B0604020202020204" pitchFamily="34" charset="0"/>
+              <a:buChar char="•"/>
+            </a:pPr>
+            <a:r>
+              <a:rPr lang="en-US" dirty="0"/>
+              <a:t>Used </a:t>
+            </a:r>
+            <a:r>
+              <a:rPr lang="en-US" dirty="0" err="1"/>
+              <a:t>sklearn</a:t>
+            </a:r>
+            <a:r>
+              <a:rPr lang="en-US" dirty="0"/>
+              <a:t> to run logistic regression</a:t>
+            </a:r>
+          </a:p>
+        </p:txBody>
+      </p:sp>
     </p:spTree>
     <p:extLst>
       <p:ext uri="{BB962C8B-B14F-4D97-AF65-F5344CB8AC3E}">
-        <p14:creationId xmlns:p14="http://schemas.microsoft.com/office/powerpoint/2010/main" val="3567782682"/>
+        <p14:creationId xmlns:p14="http://schemas.microsoft.com/office/powerpoint/2010/main" val="3964566378"/>
       </p:ext>
     </p:extLst>
   </p:cSld>
   <p:clrMapOvr>
     <a:masterClrMapping/>
   </p:clrMapOvr>
-  <mc:AlternateContent xmlns:mc="http://schemas.openxmlformats.org/markup-compatibility/2006" xmlns:p14="http://schemas.microsoft.com/office/powerpoint/2010/main">
-    <mc:Choice Requires="p14">
-      <p:transition spd="med" p14:dur="700">
-        <p:fade/>
-      </p:transition>
-    </mc:Choice>
-    <mc:Fallback xmlns="">
-      <p:transition spd="med">
-        <p:fade/>
-      </p:transition>
-    </mc:Fallback>
-  </mc:AlternateContent>
 </p:sld>
 </file>
 

--- a/Final Presentation.pptx
+++ b/Final Presentation.pptx
@@ -17,8 +17,7 @@
     <p:sldId id="284" r:id="rId11"/>
     <p:sldId id="285" r:id="rId12"/>
     <p:sldId id="286" r:id="rId13"/>
-    <p:sldId id="266" r:id="rId14"/>
-    <p:sldId id="272" r:id="rId15"/>
+    <p:sldId id="272" r:id="rId14"/>
   </p:sldIdLst>
   <p:sldSz cx="12192000" cy="6858000"/>
   <p:notesSz cx="6858000" cy="9144000"/>
@@ -128,7 +127,7 @@
 <file path=ppt/revisionInfo.xml><?xml version="1.0" encoding="utf-8"?>
 <p1510:revInfo xmlns:a="http://schemas.openxmlformats.org/drawingml/2006/main" xmlns:r="http://schemas.openxmlformats.org/officeDocument/2006/relationships" xmlns:p1510="http://schemas.microsoft.com/office/powerpoint/2015/10/main">
   <p1510:revLst>
-    <p1510:client id="{033E3976-089A-4928-A635-8C492144EEA1}" v="21" dt="2021-06-28T23:34:53.185"/>
+    <p1510:client id="{033E3976-089A-4928-A635-8C492144EEA1}" v="40" dt="2021-06-29T23:20:03.648"/>
     <p1510:client id="{BEBC20AA-7AD3-4761-AB73-7A16737E7810}" v="3" dt="2021-06-29T16:47:49.392"/>
   </p1510:revLst>
 </p1510:revInfo>
@@ -658,12 +657,12 @@
   <pc:docChgLst>
     <pc:chgData name="Daniel Buescher" userId="be4f4dfaf1c4f0c1" providerId="LiveId" clId="{033E3976-089A-4928-A635-8C492144EEA1}"/>
     <pc:docChg chg="undo custSel addSld delSld modSld sldOrd">
-      <pc:chgData name="Daniel Buescher" userId="be4f4dfaf1c4f0c1" providerId="LiveId" clId="{033E3976-089A-4928-A635-8C492144EEA1}" dt="2021-06-28T23:36:40.267" v="1356" actId="313"/>
+      <pc:chgData name="Daniel Buescher" userId="be4f4dfaf1c4f0c1" providerId="LiveId" clId="{033E3976-089A-4928-A635-8C492144EEA1}" dt="2021-06-29T23:24:41.047" v="1705"/>
       <pc:docMkLst>
         <pc:docMk/>
       </pc:docMkLst>
-      <pc:sldChg chg="delSp modSp mod">
-        <pc:chgData name="Daniel Buescher" userId="be4f4dfaf1c4f0c1" providerId="LiveId" clId="{033E3976-089A-4928-A635-8C492144EEA1}" dt="2021-06-26T17:40:05.970" v="108" actId="1076"/>
+      <pc:sldChg chg="delSp modSp mod modTransition">
+        <pc:chgData name="Daniel Buescher" userId="be4f4dfaf1c4f0c1" providerId="LiveId" clId="{033E3976-089A-4928-A635-8C492144EEA1}" dt="2021-06-29T23:14:06.712" v="1361"/>
         <pc:sldMkLst>
           <pc:docMk/>
           <pc:sldMk cId="458590539" sldId="256"/>
@@ -765,8 +764,8 @@
           <pc:sldMk cId="949181976" sldId="265"/>
         </pc:sldMkLst>
       </pc:sldChg>
-      <pc:sldChg chg="addSp modSp mod">
-        <pc:chgData name="Daniel Buescher" userId="be4f4dfaf1c4f0c1" providerId="LiveId" clId="{033E3976-089A-4928-A635-8C492144EEA1}" dt="2021-06-28T22:38:01.105" v="827" actId="1076"/>
+      <pc:sldChg chg="addSp delSp modSp del mod">
+        <pc:chgData name="Daniel Buescher" userId="be4f4dfaf1c4f0c1" providerId="LiveId" clId="{033E3976-089A-4928-A635-8C492144EEA1}" dt="2021-06-29T23:20:19.060" v="1548" actId="47"/>
         <pc:sldMkLst>
           <pc:docMk/>
           <pc:sldMk cId="3874451766" sldId="266"/>
@@ -779,8 +778,24 @@
             <ac:spMk id="3" creationId="{8441EDFC-EC21-4D54-9BD6-590B5906B47D}"/>
           </ac:spMkLst>
         </pc:spChg>
-        <pc:picChg chg="add mod">
-          <ac:chgData name="Daniel Buescher" userId="be4f4dfaf1c4f0c1" providerId="LiveId" clId="{033E3976-089A-4928-A635-8C492144EEA1}" dt="2021-06-28T22:38:01.105" v="827" actId="1076"/>
+        <pc:spChg chg="add del mod">
+          <ac:chgData name="Daniel Buescher" userId="be4f4dfaf1c4f0c1" providerId="LiveId" clId="{033E3976-089A-4928-A635-8C492144EEA1}" dt="2021-06-29T23:19:31.189" v="1537"/>
+          <ac:spMkLst>
+            <pc:docMk/>
+            <pc:sldMk cId="3874451766" sldId="266"/>
+            <ac:spMk id="5" creationId="{58FC140D-9698-444B-88DB-D3BEBD50B8C8}"/>
+          </ac:spMkLst>
+        </pc:spChg>
+        <pc:spChg chg="add del mod">
+          <ac:chgData name="Daniel Buescher" userId="be4f4dfaf1c4f0c1" providerId="LiveId" clId="{033E3976-089A-4928-A635-8C492144EEA1}" dt="2021-06-29T23:19:48.416" v="1540"/>
+          <ac:spMkLst>
+            <pc:docMk/>
+            <pc:sldMk cId="3874451766" sldId="266"/>
+            <ac:spMk id="7" creationId="{7D1BDE5E-957C-442E-965B-02D7108700D6}"/>
+          </ac:spMkLst>
+        </pc:spChg>
+        <pc:picChg chg="add del mod">
+          <ac:chgData name="Daniel Buescher" userId="be4f4dfaf1c4f0c1" providerId="LiveId" clId="{033E3976-089A-4928-A635-8C492144EEA1}" dt="2021-06-29T23:20:01.748" v="1542" actId="21"/>
           <ac:picMkLst>
             <pc:docMk/>
             <pc:sldMk cId="3874451766" sldId="266"/>
@@ -818,8 +833,8 @@
           </ac:spMkLst>
         </pc:spChg>
       </pc:sldChg>
-      <pc:sldChg chg="modSp new mod">
-        <pc:chgData name="Daniel Buescher" userId="be4f4dfaf1c4f0c1" providerId="LiveId" clId="{033E3976-089A-4928-A635-8C492144EEA1}" dt="2021-06-28T22:44:42.434" v="1163"/>
+      <pc:sldChg chg="modSp new mod modTransition">
+        <pc:chgData name="Daniel Buescher" userId="be4f4dfaf1c4f0c1" providerId="LiveId" clId="{033E3976-089A-4928-A635-8C492144EEA1}" dt="2021-06-29T23:14:12.737" v="1363"/>
         <pc:sldMkLst>
           <pc:docMk/>
           <pc:sldMk cId="3501987123" sldId="268"/>
@@ -862,8 +877,8 @@
           <pc:sldMk cId="1829544758" sldId="269"/>
         </pc:sldMkLst>
       </pc:sldChg>
-      <pc:sldChg chg="addSp delSp modSp new mod">
-        <pc:chgData name="Daniel Buescher" userId="be4f4dfaf1c4f0c1" providerId="LiveId" clId="{033E3976-089A-4928-A635-8C492144EEA1}" dt="2021-06-28T22:45:30.013" v="1226" actId="20577"/>
+      <pc:sldChg chg="addSp delSp modSp new mod modTransition">
+        <pc:chgData name="Daniel Buescher" userId="be4f4dfaf1c4f0c1" providerId="LiveId" clId="{033E3976-089A-4928-A635-8C492144EEA1}" dt="2021-06-29T23:14:16.389" v="1364"/>
         <pc:sldMkLst>
           <pc:docMk/>
           <pc:sldMk cId="3989237146" sldId="269"/>
@@ -955,13 +970,29 @@
         </pc:spChg>
       </pc:sldChg>
       <pc:sldChg chg="addSp delSp modSp add mod">
-        <pc:chgData name="Daniel Buescher" userId="be4f4dfaf1c4f0c1" providerId="LiveId" clId="{033E3976-089A-4928-A635-8C492144EEA1}" dt="2021-06-28T23:35:06.119" v="1268" actId="1076"/>
+        <pc:chgData name="Daniel Buescher" userId="be4f4dfaf1c4f0c1" providerId="LiveId" clId="{033E3976-089A-4928-A635-8C492144EEA1}" dt="2021-06-29T23:21:18.043" v="1680" actId="20577"/>
         <pc:sldMkLst>
           <pc:docMk/>
           <pc:sldMk cId="2191488993" sldId="272"/>
         </pc:sldMkLst>
-        <pc:spChg chg="add mod">
-          <ac:chgData name="Daniel Buescher" userId="be4f4dfaf1c4f0c1" providerId="LiveId" clId="{033E3976-089A-4928-A635-8C492144EEA1}" dt="2021-06-28T23:35:06.119" v="1268" actId="1076"/>
+        <pc:spChg chg="mod">
+          <ac:chgData name="Daniel Buescher" userId="be4f4dfaf1c4f0c1" providerId="LiveId" clId="{033E3976-089A-4928-A635-8C492144EEA1}" dt="2021-06-29T23:20:50.021" v="1570" actId="20577"/>
+          <ac:spMkLst>
+            <pc:docMk/>
+            <pc:sldMk cId="2191488993" sldId="272"/>
+            <ac:spMk id="2" creationId="{02A61E0E-092E-481F-8A70-1A1A1EFB372F}"/>
+          </ac:spMkLst>
+        </pc:spChg>
+        <pc:spChg chg="mod">
+          <ac:chgData name="Daniel Buescher" userId="be4f4dfaf1c4f0c1" providerId="LiveId" clId="{033E3976-089A-4928-A635-8C492144EEA1}" dt="2021-06-29T23:21:18.043" v="1680" actId="20577"/>
+          <ac:spMkLst>
+            <pc:docMk/>
+            <pc:sldMk cId="2191488993" sldId="272"/>
+            <ac:spMk id="3" creationId="{8441EDFC-EC21-4D54-9BD6-590B5906B47D}"/>
+          </ac:spMkLst>
+        </pc:spChg>
+        <pc:spChg chg="add del mod">
+          <ac:chgData name="Daniel Buescher" userId="be4f4dfaf1c4f0c1" providerId="LiveId" clId="{033E3976-089A-4928-A635-8C492144EEA1}" dt="2021-06-29T23:20:43.886" v="1550" actId="478"/>
           <ac:spMkLst>
             <pc:docMk/>
             <pc:sldMk cId="2191488993" sldId="272"/>
@@ -1205,8 +1236,8 @@
           </ac:picMkLst>
         </pc:picChg>
       </pc:sldChg>
-      <pc:sldChg chg="modSp new mod">
-        <pc:chgData name="Daniel Buescher" userId="be4f4dfaf1c4f0c1" providerId="LiveId" clId="{033E3976-089A-4928-A635-8C492144EEA1}" dt="2021-06-28T23:36:40.267" v="1356" actId="313"/>
+      <pc:sldChg chg="modSp new mod modTransition">
+        <pc:chgData name="Daniel Buescher" userId="be4f4dfaf1c4f0c1" providerId="LiveId" clId="{033E3976-089A-4928-A635-8C492144EEA1}" dt="2021-06-29T23:14:03.329" v="1360"/>
         <pc:sldMkLst>
           <pc:docMk/>
           <pc:sldMk cId="1867787595" sldId="277"/>
@@ -1234,6 +1265,134 @@
           <pc:docMk/>
           <pc:sldMk cId="2163521059" sldId="277"/>
         </pc:sldMkLst>
+      </pc:sldChg>
+      <pc:sldChg chg="modSp mod modTransition">
+        <pc:chgData name="Daniel Buescher" userId="be4f4dfaf1c4f0c1" providerId="LiveId" clId="{033E3976-089A-4928-A635-8C492144EEA1}" dt="2021-06-29T23:24:21.554" v="1694" actId="20577"/>
+        <pc:sldMkLst>
+          <pc:docMk/>
+          <pc:sldMk cId="3964566378" sldId="279"/>
+        </pc:sldMkLst>
+        <pc:spChg chg="mod">
+          <ac:chgData name="Daniel Buescher" userId="be4f4dfaf1c4f0c1" providerId="LiveId" clId="{033E3976-089A-4928-A635-8C492144EEA1}" dt="2021-06-29T23:24:21.554" v="1694" actId="20577"/>
+          <ac:spMkLst>
+            <pc:docMk/>
+            <pc:sldMk cId="3964566378" sldId="279"/>
+            <ac:spMk id="2" creationId="{E5D37803-93FD-47DD-AEA7-4BE8CCEA35C8}"/>
+          </ac:spMkLst>
+        </pc:spChg>
+      </pc:sldChg>
+      <pc:sldChg chg="modSp mod modTransition">
+        <pc:chgData name="Daniel Buescher" userId="be4f4dfaf1c4f0c1" providerId="LiveId" clId="{033E3976-089A-4928-A635-8C492144EEA1}" dt="2021-06-29T23:23:59.393" v="1692"/>
+        <pc:sldMkLst>
+          <pc:docMk/>
+          <pc:sldMk cId="3611237575" sldId="280"/>
+        </pc:sldMkLst>
+        <pc:spChg chg="mod">
+          <ac:chgData name="Daniel Buescher" userId="be4f4dfaf1c4f0c1" providerId="LiveId" clId="{033E3976-089A-4928-A635-8C492144EEA1}" dt="2021-06-29T23:23:01.145" v="1686" actId="20577"/>
+          <ac:spMkLst>
+            <pc:docMk/>
+            <pc:sldMk cId="3611237575" sldId="280"/>
+            <ac:spMk id="2" creationId="{E5D37803-93FD-47DD-AEA7-4BE8CCEA35C8}"/>
+          </ac:spMkLst>
+        </pc:spChg>
+        <pc:spChg chg="mod">
+          <ac:chgData name="Daniel Buescher" userId="be4f4dfaf1c4f0c1" providerId="LiveId" clId="{033E3976-089A-4928-A635-8C492144EEA1}" dt="2021-06-29T23:23:59.393" v="1692"/>
+          <ac:spMkLst>
+            <pc:docMk/>
+            <pc:sldMk cId="3611237575" sldId="280"/>
+            <ac:spMk id="4" creationId="{B492F949-5DE5-46D5-9F7F-2A6F10692F06}"/>
+          </ac:spMkLst>
+        </pc:spChg>
+      </pc:sldChg>
+      <pc:sldChg chg="modSp mod modTransition">
+        <pc:chgData name="Daniel Buescher" userId="be4f4dfaf1c4f0c1" providerId="LiveId" clId="{033E3976-089A-4928-A635-8C492144EEA1}" dt="2021-06-29T23:23:20.132" v="1690"/>
+        <pc:sldMkLst>
+          <pc:docMk/>
+          <pc:sldMk cId="2683541900" sldId="281"/>
+        </pc:sldMkLst>
+        <pc:spChg chg="mod">
+          <ac:chgData name="Daniel Buescher" userId="be4f4dfaf1c4f0c1" providerId="LiveId" clId="{033E3976-089A-4928-A635-8C492144EEA1}" dt="2021-06-29T23:23:11.257" v="1688" actId="20577"/>
+          <ac:spMkLst>
+            <pc:docMk/>
+            <pc:sldMk cId="2683541900" sldId="281"/>
+            <ac:spMk id="2" creationId="{E5D37803-93FD-47DD-AEA7-4BE8CCEA35C8}"/>
+          </ac:spMkLst>
+        </pc:spChg>
+        <pc:spChg chg="mod">
+          <ac:chgData name="Daniel Buescher" userId="be4f4dfaf1c4f0c1" providerId="LiveId" clId="{033E3976-089A-4928-A635-8C492144EEA1}" dt="2021-06-29T23:23:20.132" v="1690"/>
+          <ac:spMkLst>
+            <pc:docMk/>
+            <pc:sldMk cId="2683541900" sldId="281"/>
+            <ac:spMk id="4" creationId="{B492F949-5DE5-46D5-9F7F-2A6F10692F06}"/>
+          </ac:spMkLst>
+        </pc:spChg>
+      </pc:sldChg>
+      <pc:sldChg chg="modTransition">
+        <pc:chgData name="Daniel Buescher" userId="be4f4dfaf1c4f0c1" providerId="LiveId" clId="{033E3976-089A-4928-A635-8C492144EEA1}" dt="2021-06-29T23:14:24.721" v="1366"/>
+        <pc:sldMkLst>
+          <pc:docMk/>
+          <pc:sldMk cId="633841904" sldId="282"/>
+        </pc:sldMkLst>
+      </pc:sldChg>
+      <pc:sldChg chg="modTransition">
+        <pc:chgData name="Daniel Buescher" userId="be4f4dfaf1c4f0c1" providerId="LiveId" clId="{033E3976-089A-4928-A635-8C492144EEA1}" dt="2021-06-29T23:14:19.392" v="1365"/>
+        <pc:sldMkLst>
+          <pc:docMk/>
+          <pc:sldMk cId="31228526" sldId="283"/>
+        </pc:sldMkLst>
+      </pc:sldChg>
+      <pc:sldChg chg="modSp mod modTransition">
+        <pc:chgData name="Daniel Buescher" userId="be4f4dfaf1c4f0c1" providerId="LiveId" clId="{033E3976-089A-4928-A635-8C492144EEA1}" dt="2021-06-29T23:24:27.351" v="1696" actId="20577"/>
+        <pc:sldMkLst>
+          <pc:docMk/>
+          <pc:sldMk cId="869623332" sldId="284"/>
+        </pc:sldMkLst>
+        <pc:spChg chg="mod">
+          <ac:chgData name="Daniel Buescher" userId="be4f4dfaf1c4f0c1" providerId="LiveId" clId="{033E3976-089A-4928-A635-8C492144EEA1}" dt="2021-06-29T23:24:27.351" v="1696" actId="20577"/>
+          <ac:spMkLst>
+            <pc:docMk/>
+            <pc:sldMk cId="869623332" sldId="284"/>
+            <ac:spMk id="2" creationId="{E5D37803-93FD-47DD-AEA7-4BE8CCEA35C8}"/>
+          </ac:spMkLst>
+        </pc:spChg>
+      </pc:sldChg>
+      <pc:sldChg chg="addSp modSp mod modTransition">
+        <pc:chgData name="Daniel Buescher" userId="be4f4dfaf1c4f0c1" providerId="LiveId" clId="{033E3976-089A-4928-A635-8C492144EEA1}" dt="2021-06-29T23:24:34.965" v="1704" actId="20577"/>
+        <pc:sldMkLst>
+          <pc:docMk/>
+          <pc:sldMk cId="4247369478" sldId="285"/>
+        </pc:sldMkLst>
+        <pc:spChg chg="mod">
+          <ac:chgData name="Daniel Buescher" userId="be4f4dfaf1c4f0c1" providerId="LiveId" clId="{033E3976-089A-4928-A635-8C492144EEA1}" dt="2021-06-29T23:24:34.965" v="1704" actId="20577"/>
+          <ac:spMkLst>
+            <pc:docMk/>
+            <pc:sldMk cId="4247369478" sldId="285"/>
+            <ac:spMk id="2" creationId="{E5D37803-93FD-47DD-AEA7-4BE8CCEA35C8}"/>
+          </ac:spMkLst>
+        </pc:spChg>
+        <pc:picChg chg="add mod">
+          <ac:chgData name="Daniel Buescher" userId="be4f4dfaf1c4f0c1" providerId="LiveId" clId="{033E3976-089A-4928-A635-8C492144EEA1}" dt="2021-06-29T23:20:12.248" v="1547" actId="14100"/>
+          <ac:picMkLst>
+            <pc:docMk/>
+            <pc:sldMk cId="4247369478" sldId="285"/>
+            <ac:picMk id="5" creationId="{B94C5F53-3900-4B95-B292-017999A7CCB5}"/>
+          </ac:picMkLst>
+        </pc:picChg>
+      </pc:sldChg>
+      <pc:sldChg chg="modSp mod modTransition">
+        <pc:chgData name="Daniel Buescher" userId="be4f4dfaf1c4f0c1" providerId="LiveId" clId="{033E3976-089A-4928-A635-8C492144EEA1}" dt="2021-06-29T23:24:41.047" v="1705"/>
+        <pc:sldMkLst>
+          <pc:docMk/>
+          <pc:sldMk cId="4268751761" sldId="286"/>
+        </pc:sldMkLst>
+        <pc:spChg chg="mod">
+          <ac:chgData name="Daniel Buescher" userId="be4f4dfaf1c4f0c1" providerId="LiveId" clId="{033E3976-089A-4928-A635-8C492144EEA1}" dt="2021-06-29T23:24:41.047" v="1705"/>
+          <ac:spMkLst>
+            <pc:docMk/>
+            <pc:sldMk cId="4268751761" sldId="286"/>
+            <ac:spMk id="4" creationId="{B492F949-5DE5-46D5-9F7F-2A6F10692F06}"/>
+          </ac:spMkLst>
+        </pc:spChg>
       </pc:sldChg>
     </pc:docChg>
   </pc:docChgLst>
@@ -2544,7 +2703,7 @@
           <a:p>
             <a:fld id="{76BA69CB-1466-4EED-AE5E-F8C63754211A}" type="datetimeFigureOut">
               <a:rPr lang="en-US" smtClean="0"/>
-              <a:t>6/28/2021</a:t>
+              <a:t>6/29/2021</a:t>
             </a:fld>
             <a:endParaRPr lang="en-US"/>
           </a:p>
@@ -2811,7 +2970,7 @@
           <a:p>
             <a:fld id="{76BA69CB-1466-4EED-AE5E-F8C63754211A}" type="datetimeFigureOut">
               <a:rPr lang="en-US" smtClean="0"/>
-              <a:t>6/28/2021</a:t>
+              <a:t>6/29/2021</a:t>
             </a:fld>
             <a:endParaRPr lang="en-US"/>
           </a:p>
@@ -3042,7 +3201,7 @@
           <a:p>
             <a:fld id="{76BA69CB-1466-4EED-AE5E-F8C63754211A}" type="datetimeFigureOut">
               <a:rPr lang="en-US" smtClean="0"/>
-              <a:t>6/28/2021</a:t>
+              <a:t>6/29/2021</a:t>
             </a:fld>
             <a:endParaRPr lang="en-US"/>
           </a:p>
@@ -3352,7 +3511,7 @@
           <a:p>
             <a:fld id="{76BA69CB-1466-4EED-AE5E-F8C63754211A}" type="datetimeFigureOut">
               <a:rPr lang="en-US" smtClean="0"/>
-              <a:t>6/28/2021</a:t>
+              <a:t>6/29/2021</a:t>
             </a:fld>
             <a:endParaRPr lang="en-US"/>
           </a:p>
@@ -3825,7 +3984,7 @@
           <a:p>
             <a:fld id="{76BA69CB-1466-4EED-AE5E-F8C63754211A}" type="datetimeFigureOut">
               <a:rPr lang="en-US" smtClean="0"/>
-              <a:t>6/28/2021</a:t>
+              <a:t>6/29/2021</a:t>
             </a:fld>
             <a:endParaRPr lang="en-US"/>
           </a:p>
@@ -4372,7 +4531,7 @@
           <a:p>
             <a:fld id="{76BA69CB-1466-4EED-AE5E-F8C63754211A}" type="datetimeFigureOut">
               <a:rPr lang="en-US" smtClean="0"/>
-              <a:t>6/28/2021</a:t>
+              <a:t>6/29/2021</a:t>
             </a:fld>
             <a:endParaRPr lang="en-US"/>
           </a:p>
@@ -5146,7 +5305,7 @@
           <a:p>
             <a:fld id="{76BA69CB-1466-4EED-AE5E-F8C63754211A}" type="datetimeFigureOut">
               <a:rPr lang="en-US" smtClean="0"/>
-              <a:t>6/28/2021</a:t>
+              <a:t>6/29/2021</a:t>
             </a:fld>
             <a:endParaRPr lang="en-US"/>
           </a:p>
@@ -5321,7 +5480,7 @@
           <a:p>
             <a:fld id="{76BA69CB-1466-4EED-AE5E-F8C63754211A}" type="datetimeFigureOut">
               <a:rPr lang="en-US" smtClean="0"/>
-              <a:t>6/28/2021</a:t>
+              <a:t>6/29/2021</a:t>
             </a:fld>
             <a:endParaRPr lang="en-US"/>
           </a:p>
@@ -5544,7 +5703,7 @@
           <a:p>
             <a:fld id="{76BA69CB-1466-4EED-AE5E-F8C63754211A}" type="datetimeFigureOut">
               <a:rPr lang="en-US" smtClean="0"/>
-              <a:t>6/28/2021</a:t>
+              <a:t>6/29/2021</a:t>
             </a:fld>
             <a:endParaRPr lang="en-US"/>
           </a:p>
@@ -5724,7 +5883,7 @@
           <a:p>
             <a:fld id="{76BA69CB-1466-4EED-AE5E-F8C63754211A}" type="datetimeFigureOut">
               <a:rPr lang="en-US" smtClean="0"/>
-              <a:t>6/28/2021</a:t>
+              <a:t>6/29/2021</a:t>
             </a:fld>
             <a:endParaRPr lang="en-US"/>
           </a:p>
@@ -6013,7 +6172,7 @@
           <a:p>
             <a:fld id="{76BA69CB-1466-4EED-AE5E-F8C63754211A}" type="datetimeFigureOut">
               <a:rPr lang="en-US" smtClean="0"/>
-              <a:t>6/28/2021</a:t>
+              <a:t>6/29/2021</a:t>
             </a:fld>
             <a:endParaRPr lang="en-US"/>
           </a:p>
@@ -6255,7 +6414,7 @@
           <a:p>
             <a:fld id="{76BA69CB-1466-4EED-AE5E-F8C63754211A}" type="datetimeFigureOut">
               <a:rPr lang="en-US" smtClean="0"/>
-              <a:t>6/28/2021</a:t>
+              <a:t>6/29/2021</a:t>
             </a:fld>
             <a:endParaRPr lang="en-US"/>
           </a:p>
@@ -6634,7 +6793,7 @@
           <a:p>
             <a:fld id="{76BA69CB-1466-4EED-AE5E-F8C63754211A}" type="datetimeFigureOut">
               <a:rPr lang="en-US" smtClean="0"/>
-              <a:t>6/28/2021</a:t>
+              <a:t>6/29/2021</a:t>
             </a:fld>
             <a:endParaRPr lang="en-US"/>
           </a:p>
@@ -6752,7 +6911,7 @@
           <a:p>
             <a:fld id="{76BA69CB-1466-4EED-AE5E-F8C63754211A}" type="datetimeFigureOut">
               <a:rPr lang="en-US" smtClean="0"/>
-              <a:t>6/28/2021</a:t>
+              <a:t>6/29/2021</a:t>
             </a:fld>
             <a:endParaRPr lang="en-US"/>
           </a:p>
@@ -6847,7 +7006,7 @@
           <a:p>
             <a:fld id="{76BA69CB-1466-4EED-AE5E-F8C63754211A}" type="datetimeFigureOut">
               <a:rPr lang="en-US" smtClean="0"/>
-              <a:t>6/28/2021</a:t>
+              <a:t>6/29/2021</a:t>
             </a:fld>
             <a:endParaRPr lang="en-US"/>
           </a:p>
@@ -7096,7 +7255,7 @@
           <a:p>
             <a:fld id="{76BA69CB-1466-4EED-AE5E-F8C63754211A}" type="datetimeFigureOut">
               <a:rPr lang="en-US" smtClean="0"/>
-              <a:t>6/28/2021</a:t>
+              <a:t>6/29/2021</a:t>
             </a:fld>
             <a:endParaRPr lang="en-US"/>
           </a:p>
@@ -7353,7 +7512,7 @@
           <a:p>
             <a:fld id="{76BA69CB-1466-4EED-AE5E-F8C63754211A}" type="datetimeFigureOut">
               <a:rPr lang="en-US" smtClean="0"/>
-              <a:t>6/28/2021</a:t>
+              <a:t>6/29/2021</a:t>
             </a:fld>
             <a:endParaRPr lang="en-US"/>
           </a:p>
@@ -7596,7 +7755,7 @@
           <a:p>
             <a:fld id="{76BA69CB-1466-4EED-AE5E-F8C63754211A}" type="datetimeFigureOut">
               <a:rPr lang="en-US" smtClean="0"/>
-              <a:t>6/28/2021</a:t>
+              <a:t>6/29/2021</a:t>
             </a:fld>
             <a:endParaRPr lang="en-US"/>
           </a:p>
@@ -8170,13 +8329,13 @@
   <p:clrMapOvr>
     <a:masterClrMapping/>
   </p:clrMapOvr>
-  <mc:AlternateContent xmlns:mc="http://schemas.openxmlformats.org/markup-compatibility/2006" xmlns:p159="http://schemas.microsoft.com/office/powerpoint/2015/09/main">
-    <mc:Choice Requires="p159">
+  <mc:AlternateContent xmlns:mc="http://schemas.openxmlformats.org/markup-compatibility/2006">
+    <mc:Choice xmlns:p15="http://schemas.microsoft.com/office/powerpoint/2012/main" Requires="p15">
       <p:transition xmlns:p14="http://schemas.microsoft.com/office/powerpoint/2010/main" spd="slow" p14:dur="2000">
-        <p159:morph option="byObject"/>
+        <p15:prstTrans prst="fallOver"/>
       </p:transition>
     </mc:Choice>
-    <mc:Fallback xmlns="">
+    <mc:Fallback>
       <p:transition spd="slow">
         <p:fade/>
       </p:transition>
@@ -8231,12 +8390,12 @@
               <a:rPr lang="en-US" dirty="0"/>
             </a:br>
             <a:r>
-              <a:rPr lang="en-US" dirty="0" err="1"/>
-              <a:t>PokeBattles</a:t>
+              <a:rPr lang="en-US" sz="4000" dirty="0"/>
+              <a:t>Poké-</a:t>
             </a:r>
             <a:r>
               <a:rPr lang="en-US" dirty="0"/>
-              <a:t>: Phase 4.1 </a:t>
+              <a:t>Battles: Phase 4.1 </a:t>
             </a:r>
           </a:p>
         </p:txBody>
@@ -8386,6 +8545,18 @@
   <p:clrMapOvr>
     <a:masterClrMapping/>
   </p:clrMapOvr>
+  <mc:AlternateContent xmlns:mc="http://schemas.openxmlformats.org/markup-compatibility/2006">
+    <mc:Choice xmlns:p15="http://schemas.microsoft.com/office/powerpoint/2012/main" Requires="p15">
+      <p:transition xmlns:p14="http://schemas.microsoft.com/office/powerpoint/2010/main" spd="slow" p14:dur="2000">
+        <p15:prstTrans prst="fallOver"/>
+      </p:transition>
+    </mc:Choice>
+    <mc:Fallback>
+      <p:transition spd="slow">
+        <p:fade/>
+      </p:transition>
+    </mc:Fallback>
+  </mc:AlternateContent>
 </p:sld>
 </file>
 
@@ -8422,7 +8593,12 @@
             <p:ph type="title"/>
           </p:nvPr>
         </p:nvSpPr>
-        <p:spPr/>
+        <p:spPr>
+          <a:xfrm>
+            <a:off x="3003177" y="327673"/>
+            <a:ext cx="8610600" cy="1293028"/>
+          </a:xfrm>
+        </p:spPr>
         <p:txBody>
           <a:bodyPr/>
           <a:lstStyle/>
@@ -8435,12 +8611,12 @@
               <a:rPr lang="en-US" dirty="0"/>
             </a:br>
             <a:r>
-              <a:rPr lang="en-US" dirty="0" err="1"/>
-              <a:t>PokeBattles</a:t>
+              <a:rPr lang="en-US" sz="4000" dirty="0"/>
+              <a:t>Poké-</a:t>
             </a:r>
             <a:r>
               <a:rPr lang="en-US" dirty="0"/>
-              <a:t>: Phase 4.2 </a:t>
+              <a:t>Battles: Phase 4.2 </a:t>
             </a:r>
           </a:p>
         </p:txBody>
@@ -8593,6 +8769,41 @@
           </a:prstGeom>
         </p:spPr>
       </p:pic>
+      <p:pic>
+        <p:nvPicPr>
+          <p:cNvPr id="5" name="Picture 4" descr="A picture containing text&#10;&#10;Description automatically generated">
+            <a:extLst>
+              <a:ext uri="{FF2B5EF4-FFF2-40B4-BE49-F238E27FC236}">
+                <a16:creationId xmlns:a16="http://schemas.microsoft.com/office/drawing/2014/main" id="{B94C5F53-3900-4B95-B292-017999A7CCB5}"/>
+              </a:ext>
+            </a:extLst>
+          </p:cNvPr>
+          <p:cNvPicPr>
+            <a:picLocks noChangeAspect="1"/>
+          </p:cNvPicPr>
+          <p:nvPr/>
+        </p:nvPicPr>
+        <p:blipFill rotWithShape="1">
+          <a:blip r:embed="rId3">
+            <a:extLst>
+              <a:ext uri="{28A0092B-C50C-407E-A947-70E740481C1C}">
+                <a14:useLocalDpi xmlns:a14="http://schemas.microsoft.com/office/drawing/2010/main" val="0"/>
+              </a:ext>
+            </a:extLst>
+          </a:blip>
+          <a:srcRect t="3096"/>
+          <a:stretch/>
+        </p:blipFill>
+        <p:spPr>
+          <a:xfrm>
+            <a:off x="9205417" y="1620701"/>
+            <a:ext cx="2761595" cy="2352275"/>
+          </a:xfrm>
+          <a:prstGeom prst="rect">
+            <a:avLst/>
+          </a:prstGeom>
+        </p:spPr>
+      </p:pic>
     </p:spTree>
     <p:extLst>
       <p:ext uri="{BB962C8B-B14F-4D97-AF65-F5344CB8AC3E}">
@@ -8603,6 +8814,18 @@
   <p:clrMapOvr>
     <a:masterClrMapping/>
   </p:clrMapOvr>
+  <mc:AlternateContent xmlns:mc="http://schemas.openxmlformats.org/markup-compatibility/2006">
+    <mc:Choice xmlns:p15="http://schemas.microsoft.com/office/powerpoint/2012/main" Requires="p15">
+      <p:transition xmlns:p14="http://schemas.microsoft.com/office/powerpoint/2010/main" spd="slow" p14:dur="2000">
+        <p15:prstTrans prst="prestige"/>
+      </p:transition>
+    </mc:Choice>
+    <mc:Fallback>
+      <p:transition spd="slow">
+        <p:fade/>
+      </p:transition>
+    </mc:Fallback>
+  </mc:AlternateContent>
 </p:sld>
 </file>
 
@@ -8716,12 +8939,12 @@
               <a:t>Use Machine Learning to predict type of </a:t>
             </a:r>
             <a:r>
-              <a:rPr lang="en-US" dirty="0" err="1"/>
-              <a:t>Pokemon</a:t>
+              <a:rPr lang="en-US" sz="1800" dirty="0"/>
+              <a:t>Poké</a:t>
             </a:r>
             <a:r>
               <a:rPr lang="en-US" dirty="0"/>
-              <a:t> based on stats</a:t>
+              <a:t>mon based on stats</a:t>
             </a:r>
           </a:p>
           <a:p>
@@ -8848,6 +9071,18 @@
   <p:clrMapOvr>
     <a:masterClrMapping/>
   </p:clrMapOvr>
+  <mc:AlternateContent xmlns:mc="http://schemas.openxmlformats.org/markup-compatibility/2006">
+    <mc:Choice xmlns:p15="http://schemas.microsoft.com/office/powerpoint/2012/main" Requires="p15">
+      <p:transition xmlns:p14="http://schemas.microsoft.com/office/powerpoint/2010/main" spd="slow" p14:dur="2000">
+        <p15:prstTrans prst="prestige"/>
+      </p:transition>
+    </mc:Choice>
+    <mc:Fallback>
+      <p:transition spd="slow">
+        <p:fade/>
+      </p:transition>
+    </mc:Fallback>
+  </mc:AlternateContent>
 </p:sld>
 </file>
 
@@ -8932,14 +9167,7 @@
           <a:p>
             <a:r>
               <a:rPr lang="en-US" dirty="0"/>
-              <a:t>Lost Battles</a:t>
-            </a:r>
-            <a:br>
-              <a:rPr lang="en-US" dirty="0"/>
-            </a:br>
-            <a:r>
-              <a:rPr lang="en-US" dirty="0"/>
-              <a:t>Trials &amp; Tribulations</a:t>
+              <a:t>Other Lost battles</a:t>
             </a:r>
           </a:p>
         </p:txBody>
@@ -8976,7 +9204,22 @@
             <a:endParaRPr lang="en-US" dirty="0"/>
           </a:p>
           <a:p>
+            <a:r>
+              <a:rPr lang="en-US" dirty="0"/>
+              <a:t>Cosmetics/Design </a:t>
+            </a:r>
+          </a:p>
+          <a:p>
             <a:endParaRPr lang="en-US" dirty="0"/>
+          </a:p>
+          <a:p>
+            <a:endParaRPr lang="en-US" dirty="0"/>
+          </a:p>
+          <a:p>
+            <a:r>
+              <a:rPr lang="en-US" dirty="0"/>
+              <a:t>Interactive table of stats-</a:t>
+            </a:r>
           </a:p>
         </p:txBody>
       </p:sp>
@@ -9010,269 +9253,6 @@
           </a:prstGeom>
         </p:spPr>
       </p:pic>
-      <p:pic>
-        <p:nvPicPr>
-          <p:cNvPr id="6" name="Picture 5" descr="A picture containing text&#10;&#10;Description automatically generated">
-            <a:extLst>
-              <a:ext uri="{FF2B5EF4-FFF2-40B4-BE49-F238E27FC236}">
-                <a16:creationId xmlns:a16="http://schemas.microsoft.com/office/drawing/2014/main" id="{6DD5EFF5-8A56-4C40-AACF-85673F1289F3}"/>
-              </a:ext>
-            </a:extLst>
-          </p:cNvPr>
-          <p:cNvPicPr>
-            <a:picLocks noChangeAspect="1"/>
-          </p:cNvPicPr>
-          <p:nvPr/>
-        </p:nvPicPr>
-        <p:blipFill rotWithShape="1">
-          <a:blip r:embed="rId4">
-            <a:extLst>
-              <a:ext uri="{28A0092B-C50C-407E-A947-70E740481C1C}">
-                <a14:useLocalDpi xmlns:a14="http://schemas.microsoft.com/office/drawing/2010/main" val="0"/>
-              </a:ext>
-            </a:extLst>
-          </a:blip>
-          <a:srcRect t="3096"/>
-          <a:stretch/>
-        </p:blipFill>
-        <p:spPr>
-          <a:xfrm>
-            <a:off x="7974315" y="2072081"/>
-            <a:ext cx="3598997" cy="3065558"/>
-          </a:xfrm>
-          <a:prstGeom prst="rect">
-            <a:avLst/>
-          </a:prstGeom>
-        </p:spPr>
-      </p:pic>
-    </p:spTree>
-    <p:extLst>
-      <p:ext uri="{BB962C8B-B14F-4D97-AF65-F5344CB8AC3E}">
-        <p14:creationId xmlns:p14="http://schemas.microsoft.com/office/powerpoint/2010/main" val="3874451766"/>
-      </p:ext>
-    </p:extLst>
-  </p:cSld>
-  <p:clrMapOvr>
-    <a:masterClrMapping/>
-  </p:clrMapOvr>
-  <mc:AlternateContent xmlns:mc="http://schemas.openxmlformats.org/markup-compatibility/2006" xmlns:p14="http://schemas.microsoft.com/office/powerpoint/2010/main">
-    <mc:Choice Requires="p14">
-      <p:transition spd="med" p14:dur="700">
-        <p:fade/>
-      </p:transition>
-    </mc:Choice>
-    <mc:Fallback xmlns="">
-      <p:transition spd="med">
-        <p:fade/>
-      </p:transition>
-    </mc:Fallback>
-  </mc:AlternateContent>
-</p:sld>
-</file>
-
-<file path=ppt/slides/slide14.xml><?xml version="1.0" encoding="utf-8"?>
-<p:sld xmlns:a="http://schemas.openxmlformats.org/drawingml/2006/main" xmlns:r="http://schemas.openxmlformats.org/officeDocument/2006/relationships" xmlns:p="http://schemas.openxmlformats.org/presentationml/2006/main">
-  <p:cSld>
-    <p:spTree>
-      <p:nvGrpSpPr>
-        <p:cNvPr id="1" name=""/>
-        <p:cNvGrpSpPr/>
-        <p:nvPr/>
-      </p:nvGrpSpPr>
-      <p:grpSpPr>
-        <a:xfrm>
-          <a:off x="0" y="0"/>
-          <a:ext cx="0" cy="0"/>
-          <a:chOff x="0" y="0"/>
-          <a:chExt cx="0" cy="0"/>
-        </a:xfrm>
-      </p:grpSpPr>
-      <p:pic>
-        <p:nvPicPr>
-          <p:cNvPr id="17" name="Picture 16" descr="A picture containing vector graphics&#10;&#10;Description automatically generated">
-            <a:extLst>
-              <a:ext uri="{FF2B5EF4-FFF2-40B4-BE49-F238E27FC236}">
-                <a16:creationId xmlns:a16="http://schemas.microsoft.com/office/drawing/2014/main" id="{D543B701-E33F-482C-876D-186407F34FF9}"/>
-              </a:ext>
-            </a:extLst>
-          </p:cNvPr>
-          <p:cNvPicPr>
-            <a:picLocks noChangeAspect="1"/>
-          </p:cNvPicPr>
-          <p:nvPr/>
-        </p:nvPicPr>
-        <p:blipFill>
-          <a:blip r:embed="rId2">
-            <a:extLst>
-              <a:ext uri="{28A0092B-C50C-407E-A947-70E740481C1C}">
-                <a14:useLocalDpi xmlns:a14="http://schemas.microsoft.com/office/drawing/2010/main" val="0"/>
-              </a:ext>
-            </a:extLst>
-          </a:blip>
-          <a:stretch>
-            <a:fillRect/>
-          </a:stretch>
-        </p:blipFill>
-        <p:spPr>
-          <a:xfrm>
-            <a:off x="827616" y="6466036"/>
-            <a:ext cx="231181" cy="222801"/>
-          </a:xfrm>
-          <a:prstGeom prst="rect">
-            <a:avLst/>
-          </a:prstGeom>
-        </p:spPr>
-      </p:pic>
-      <p:sp>
-        <p:nvSpPr>
-          <p:cNvPr id="2" name="Title 1">
-            <a:extLst>
-              <a:ext uri="{FF2B5EF4-FFF2-40B4-BE49-F238E27FC236}">
-                <a16:creationId xmlns:a16="http://schemas.microsoft.com/office/drawing/2014/main" id="{02A61E0E-092E-481F-8A70-1A1A1EFB372F}"/>
-              </a:ext>
-            </a:extLst>
-          </p:cNvPr>
-          <p:cNvSpPr>
-            <a:spLocks noGrp="1"/>
-          </p:cNvSpPr>
-          <p:nvPr>
-            <p:ph type="title"/>
-          </p:nvPr>
-        </p:nvSpPr>
-        <p:spPr>
-          <a:xfrm>
-            <a:off x="2962712" y="605622"/>
-            <a:ext cx="8610600" cy="1293028"/>
-          </a:xfrm>
-        </p:spPr>
-        <p:txBody>
-          <a:bodyPr/>
-          <a:lstStyle/>
-          <a:p>
-            <a:r>
-              <a:rPr lang="en-US" dirty="0"/>
-              <a:t>Lost Battles</a:t>
-            </a:r>
-            <a:br>
-              <a:rPr lang="en-US" dirty="0"/>
-            </a:br>
-            <a:r>
-              <a:rPr lang="en-US" dirty="0"/>
-              <a:t>Trials &amp; Tribulations</a:t>
-            </a:r>
-          </a:p>
-        </p:txBody>
-      </p:sp>
-      <p:sp>
-        <p:nvSpPr>
-          <p:cNvPr id="3" name="Content Placeholder 2">
-            <a:extLst>
-              <a:ext uri="{FF2B5EF4-FFF2-40B4-BE49-F238E27FC236}">
-                <a16:creationId xmlns:a16="http://schemas.microsoft.com/office/drawing/2014/main" id="{8441EDFC-EC21-4D54-9BD6-590B5906B47D}"/>
-              </a:ext>
-            </a:extLst>
-          </p:cNvPr>
-          <p:cNvSpPr>
-            <a:spLocks noGrp="1"/>
-          </p:cNvSpPr>
-          <p:nvPr>
-            <p:ph idx="1"/>
-          </p:nvPr>
-        </p:nvSpPr>
-        <p:spPr>
-          <a:xfrm>
-            <a:off x="677411" y="1974151"/>
-            <a:ext cx="10549218" cy="3433109"/>
-          </a:xfrm>
-        </p:spPr>
-        <p:txBody>
-          <a:bodyPr/>
-          <a:lstStyle/>
-          <a:p>
-            <a:pPr marL="0" indent="0">
-              <a:buNone/>
-            </a:pPr>
-            <a:endParaRPr lang="en-US" dirty="0"/>
-          </a:p>
-          <a:p>
-            <a:endParaRPr lang="en-US" dirty="0"/>
-          </a:p>
-        </p:txBody>
-      </p:sp>
-      <p:pic>
-        <p:nvPicPr>
-          <p:cNvPr id="4" name="Picture 3">
-            <a:extLst>
-              <a:ext uri="{FF2B5EF4-FFF2-40B4-BE49-F238E27FC236}">
-                <a16:creationId xmlns:a16="http://schemas.microsoft.com/office/drawing/2014/main" id="{BBF34D38-0CB1-4318-9A7C-2E4F39EDEF77}"/>
-              </a:ext>
-            </a:extLst>
-          </p:cNvPr>
-          <p:cNvPicPr>
-            <a:picLocks noChangeAspect="1"/>
-          </p:cNvPicPr>
-          <p:nvPr/>
-        </p:nvPicPr>
-        <p:blipFill>
-          <a:blip r:embed="rId3"/>
-          <a:stretch>
-            <a:fillRect/>
-          </a:stretch>
-        </p:blipFill>
-        <p:spPr>
-          <a:xfrm>
-            <a:off x="0" y="5693555"/>
-            <a:ext cx="1104572" cy="1102044"/>
-          </a:xfrm>
-          <a:prstGeom prst="rect">
-            <a:avLst/>
-          </a:prstGeom>
-        </p:spPr>
-      </p:pic>
-      <p:sp>
-        <p:nvSpPr>
-          <p:cNvPr id="5" name="TextBox 4">
-            <a:extLst>
-              <a:ext uri="{FF2B5EF4-FFF2-40B4-BE49-F238E27FC236}">
-                <a16:creationId xmlns:a16="http://schemas.microsoft.com/office/drawing/2014/main" id="{9B0F77A0-91A2-4771-8EE6-16B61AF2D7C4}"/>
-              </a:ext>
-            </a:extLst>
-          </p:cNvPr>
-          <p:cNvSpPr txBox="1"/>
-          <p:nvPr/>
-        </p:nvSpPr>
-        <p:spPr>
-          <a:xfrm>
-            <a:off x="314697" y="2254749"/>
-            <a:ext cx="3033384" cy="923330"/>
-          </a:xfrm>
-          <a:prstGeom prst="rect">
-            <a:avLst/>
-          </a:prstGeom>
-          <a:noFill/>
-        </p:spPr>
-        <p:txBody>
-          <a:bodyPr wrap="square" rtlCol="0">
-            <a:spAutoFit/>
-          </a:bodyPr>
-          <a:lstStyle/>
-          <a:p>
-            <a:r>
-              <a:rPr lang="en-US" dirty="0"/>
-              <a:t>Design</a:t>
-            </a:r>
-          </a:p>
-          <a:p>
-            <a:endParaRPr lang="en-US" dirty="0"/>
-          </a:p>
-          <a:p>
-            <a:r>
-              <a:rPr lang="en-US" dirty="0"/>
-              <a:t>Something we </a:t>
-            </a:r>
-          </a:p>
-        </p:txBody>
-      </p:sp>
     </p:spTree>
     <p:extLst>
       <p:ext uri="{BB962C8B-B14F-4D97-AF65-F5344CB8AC3E}">
@@ -9456,6 +9436,18 @@
   <p:clrMapOvr>
     <a:masterClrMapping/>
   </p:clrMapOvr>
+  <mc:AlternateContent xmlns:mc="http://schemas.openxmlformats.org/markup-compatibility/2006">
+    <mc:Choice xmlns:p15="http://schemas.microsoft.com/office/powerpoint/2012/main" Requires="p15">
+      <p:transition xmlns:p14="http://schemas.microsoft.com/office/powerpoint/2010/main" spd="slow" p14:dur="2000">
+        <p15:prstTrans prst="fallOver"/>
+      </p:transition>
+    </mc:Choice>
+    <mc:Fallback>
+      <p:transition spd="slow">
+        <p:fade/>
+      </p:transition>
+    </mc:Fallback>
+  </mc:AlternateContent>
 </p:sld>
 </file>
 
@@ -9612,6 +9604,18 @@
   <p:clrMapOvr>
     <a:masterClrMapping/>
   </p:clrMapOvr>
+  <mc:AlternateContent xmlns:mc="http://schemas.openxmlformats.org/markup-compatibility/2006">
+    <mc:Choice xmlns:p15="http://schemas.microsoft.com/office/powerpoint/2012/main" Requires="p15">
+      <p:transition xmlns:p14="http://schemas.microsoft.com/office/powerpoint/2010/main" spd="slow" p14:dur="2000">
+        <p15:prstTrans prst="prestige"/>
+      </p:transition>
+    </mc:Choice>
+    <mc:Fallback>
+      <p:transition spd="slow">
+        <p:fade/>
+      </p:transition>
+    </mc:Fallback>
+  </mc:AlternateContent>
 </p:sld>
 </file>
 
@@ -9844,6 +9848,18 @@
   <p:clrMapOvr>
     <a:masterClrMapping/>
   </p:clrMapOvr>
+  <mc:AlternateContent xmlns:mc="http://schemas.openxmlformats.org/markup-compatibility/2006">
+    <mc:Choice xmlns:p15="http://schemas.microsoft.com/office/powerpoint/2012/main" Requires="p15">
+      <p:transition xmlns:p14="http://schemas.microsoft.com/office/powerpoint/2010/main" spd="slow" p14:dur="2000">
+        <p15:prstTrans prst="prestige"/>
+      </p:transition>
+    </mc:Choice>
+    <mc:Fallback>
+      <p:transition spd="slow">
+        <p:fade/>
+      </p:transition>
+    </mc:Fallback>
+  </mc:AlternateContent>
 </p:sld>
 </file>
 
@@ -10036,6 +10052,18 @@
   <p:clrMapOvr>
     <a:masterClrMapping/>
   </p:clrMapOvr>
+  <mc:AlternateContent xmlns:mc="http://schemas.openxmlformats.org/markup-compatibility/2006">
+    <mc:Choice xmlns:p15="http://schemas.microsoft.com/office/powerpoint/2012/main" Requires="p15">
+      <p:transition xmlns:p14="http://schemas.microsoft.com/office/powerpoint/2010/main" spd="slow" p14:dur="2000">
+        <p15:prstTrans prst="fallOver"/>
+      </p:transition>
+    </mc:Choice>
+    <mc:Fallback>
+      <p:transition spd="slow">
+        <p:fade/>
+      </p:transition>
+    </mc:Fallback>
+  </mc:AlternateContent>
 </p:sld>
 </file>
 
@@ -10276,6 +10304,18 @@
   <p:clrMapOvr>
     <a:masterClrMapping/>
   </p:clrMapOvr>
+  <mc:AlternateContent xmlns:mc="http://schemas.openxmlformats.org/markup-compatibility/2006">
+    <mc:Choice xmlns:p15="http://schemas.microsoft.com/office/powerpoint/2012/main" Requires="p15">
+      <p:transition xmlns:p14="http://schemas.microsoft.com/office/powerpoint/2010/main" spd="slow" p14:dur="2000">
+        <p15:prstTrans prst="fallOver"/>
+      </p:transition>
+    </mc:Choice>
+    <mc:Fallback>
+      <p:transition spd="slow">
+        <p:fade/>
+      </p:transition>
+    </mc:Fallback>
+  </mc:AlternateContent>
 </p:sld>
 </file>
 
@@ -10325,12 +10365,12 @@
               <a:rPr lang="en-US" dirty="0"/>
             </a:br>
             <a:r>
-              <a:rPr lang="en-US" dirty="0" err="1"/>
-              <a:t>PokeBattles</a:t>
+              <a:rPr lang="en-US" sz="4000" dirty="0"/>
+              <a:t>Poké-</a:t>
             </a:r>
             <a:r>
               <a:rPr lang="en-US" dirty="0"/>
-              <a:t>: Phase 1 </a:t>
+              <a:t>Battles: Phase 1 </a:t>
             </a:r>
           </a:p>
         </p:txBody>
@@ -10383,12 +10423,12 @@
               <a:t>Need for each </a:t>
             </a:r>
             <a:r>
-              <a:rPr lang="en-US" dirty="0" err="1"/>
-              <a:t>pokemon</a:t>
+              <a:rPr lang="en-US" sz="1800" dirty="0"/>
+              <a:t>Poké</a:t>
             </a:r>
             <a:r>
               <a:rPr lang="en-US" dirty="0"/>
-              <a:t> to have a recorded battle and result</a:t>
+              <a:t>mon to have a recorded battle and result</a:t>
             </a:r>
             <a:br>
               <a:rPr lang="en-US" dirty="0"/>
@@ -10419,12 +10459,12 @@
               <a:t>No existing dataset on </a:t>
             </a:r>
             <a:r>
-              <a:rPr lang="en-US" dirty="0" err="1"/>
-              <a:t>pokemon</a:t>
+              <a:rPr lang="en-US" sz="1800" dirty="0"/>
+              <a:t>Poké</a:t>
             </a:r>
             <a:r>
               <a:rPr lang="en-US" dirty="0"/>
-              <a:t> battles/results</a:t>
+              <a:t>mon battles/results</a:t>
             </a:r>
             <a:br>
               <a:rPr lang="en-US" dirty="0"/>
@@ -10456,6 +10496,18 @@
   <p:clrMapOvr>
     <a:masterClrMapping/>
   </p:clrMapOvr>
+  <mc:AlternateContent xmlns:mc="http://schemas.openxmlformats.org/markup-compatibility/2006">
+    <mc:Choice xmlns:p15="http://schemas.microsoft.com/office/powerpoint/2012/main" Requires="p15">
+      <p:transition xmlns:p14="http://schemas.microsoft.com/office/powerpoint/2010/main" spd="slow" p14:dur="2000">
+        <p15:prstTrans prst="prestige"/>
+      </p:transition>
+    </mc:Choice>
+    <mc:Fallback>
+      <p:transition spd="slow">
+        <p:fade/>
+      </p:transition>
+    </mc:Fallback>
+  </mc:AlternateContent>
 </p:sld>
 </file>
 
@@ -10505,12 +10557,12 @@
               <a:rPr lang="en-US" dirty="0"/>
             </a:br>
             <a:r>
-              <a:rPr lang="en-US" dirty="0" err="1"/>
-              <a:t>PokeBattles</a:t>
+              <a:rPr lang="en-US" sz="4000" dirty="0"/>
+              <a:t>Poké-</a:t>
             </a:r>
             <a:r>
               <a:rPr lang="en-US" dirty="0"/>
-              <a:t>: Phase 2 </a:t>
+              <a:t>Battles: Phase 2 </a:t>
             </a:r>
           </a:p>
         </p:txBody>
@@ -10589,10 +10641,13 @@
               <a:t>Created formula to calculate a score between two </a:t>
             </a:r>
             <a:r>
-              <a:rPr lang="en-US" dirty="0" err="1"/>
-              <a:t>pokemon</a:t>
-            </a:r>
-            <a:endParaRPr lang="en-US" dirty="0"/>
+              <a:rPr lang="en-US" sz="1800" dirty="0"/>
+              <a:t>Poké</a:t>
+            </a:r>
+            <a:r>
+              <a:rPr lang="en-US" dirty="0"/>
+              <a:t>mon</a:t>
+            </a:r>
           </a:p>
           <a:p>
             <a:pPr marL="1657350" lvl="3" indent="-285750">
@@ -10604,12 +10659,12 @@
               <a:t>If score was positive, first listed </a:t>
             </a:r>
             <a:r>
-              <a:rPr lang="en-US" dirty="0" err="1"/>
-              <a:t>pokemon</a:t>
+              <a:rPr lang="en-US" sz="1800" dirty="0"/>
+              <a:t>Poké</a:t>
             </a:r>
             <a:r>
               <a:rPr lang="en-US" dirty="0"/>
-              <a:t> (Name) won (1)</a:t>
+              <a:t>mon (Name) won (1)</a:t>
             </a:r>
           </a:p>
           <a:p>
@@ -10694,6 +10749,18 @@
   <p:clrMapOvr>
     <a:masterClrMapping/>
   </p:clrMapOvr>
+  <mc:AlternateContent xmlns:mc="http://schemas.openxmlformats.org/markup-compatibility/2006">
+    <mc:Choice xmlns:p15="http://schemas.microsoft.com/office/powerpoint/2012/main" Requires="p15">
+      <p:transition xmlns:p14="http://schemas.microsoft.com/office/powerpoint/2010/main" spd="slow" p14:dur="2000">
+        <p15:prstTrans prst="prestige"/>
+      </p:transition>
+    </mc:Choice>
+    <mc:Fallback>
+      <p:transition spd="slow">
+        <p:fade/>
+      </p:transition>
+    </mc:Fallback>
+  </mc:AlternateContent>
 </p:sld>
 </file>
 
@@ -10743,12 +10810,12 @@
               <a:rPr lang="en-US" dirty="0"/>
             </a:br>
             <a:r>
-              <a:rPr lang="en-US" dirty="0" err="1"/>
-              <a:t>PokeBattles</a:t>
+              <a:rPr lang="en-US" sz="4000" dirty="0"/>
+              <a:t>Poké-</a:t>
             </a:r>
             <a:r>
               <a:rPr lang="en-US" dirty="0"/>
-              <a:t>: Phase 3 </a:t>
+              <a:t>Battles: Phase 3 </a:t>
             </a:r>
           </a:p>
         </p:txBody>
@@ -10944,6 +11011,18 @@
   <p:clrMapOvr>
     <a:masterClrMapping/>
   </p:clrMapOvr>
+  <mc:AlternateContent xmlns:mc="http://schemas.openxmlformats.org/markup-compatibility/2006">
+    <mc:Choice xmlns:p15="http://schemas.microsoft.com/office/powerpoint/2012/main" Requires="p15">
+      <p:transition xmlns:p14="http://schemas.microsoft.com/office/powerpoint/2010/main" spd="slow" p14:dur="2000">
+        <p15:prstTrans prst="fallOver"/>
+      </p:transition>
+    </mc:Choice>
+    <mc:Fallback>
+      <p:transition spd="slow">
+        <p:fade/>
+      </p:transition>
+    </mc:Fallback>
+  </mc:AlternateContent>
 </p:sld>
 </file>
 

--- a/Final Presentation.pptx
+++ b/Final Presentation.pptx
@@ -657,7 +657,7 @@
   <pc:docChgLst>
     <pc:chgData name="Daniel Buescher" userId="be4f4dfaf1c4f0c1" providerId="LiveId" clId="{033E3976-089A-4928-A635-8C492144EEA1}"/>
     <pc:docChg chg="undo custSel addSld delSld modSld sldOrd">
-      <pc:chgData name="Daniel Buescher" userId="be4f4dfaf1c4f0c1" providerId="LiveId" clId="{033E3976-089A-4928-A635-8C492144EEA1}" dt="2021-06-29T23:24:41.047" v="1705"/>
+      <pc:chgData name="Daniel Buescher" userId="be4f4dfaf1c4f0c1" providerId="LiveId" clId="{033E3976-089A-4928-A635-8C492144EEA1}" dt="2021-06-29T23:27:58.242" v="1744" actId="20577"/>
       <pc:docMkLst>
         <pc:docMk/>
       </pc:docMkLst>
@@ -970,7 +970,7 @@
         </pc:spChg>
       </pc:sldChg>
       <pc:sldChg chg="addSp delSp modSp add mod">
-        <pc:chgData name="Daniel Buescher" userId="be4f4dfaf1c4f0c1" providerId="LiveId" clId="{033E3976-089A-4928-A635-8C492144EEA1}" dt="2021-06-29T23:21:18.043" v="1680" actId="20577"/>
+        <pc:chgData name="Daniel Buescher" userId="be4f4dfaf1c4f0c1" providerId="LiveId" clId="{033E3976-089A-4928-A635-8C492144EEA1}" dt="2021-06-29T23:27:58.242" v="1744" actId="20577"/>
         <pc:sldMkLst>
           <pc:docMk/>
           <pc:sldMk cId="2191488993" sldId="272"/>
@@ -984,7 +984,7 @@
           </ac:spMkLst>
         </pc:spChg>
         <pc:spChg chg="mod">
-          <ac:chgData name="Daniel Buescher" userId="be4f4dfaf1c4f0c1" providerId="LiveId" clId="{033E3976-089A-4928-A635-8C492144EEA1}" dt="2021-06-29T23:21:18.043" v="1680" actId="20577"/>
+          <ac:chgData name="Daniel Buescher" userId="be4f4dfaf1c4f0c1" providerId="LiveId" clId="{033E3976-089A-4928-A635-8C492144EEA1}" dt="2021-06-29T23:27:58.242" v="1744" actId="20577"/>
           <ac:spMkLst>
             <pc:docMk/>
             <pc:sldMk cId="2191488993" sldId="272"/>
@@ -8329,13 +8329,13 @@
   <p:clrMapOvr>
     <a:masterClrMapping/>
   </p:clrMapOvr>
-  <mc:AlternateContent xmlns:mc="http://schemas.openxmlformats.org/markup-compatibility/2006">
-    <mc:Choice xmlns:p15="http://schemas.microsoft.com/office/powerpoint/2012/main" Requires="p15">
+  <mc:AlternateContent xmlns:mc="http://schemas.openxmlformats.org/markup-compatibility/2006" xmlns:p15="http://schemas.microsoft.com/office/powerpoint/2012/main">
+    <mc:Choice Requires="p15">
       <p:transition xmlns:p14="http://schemas.microsoft.com/office/powerpoint/2010/main" spd="slow" p14:dur="2000">
         <p15:prstTrans prst="fallOver"/>
       </p:transition>
     </mc:Choice>
-    <mc:Fallback>
+    <mc:Fallback xmlns="">
       <p:transition spd="slow">
         <p:fade/>
       </p:transition>
@@ -8545,13 +8545,13 @@
   <p:clrMapOvr>
     <a:masterClrMapping/>
   </p:clrMapOvr>
-  <mc:AlternateContent xmlns:mc="http://schemas.openxmlformats.org/markup-compatibility/2006">
-    <mc:Choice xmlns:p15="http://schemas.microsoft.com/office/powerpoint/2012/main" Requires="p15">
+  <mc:AlternateContent xmlns:mc="http://schemas.openxmlformats.org/markup-compatibility/2006" xmlns:p15="http://schemas.microsoft.com/office/powerpoint/2012/main">
+    <mc:Choice Requires="p15">
       <p:transition xmlns:p14="http://schemas.microsoft.com/office/powerpoint/2010/main" spd="slow" p14:dur="2000">
         <p15:prstTrans prst="fallOver"/>
       </p:transition>
     </mc:Choice>
-    <mc:Fallback>
+    <mc:Fallback xmlns="">
       <p:transition spd="slow">
         <p:fade/>
       </p:transition>
@@ -8814,13 +8814,13 @@
   <p:clrMapOvr>
     <a:masterClrMapping/>
   </p:clrMapOvr>
-  <mc:AlternateContent xmlns:mc="http://schemas.openxmlformats.org/markup-compatibility/2006">
-    <mc:Choice xmlns:p15="http://schemas.microsoft.com/office/powerpoint/2012/main" Requires="p15">
+  <mc:AlternateContent xmlns:mc="http://schemas.openxmlformats.org/markup-compatibility/2006" xmlns:p15="http://schemas.microsoft.com/office/powerpoint/2012/main">
+    <mc:Choice Requires="p15">
       <p:transition xmlns:p14="http://schemas.microsoft.com/office/powerpoint/2010/main" spd="slow" p14:dur="2000">
         <p15:prstTrans prst="prestige"/>
       </p:transition>
     </mc:Choice>
-    <mc:Fallback>
+    <mc:Fallback xmlns="">
       <p:transition spd="slow">
         <p:fade/>
       </p:transition>
@@ -9071,13 +9071,13 @@
   <p:clrMapOvr>
     <a:masterClrMapping/>
   </p:clrMapOvr>
-  <mc:AlternateContent xmlns:mc="http://schemas.openxmlformats.org/markup-compatibility/2006">
-    <mc:Choice xmlns:p15="http://schemas.microsoft.com/office/powerpoint/2012/main" Requires="p15">
+  <mc:AlternateContent xmlns:mc="http://schemas.openxmlformats.org/markup-compatibility/2006" xmlns:p15="http://schemas.microsoft.com/office/powerpoint/2012/main">
+    <mc:Choice Requires="p15">
       <p:transition xmlns:p14="http://schemas.microsoft.com/office/powerpoint/2010/main" spd="slow" p14:dur="2000">
         <p15:prstTrans prst="prestige"/>
       </p:transition>
     </mc:Choice>
-    <mc:Fallback>
+    <mc:Fallback xmlns="">
       <p:transition spd="slow">
         <p:fade/>
       </p:transition>
@@ -9210,15 +9210,24 @@
             </a:r>
           </a:p>
           <a:p>
+            <a:pPr marL="0" indent="0">
+              <a:buNone/>
+            </a:pPr>
             <a:endParaRPr lang="en-US" dirty="0"/>
           </a:p>
           <a:p>
+            <a:r>
+              <a:rPr lang="en-US" dirty="0"/>
+              <a:t>Interactive table of stats</a:t>
+            </a:r>
+          </a:p>
+          <a:p>
             <a:endParaRPr lang="en-US" dirty="0"/>
           </a:p>
           <a:p>
             <a:r>
               <a:rPr lang="en-US" dirty="0"/>
-              <a:t>Interactive table of stats-</a:t>
+              <a:t>Comparative Graphs</a:t>
             </a:r>
           </a:p>
         </p:txBody>
@@ -9436,13 +9445,13 @@
   <p:clrMapOvr>
     <a:masterClrMapping/>
   </p:clrMapOvr>
-  <mc:AlternateContent xmlns:mc="http://schemas.openxmlformats.org/markup-compatibility/2006">
-    <mc:Choice xmlns:p15="http://schemas.microsoft.com/office/powerpoint/2012/main" Requires="p15">
+  <mc:AlternateContent xmlns:mc="http://schemas.openxmlformats.org/markup-compatibility/2006" xmlns:p15="http://schemas.microsoft.com/office/powerpoint/2012/main">
+    <mc:Choice Requires="p15">
       <p:transition xmlns:p14="http://schemas.microsoft.com/office/powerpoint/2010/main" spd="slow" p14:dur="2000">
         <p15:prstTrans prst="fallOver"/>
       </p:transition>
     </mc:Choice>
-    <mc:Fallback>
+    <mc:Fallback xmlns="">
       <p:transition spd="slow">
         <p:fade/>
       </p:transition>
@@ -9604,13 +9613,13 @@
   <p:clrMapOvr>
     <a:masterClrMapping/>
   </p:clrMapOvr>
-  <mc:AlternateContent xmlns:mc="http://schemas.openxmlformats.org/markup-compatibility/2006">
-    <mc:Choice xmlns:p15="http://schemas.microsoft.com/office/powerpoint/2012/main" Requires="p15">
+  <mc:AlternateContent xmlns:mc="http://schemas.openxmlformats.org/markup-compatibility/2006" xmlns:p15="http://schemas.microsoft.com/office/powerpoint/2012/main">
+    <mc:Choice Requires="p15">
       <p:transition xmlns:p14="http://schemas.microsoft.com/office/powerpoint/2010/main" spd="slow" p14:dur="2000">
         <p15:prstTrans prst="prestige"/>
       </p:transition>
     </mc:Choice>
-    <mc:Fallback>
+    <mc:Fallback xmlns="">
       <p:transition spd="slow">
         <p:fade/>
       </p:transition>
@@ -9848,13 +9857,13 @@
   <p:clrMapOvr>
     <a:masterClrMapping/>
   </p:clrMapOvr>
-  <mc:AlternateContent xmlns:mc="http://schemas.openxmlformats.org/markup-compatibility/2006">
-    <mc:Choice xmlns:p15="http://schemas.microsoft.com/office/powerpoint/2012/main" Requires="p15">
+  <mc:AlternateContent xmlns:mc="http://schemas.openxmlformats.org/markup-compatibility/2006" xmlns:p15="http://schemas.microsoft.com/office/powerpoint/2012/main">
+    <mc:Choice Requires="p15">
       <p:transition xmlns:p14="http://schemas.microsoft.com/office/powerpoint/2010/main" spd="slow" p14:dur="2000">
         <p15:prstTrans prst="prestige"/>
       </p:transition>
     </mc:Choice>
-    <mc:Fallback>
+    <mc:Fallback xmlns="">
       <p:transition spd="slow">
         <p:fade/>
       </p:transition>
@@ -10052,13 +10061,13 @@
   <p:clrMapOvr>
     <a:masterClrMapping/>
   </p:clrMapOvr>
-  <mc:AlternateContent xmlns:mc="http://schemas.openxmlformats.org/markup-compatibility/2006">
-    <mc:Choice xmlns:p15="http://schemas.microsoft.com/office/powerpoint/2012/main" Requires="p15">
+  <mc:AlternateContent xmlns:mc="http://schemas.openxmlformats.org/markup-compatibility/2006" xmlns:p15="http://schemas.microsoft.com/office/powerpoint/2012/main">
+    <mc:Choice Requires="p15">
       <p:transition xmlns:p14="http://schemas.microsoft.com/office/powerpoint/2010/main" spd="slow" p14:dur="2000">
         <p15:prstTrans prst="fallOver"/>
       </p:transition>
     </mc:Choice>
-    <mc:Fallback>
+    <mc:Fallback xmlns="">
       <p:transition spd="slow">
         <p:fade/>
       </p:transition>
@@ -10304,13 +10313,13 @@
   <p:clrMapOvr>
     <a:masterClrMapping/>
   </p:clrMapOvr>
-  <mc:AlternateContent xmlns:mc="http://schemas.openxmlformats.org/markup-compatibility/2006">
-    <mc:Choice xmlns:p15="http://schemas.microsoft.com/office/powerpoint/2012/main" Requires="p15">
+  <mc:AlternateContent xmlns:mc="http://schemas.openxmlformats.org/markup-compatibility/2006" xmlns:p15="http://schemas.microsoft.com/office/powerpoint/2012/main">
+    <mc:Choice Requires="p15">
       <p:transition xmlns:p14="http://schemas.microsoft.com/office/powerpoint/2010/main" spd="slow" p14:dur="2000">
         <p15:prstTrans prst="fallOver"/>
       </p:transition>
     </mc:Choice>
-    <mc:Fallback>
+    <mc:Fallback xmlns="">
       <p:transition spd="slow">
         <p:fade/>
       </p:transition>
@@ -10496,13 +10505,13 @@
   <p:clrMapOvr>
     <a:masterClrMapping/>
   </p:clrMapOvr>
-  <mc:AlternateContent xmlns:mc="http://schemas.openxmlformats.org/markup-compatibility/2006">
-    <mc:Choice xmlns:p15="http://schemas.microsoft.com/office/powerpoint/2012/main" Requires="p15">
+  <mc:AlternateContent xmlns:mc="http://schemas.openxmlformats.org/markup-compatibility/2006" xmlns:p15="http://schemas.microsoft.com/office/powerpoint/2012/main">
+    <mc:Choice Requires="p15">
       <p:transition xmlns:p14="http://schemas.microsoft.com/office/powerpoint/2010/main" spd="slow" p14:dur="2000">
         <p15:prstTrans prst="prestige"/>
       </p:transition>
     </mc:Choice>
-    <mc:Fallback>
+    <mc:Fallback xmlns="">
       <p:transition spd="slow">
         <p:fade/>
       </p:transition>
@@ -10749,13 +10758,13 @@
   <p:clrMapOvr>
     <a:masterClrMapping/>
   </p:clrMapOvr>
-  <mc:AlternateContent xmlns:mc="http://schemas.openxmlformats.org/markup-compatibility/2006">
-    <mc:Choice xmlns:p15="http://schemas.microsoft.com/office/powerpoint/2012/main" Requires="p15">
+  <mc:AlternateContent xmlns:mc="http://schemas.openxmlformats.org/markup-compatibility/2006" xmlns:p15="http://schemas.microsoft.com/office/powerpoint/2012/main">
+    <mc:Choice Requires="p15">
       <p:transition xmlns:p14="http://schemas.microsoft.com/office/powerpoint/2010/main" spd="slow" p14:dur="2000">
         <p15:prstTrans prst="prestige"/>
       </p:transition>
     </mc:Choice>
-    <mc:Fallback>
+    <mc:Fallback xmlns="">
       <p:transition spd="slow">
         <p:fade/>
       </p:transition>
@@ -11011,13 +11020,13 @@
   <p:clrMapOvr>
     <a:masterClrMapping/>
   </p:clrMapOvr>
-  <mc:AlternateContent xmlns:mc="http://schemas.openxmlformats.org/markup-compatibility/2006">
-    <mc:Choice xmlns:p15="http://schemas.microsoft.com/office/powerpoint/2012/main" Requires="p15">
+  <mc:AlternateContent xmlns:mc="http://schemas.openxmlformats.org/markup-compatibility/2006" xmlns:p15="http://schemas.microsoft.com/office/powerpoint/2012/main">
+    <mc:Choice Requires="p15">
       <p:transition xmlns:p14="http://schemas.microsoft.com/office/powerpoint/2010/main" spd="slow" p14:dur="2000">
         <p15:prstTrans prst="fallOver"/>
       </p:transition>
     </mc:Choice>
-    <mc:Fallback>
+    <mc:Fallback xmlns="">
       <p:transition spd="slow">
         <p:fade/>
       </p:transition>

--- a/Final Presentation.pptx
+++ b/Final Presentation.pptx
@@ -127,7 +127,7 @@
 <file path=ppt/revisionInfo.xml><?xml version="1.0" encoding="utf-8"?>
 <p1510:revInfo xmlns:a="http://schemas.openxmlformats.org/drawingml/2006/main" xmlns:r="http://schemas.openxmlformats.org/officeDocument/2006/relationships" xmlns:p1510="http://schemas.microsoft.com/office/powerpoint/2015/10/main">
   <p1510:revLst>
-    <p1510:client id="{033E3976-089A-4928-A635-8C492144EEA1}" v="40" dt="2021-06-29T23:20:03.648"/>
+    <p1510:client id="{033E3976-089A-4928-A635-8C492144EEA1}" v="49" dt="2021-06-30T00:21:27.005"/>
     <p1510:client id="{BEBC20AA-7AD3-4761-AB73-7A16737E7810}" v="3" dt="2021-06-29T16:47:49.392"/>
   </p1510:revLst>
 </p1510:revInfo>
@@ -657,7 +657,7 @@
   <pc:docChgLst>
     <pc:chgData name="Daniel Buescher" userId="be4f4dfaf1c4f0c1" providerId="LiveId" clId="{033E3976-089A-4928-A635-8C492144EEA1}"/>
     <pc:docChg chg="undo custSel addSld delSld modSld sldOrd">
-      <pc:chgData name="Daniel Buescher" userId="be4f4dfaf1c4f0c1" providerId="LiveId" clId="{033E3976-089A-4928-A635-8C492144EEA1}" dt="2021-06-29T23:27:58.242" v="1744" actId="20577"/>
+      <pc:chgData name="Daniel Buescher" userId="be4f4dfaf1c4f0c1" providerId="LiveId" clId="{033E3976-089A-4928-A635-8C492144EEA1}" dt="2021-06-30T00:21:27.005" v="1753"/>
       <pc:docMkLst>
         <pc:docMk/>
       </pc:docMkLst>
@@ -834,7 +834,7 @@
         </pc:spChg>
       </pc:sldChg>
       <pc:sldChg chg="modSp new mod modTransition">
-        <pc:chgData name="Daniel Buescher" userId="be4f4dfaf1c4f0c1" providerId="LiveId" clId="{033E3976-089A-4928-A635-8C492144EEA1}" dt="2021-06-29T23:14:12.737" v="1363"/>
+        <pc:chgData name="Daniel Buescher" userId="be4f4dfaf1c4f0c1" providerId="LiveId" clId="{033E3976-089A-4928-A635-8C492144EEA1}" dt="2021-06-30T00:21:03.656" v="1745"/>
         <pc:sldMkLst>
           <pc:docMk/>
           <pc:sldMk cId="3501987123" sldId="268"/>
@@ -878,7 +878,7 @@
         </pc:sldMkLst>
       </pc:sldChg>
       <pc:sldChg chg="addSp delSp modSp new mod modTransition">
-        <pc:chgData name="Daniel Buescher" userId="be4f4dfaf1c4f0c1" providerId="LiveId" clId="{033E3976-089A-4928-A635-8C492144EEA1}" dt="2021-06-29T23:14:16.389" v="1364"/>
+        <pc:chgData name="Daniel Buescher" userId="be4f4dfaf1c4f0c1" providerId="LiveId" clId="{033E3976-089A-4928-A635-8C492144EEA1}" dt="2021-06-30T00:21:06.536" v="1746"/>
         <pc:sldMkLst>
           <pc:docMk/>
           <pc:sldMk cId="3989237146" sldId="269"/>
@@ -969,8 +969,8 @@
           </ac:spMkLst>
         </pc:spChg>
       </pc:sldChg>
-      <pc:sldChg chg="addSp delSp modSp add mod">
-        <pc:chgData name="Daniel Buescher" userId="be4f4dfaf1c4f0c1" providerId="LiveId" clId="{033E3976-089A-4928-A635-8C492144EEA1}" dt="2021-06-29T23:27:58.242" v="1744" actId="20577"/>
+      <pc:sldChg chg="addSp delSp modSp add mod modTransition">
+        <pc:chgData name="Daniel Buescher" userId="be4f4dfaf1c4f0c1" providerId="LiveId" clId="{033E3976-089A-4928-A635-8C492144EEA1}" dt="2021-06-30T00:21:27.005" v="1753"/>
         <pc:sldMkLst>
           <pc:docMk/>
           <pc:sldMk cId="2191488993" sldId="272"/>
@@ -1282,7 +1282,7 @@
         </pc:spChg>
       </pc:sldChg>
       <pc:sldChg chg="modSp mod modTransition">
-        <pc:chgData name="Daniel Buescher" userId="be4f4dfaf1c4f0c1" providerId="LiveId" clId="{033E3976-089A-4928-A635-8C492144EEA1}" dt="2021-06-29T23:23:59.393" v="1692"/>
+        <pc:chgData name="Daniel Buescher" userId="be4f4dfaf1c4f0c1" providerId="LiveId" clId="{033E3976-089A-4928-A635-8C492144EEA1}" dt="2021-06-30T00:21:13.383" v="1748"/>
         <pc:sldMkLst>
           <pc:docMk/>
           <pc:sldMk cId="3611237575" sldId="280"/>
@@ -1305,7 +1305,7 @@
         </pc:spChg>
       </pc:sldChg>
       <pc:sldChg chg="modSp mod modTransition">
-        <pc:chgData name="Daniel Buescher" userId="be4f4dfaf1c4f0c1" providerId="LiveId" clId="{033E3976-089A-4928-A635-8C492144EEA1}" dt="2021-06-29T23:23:20.132" v="1690"/>
+        <pc:chgData name="Daniel Buescher" userId="be4f4dfaf1c4f0c1" providerId="LiveId" clId="{033E3976-089A-4928-A635-8C492144EEA1}" dt="2021-06-30T00:21:11.079" v="1747"/>
         <pc:sldMkLst>
           <pc:docMk/>
           <pc:sldMk cId="2683541900" sldId="281"/>
@@ -1357,7 +1357,7 @@
         </pc:spChg>
       </pc:sldChg>
       <pc:sldChg chg="addSp modSp mod modTransition">
-        <pc:chgData name="Daniel Buescher" userId="be4f4dfaf1c4f0c1" providerId="LiveId" clId="{033E3976-089A-4928-A635-8C492144EEA1}" dt="2021-06-29T23:24:34.965" v="1704" actId="20577"/>
+        <pc:chgData name="Daniel Buescher" userId="be4f4dfaf1c4f0c1" providerId="LiveId" clId="{033E3976-089A-4928-A635-8C492144EEA1}" dt="2021-06-30T00:21:18.355" v="1749"/>
         <pc:sldMkLst>
           <pc:docMk/>
           <pc:sldMk cId="4247369478" sldId="285"/>
@@ -1380,7 +1380,7 @@
         </pc:picChg>
       </pc:sldChg>
       <pc:sldChg chg="modSp mod modTransition">
-        <pc:chgData name="Daniel Buescher" userId="be4f4dfaf1c4f0c1" providerId="LiveId" clId="{033E3976-089A-4928-A635-8C492144EEA1}" dt="2021-06-29T23:24:41.047" v="1705"/>
+        <pc:chgData name="Daniel Buescher" userId="be4f4dfaf1c4f0c1" providerId="LiveId" clId="{033E3976-089A-4928-A635-8C492144EEA1}" dt="2021-06-30T00:21:20.486" v="1750"/>
         <pc:sldMkLst>
           <pc:docMk/>
           <pc:sldMk cId="4268751761" sldId="286"/>
@@ -8814,13 +8814,13 @@
   <p:clrMapOvr>
     <a:masterClrMapping/>
   </p:clrMapOvr>
-  <mc:AlternateContent xmlns:mc="http://schemas.openxmlformats.org/markup-compatibility/2006" xmlns:p15="http://schemas.microsoft.com/office/powerpoint/2012/main">
-    <mc:Choice Requires="p15">
-      <p:transition xmlns:p14="http://schemas.microsoft.com/office/powerpoint/2010/main" spd="slow" p14:dur="2000">
-        <p15:prstTrans prst="prestige"/>
+  <mc:AlternateContent xmlns:mc="http://schemas.openxmlformats.org/markup-compatibility/2006">
+    <mc:Choice xmlns:p15="http://schemas.microsoft.com/office/powerpoint/2012/main" Requires="p15">
+      <p:transition xmlns:p14="http://schemas.microsoft.com/office/powerpoint/2010/main" spd="slow" p14:dur="1250">
+        <p15:prstTrans prst="peelOff"/>
       </p:transition>
     </mc:Choice>
-    <mc:Fallback xmlns="">
+    <mc:Fallback>
       <p:transition spd="slow">
         <p:fade/>
       </p:transition>
@@ -9071,13 +9071,13 @@
   <p:clrMapOvr>
     <a:masterClrMapping/>
   </p:clrMapOvr>
-  <mc:AlternateContent xmlns:mc="http://schemas.openxmlformats.org/markup-compatibility/2006" xmlns:p15="http://schemas.microsoft.com/office/powerpoint/2012/main">
-    <mc:Choice Requires="p15">
-      <p:transition xmlns:p14="http://schemas.microsoft.com/office/powerpoint/2010/main" spd="slow" p14:dur="2000">
-        <p15:prstTrans prst="prestige"/>
+  <mc:AlternateContent xmlns:mc="http://schemas.openxmlformats.org/markup-compatibility/2006">
+    <mc:Choice xmlns:p15="http://schemas.microsoft.com/office/powerpoint/2012/main" Requires="p15">
+      <p:transition xmlns:p14="http://schemas.microsoft.com/office/powerpoint/2010/main" spd="slow" p14:dur="1250">
+        <p15:prstTrans prst="peelOff"/>
       </p:transition>
     </mc:Choice>
-    <mc:Fallback xmlns="">
+    <mc:Fallback>
       <p:transition spd="slow">
         <p:fade/>
       </p:transition>
@@ -9272,14 +9272,14 @@
   <p:clrMapOvr>
     <a:masterClrMapping/>
   </p:clrMapOvr>
-  <mc:AlternateContent xmlns:mc="http://schemas.openxmlformats.org/markup-compatibility/2006" xmlns:p14="http://schemas.microsoft.com/office/powerpoint/2010/main">
-    <mc:Choice Requires="p14">
-      <p:transition spd="med" p14:dur="700">
-        <p:fade/>
+  <mc:AlternateContent xmlns:mc="http://schemas.openxmlformats.org/markup-compatibility/2006">
+    <mc:Choice xmlns:p15="http://schemas.microsoft.com/office/powerpoint/2012/main" Requires="p15">
+      <p:transition xmlns:p14="http://schemas.microsoft.com/office/powerpoint/2010/main" spd="slow" p14:dur="1250">
+        <p15:prstTrans prst="peelOff"/>
       </p:transition>
     </mc:Choice>
-    <mc:Fallback xmlns="">
-      <p:transition spd="med">
+    <mc:Fallback>
+      <p:transition spd="slow">
         <p:fade/>
       </p:transition>
     </mc:Fallback>
@@ -9613,13 +9613,13 @@
   <p:clrMapOvr>
     <a:masterClrMapping/>
   </p:clrMapOvr>
-  <mc:AlternateContent xmlns:mc="http://schemas.openxmlformats.org/markup-compatibility/2006" xmlns:p15="http://schemas.microsoft.com/office/powerpoint/2012/main">
-    <mc:Choice Requires="p15">
-      <p:transition xmlns:p14="http://schemas.microsoft.com/office/powerpoint/2010/main" spd="slow" p14:dur="2000">
-        <p15:prstTrans prst="prestige"/>
+  <mc:AlternateContent xmlns:mc="http://schemas.openxmlformats.org/markup-compatibility/2006">
+    <mc:Choice xmlns:p15="http://schemas.microsoft.com/office/powerpoint/2012/main" Requires="p15">
+      <p:transition xmlns:p14="http://schemas.microsoft.com/office/powerpoint/2010/main" spd="slow" p14:dur="1250">
+        <p15:prstTrans prst="peelOff"/>
       </p:transition>
     </mc:Choice>
-    <mc:Fallback xmlns="">
+    <mc:Fallback>
       <p:transition spd="slow">
         <p:fade/>
       </p:transition>
@@ -9857,13 +9857,13 @@
   <p:clrMapOvr>
     <a:masterClrMapping/>
   </p:clrMapOvr>
-  <mc:AlternateContent xmlns:mc="http://schemas.openxmlformats.org/markup-compatibility/2006" xmlns:p15="http://schemas.microsoft.com/office/powerpoint/2012/main">
-    <mc:Choice Requires="p15">
-      <p:transition xmlns:p14="http://schemas.microsoft.com/office/powerpoint/2010/main" spd="slow" p14:dur="2000">
-        <p15:prstTrans prst="prestige"/>
+  <mc:AlternateContent xmlns:mc="http://schemas.openxmlformats.org/markup-compatibility/2006">
+    <mc:Choice xmlns:p15="http://schemas.microsoft.com/office/powerpoint/2012/main" Requires="p15">
+      <p:transition xmlns:p14="http://schemas.microsoft.com/office/powerpoint/2010/main" spd="slow" p14:dur="1250">
+        <p15:prstTrans prst="peelOff"/>
       </p:transition>
     </mc:Choice>
-    <mc:Fallback xmlns="">
+    <mc:Fallback>
       <p:transition spd="slow">
         <p:fade/>
       </p:transition>
@@ -10505,13 +10505,13 @@
   <p:clrMapOvr>
     <a:masterClrMapping/>
   </p:clrMapOvr>
-  <mc:AlternateContent xmlns:mc="http://schemas.openxmlformats.org/markup-compatibility/2006" xmlns:p15="http://schemas.microsoft.com/office/powerpoint/2012/main">
-    <mc:Choice Requires="p15">
-      <p:transition xmlns:p14="http://schemas.microsoft.com/office/powerpoint/2010/main" spd="slow" p14:dur="2000">
-        <p15:prstTrans prst="prestige"/>
+  <mc:AlternateContent xmlns:mc="http://schemas.openxmlformats.org/markup-compatibility/2006">
+    <mc:Choice xmlns:p15="http://schemas.microsoft.com/office/powerpoint/2012/main" Requires="p15">
+      <p:transition xmlns:p14="http://schemas.microsoft.com/office/powerpoint/2010/main" spd="slow" p14:dur="1250">
+        <p15:prstTrans prst="peelOff"/>
       </p:transition>
     </mc:Choice>
-    <mc:Fallback xmlns="">
+    <mc:Fallback>
       <p:transition spd="slow">
         <p:fade/>
       </p:transition>
@@ -10758,13 +10758,13 @@
   <p:clrMapOvr>
     <a:masterClrMapping/>
   </p:clrMapOvr>
-  <mc:AlternateContent xmlns:mc="http://schemas.openxmlformats.org/markup-compatibility/2006" xmlns:p15="http://schemas.microsoft.com/office/powerpoint/2012/main">
-    <mc:Choice Requires="p15">
-      <p:transition xmlns:p14="http://schemas.microsoft.com/office/powerpoint/2010/main" spd="slow" p14:dur="2000">
-        <p15:prstTrans prst="prestige"/>
+  <mc:AlternateContent xmlns:mc="http://schemas.openxmlformats.org/markup-compatibility/2006">
+    <mc:Choice xmlns:p15="http://schemas.microsoft.com/office/powerpoint/2012/main" Requires="p15">
+      <p:transition xmlns:p14="http://schemas.microsoft.com/office/powerpoint/2010/main" spd="slow" p14:dur="1250">
+        <p15:prstTrans prst="peelOff"/>
       </p:transition>
     </mc:Choice>
-    <mc:Fallback xmlns="">
+    <mc:Fallback>
       <p:transition spd="slow">
         <p:fade/>
       </p:transition>
